--- a/Monthly Plan.pptx
+++ b/Monthly Plan.pptx
@@ -5,11 +5,12 @@
     <p:sldMasterId id="2147483648" r:id="rId1"/>
   </p:sldMasterIdLst>
   <p:notesMasterIdLst>
-    <p:notesMasterId r:id="rId4"/>
+    <p:notesMasterId r:id="rId5"/>
   </p:notesMasterIdLst>
   <p:sldIdLst>
     <p:sldId id="256" r:id="rId2"/>
-    <p:sldId id="257" r:id="rId3"/>
+    <p:sldId id="258" r:id="rId3"/>
+    <p:sldId id="257" r:id="rId4"/>
   </p:sldIdLst>
   <p:sldSz cx="9144000" cy="6858000" type="screen4x3"/>
   <p:notesSz cx="6858000" cy="9144000"/>
@@ -193,7 +194,7 @@
           <a:p>
             <a:fld id="{E1E76E78-0C2A-445E-B35D-3ADF0836B2B3}" type="datetimeFigureOut">
               <a:rPr lang="ko-KR" altLang="en-US" smtClean="0"/>
-              <a:t>2018-05-01</a:t>
+              <a:t>2018-05-02</a:t>
             </a:fld>
             <a:endParaRPr lang="ko-KR" altLang="en-US"/>
           </a:p>
@@ -526,7 +527,7 @@
           <a:p>
             <a:fld id="{A9F825AE-3181-449F-B80A-CA492E3D5F0D}" type="slidenum">
               <a:rPr lang="ko-KR" altLang="en-US" smtClean="0"/>
-              <a:t>2</a:t>
+              <a:t>3</a:t>
             </a:fld>
             <a:endParaRPr lang="ko-KR" altLang="en-US"/>
           </a:p>
@@ -726,7 +727,7 @@
           <a:p>
             <a:fld id="{48C2848A-6F74-48C5-A4CD-91F929EC3187}" type="datetimeFigureOut">
               <a:rPr lang="ko-KR" altLang="en-US" smtClean="0"/>
-              <a:t>2018-05-01</a:t>
+              <a:t>2018-05-02</a:t>
             </a:fld>
             <a:endParaRPr lang="ko-KR" altLang="en-US"/>
           </a:p>
@@ -896,7 +897,7 @@
           <a:p>
             <a:fld id="{48C2848A-6F74-48C5-A4CD-91F929EC3187}" type="datetimeFigureOut">
               <a:rPr lang="ko-KR" altLang="en-US" smtClean="0"/>
-              <a:t>2018-05-01</a:t>
+              <a:t>2018-05-02</a:t>
             </a:fld>
             <a:endParaRPr lang="ko-KR" altLang="en-US"/>
           </a:p>
@@ -1076,7 +1077,7 @@
           <a:p>
             <a:fld id="{48C2848A-6F74-48C5-A4CD-91F929EC3187}" type="datetimeFigureOut">
               <a:rPr lang="ko-KR" altLang="en-US" smtClean="0"/>
-              <a:t>2018-05-01</a:t>
+              <a:t>2018-05-02</a:t>
             </a:fld>
             <a:endParaRPr lang="ko-KR" altLang="en-US"/>
           </a:p>
@@ -1246,7 +1247,7 @@
           <a:p>
             <a:fld id="{48C2848A-6F74-48C5-A4CD-91F929EC3187}" type="datetimeFigureOut">
               <a:rPr lang="ko-KR" altLang="en-US" smtClean="0"/>
-              <a:t>2018-05-01</a:t>
+              <a:t>2018-05-02</a:t>
             </a:fld>
             <a:endParaRPr lang="ko-KR" altLang="en-US"/>
           </a:p>
@@ -1492,7 +1493,7 @@
           <a:p>
             <a:fld id="{48C2848A-6F74-48C5-A4CD-91F929EC3187}" type="datetimeFigureOut">
               <a:rPr lang="ko-KR" altLang="en-US" smtClean="0"/>
-              <a:t>2018-05-01</a:t>
+              <a:t>2018-05-02</a:t>
             </a:fld>
             <a:endParaRPr lang="ko-KR" altLang="en-US"/>
           </a:p>
@@ -1780,7 +1781,7 @@
           <a:p>
             <a:fld id="{48C2848A-6F74-48C5-A4CD-91F929EC3187}" type="datetimeFigureOut">
               <a:rPr lang="ko-KR" altLang="en-US" smtClean="0"/>
-              <a:t>2018-05-01</a:t>
+              <a:t>2018-05-02</a:t>
             </a:fld>
             <a:endParaRPr lang="ko-KR" altLang="en-US"/>
           </a:p>
@@ -2202,7 +2203,7 @@
           <a:p>
             <a:fld id="{48C2848A-6F74-48C5-A4CD-91F929EC3187}" type="datetimeFigureOut">
               <a:rPr lang="ko-KR" altLang="en-US" smtClean="0"/>
-              <a:t>2018-05-01</a:t>
+              <a:t>2018-05-02</a:t>
             </a:fld>
             <a:endParaRPr lang="ko-KR" altLang="en-US"/>
           </a:p>
@@ -2320,7 +2321,7 @@
           <a:p>
             <a:fld id="{48C2848A-6F74-48C5-A4CD-91F929EC3187}" type="datetimeFigureOut">
               <a:rPr lang="ko-KR" altLang="en-US" smtClean="0"/>
-              <a:t>2018-05-01</a:t>
+              <a:t>2018-05-02</a:t>
             </a:fld>
             <a:endParaRPr lang="ko-KR" altLang="en-US"/>
           </a:p>
@@ -2415,7 +2416,7 @@
           <a:p>
             <a:fld id="{48C2848A-6F74-48C5-A4CD-91F929EC3187}" type="datetimeFigureOut">
               <a:rPr lang="ko-KR" altLang="en-US" smtClean="0"/>
-              <a:t>2018-05-01</a:t>
+              <a:t>2018-05-02</a:t>
             </a:fld>
             <a:endParaRPr lang="ko-KR" altLang="en-US"/>
           </a:p>
@@ -2692,7 +2693,7 @@
           <a:p>
             <a:fld id="{48C2848A-6F74-48C5-A4CD-91F929EC3187}" type="datetimeFigureOut">
               <a:rPr lang="ko-KR" altLang="en-US" smtClean="0"/>
-              <a:t>2018-05-01</a:t>
+              <a:t>2018-05-02</a:t>
             </a:fld>
             <a:endParaRPr lang="ko-KR" altLang="en-US"/>
           </a:p>
@@ -2945,7 +2946,7 @@
           <a:p>
             <a:fld id="{48C2848A-6F74-48C5-A4CD-91F929EC3187}" type="datetimeFigureOut">
               <a:rPr lang="ko-KR" altLang="en-US" smtClean="0"/>
-              <a:t>2018-05-01</a:t>
+              <a:t>2018-05-02</a:t>
             </a:fld>
             <a:endParaRPr lang="ko-KR" altLang="en-US"/>
           </a:p>
@@ -3158,7 +3159,7 @@
           <a:p>
             <a:fld id="{48C2848A-6F74-48C5-A4CD-91F929EC3187}" type="datetimeFigureOut">
               <a:rPr lang="ko-KR" altLang="en-US" smtClean="0"/>
-              <a:t>2018-05-01</a:t>
+              <a:t>2018-05-02</a:t>
             </a:fld>
             <a:endParaRPr lang="ko-KR" altLang="en-US"/>
           </a:p>
@@ -3543,7 +3544,12 @@
             <p:ph type="ctrTitle"/>
           </p:nvPr>
         </p:nvSpPr>
-        <p:spPr/>
+        <p:spPr>
+          <a:xfrm>
+            <a:off x="683568" y="1700808"/>
+            <a:ext cx="7772400" cy="1470025"/>
+          </a:xfrm>
+        </p:spPr>
         <p:txBody>
           <a:bodyPr/>
           <a:lstStyle/>
@@ -3584,13 +3590,20 @@
             <p:ph type="subTitle" idx="1"/>
           </p:nvPr>
         </p:nvSpPr>
-        <p:spPr/>
+        <p:spPr>
+          <a:xfrm>
+            <a:off x="1259632" y="3573016"/>
+            <a:ext cx="6624736" cy="2232248"/>
+          </a:xfrm>
+        </p:spPr>
         <p:txBody>
-          <a:bodyPr/>
+          <a:bodyPr>
+            <a:normAutofit fontScale="92500" lnSpcReduction="20000"/>
+          </a:bodyPr>
           <a:lstStyle/>
           <a:p>
             <a:r>
-              <a:rPr lang="en-US" altLang="ko-KR" sz="1600" dirty="0" smtClean="0">
+              <a:rPr lang="en-US" altLang="ko-KR" sz="1600" b="1" dirty="0" smtClean="0">
                 <a:solidFill>
                   <a:schemeClr val="tx2">
                     <a:lumMod val="40000"/>
@@ -3598,19 +3611,11 @@
                   </a:schemeClr>
                 </a:solidFill>
               </a:rPr>
-              <a:t>5~6</a:t>
-            </a:r>
-            <a:r>
-              <a:rPr lang="ko-KR" altLang="en-US" sz="1600" dirty="0" smtClean="0">
-                <a:solidFill>
-                  <a:schemeClr val="tx2">
-                    <a:lumMod val="40000"/>
-                    <a:lumOff val="60000"/>
-                  </a:schemeClr>
-                </a:solidFill>
-              </a:rPr>
-              <a:t>월 중순</a:t>
-            </a:r>
+              <a:t>May, June</a:t>
+            </a:r>
+          </a:p>
+          <a:p>
+            <a:pPr algn="l"/>
             <a:endParaRPr lang="en-US" altLang="ko-KR" sz="1600" dirty="0" smtClean="0">
               <a:solidFill>
                 <a:schemeClr val="tx2">
@@ -3621,8 +3626,9 @@
             </a:endParaRPr>
           </a:p>
           <a:p>
-            <a:r>
-              <a:rPr lang="ko-KR" altLang="en-US" sz="1600" dirty="0" smtClean="0">
+            <a:pPr algn="l"/>
+            <a:r>
+              <a:rPr lang="ko-KR" altLang="en-US" sz="1600" u="sng" dirty="0" smtClean="0">
                 <a:solidFill>
                   <a:schemeClr val="tx2">
                     <a:lumMod val="40000"/>
@@ -3630,19 +3636,30 @@
                   </a:schemeClr>
                 </a:solidFill>
               </a:rPr>
-              <a:t>목표 </a:t>
-            </a:r>
-            <a:r>
-              <a:rPr lang="en-US" altLang="ko-KR" sz="1600" dirty="0" smtClean="0">
-                <a:solidFill>
-                  <a:schemeClr val="tx2">
-                    <a:lumMod val="40000"/>
-                    <a:lumOff val="60000"/>
-                  </a:schemeClr>
-                </a:solidFill>
-              </a:rPr>
-              <a:t>: </a:t>
-            </a:r>
+              <a:t>목표</a:t>
+            </a:r>
+            <a:endParaRPr lang="en-US" altLang="ko-KR" sz="1600" u="sng" dirty="0" smtClean="0">
+              <a:solidFill>
+                <a:schemeClr val="tx2">
+                  <a:lumMod val="40000"/>
+                  <a:lumOff val="60000"/>
+                </a:schemeClr>
+              </a:solidFill>
+            </a:endParaRPr>
+          </a:p>
+          <a:p>
+            <a:pPr algn="l"/>
+            <a:endParaRPr lang="en-US" altLang="ko-KR" sz="1600" dirty="0" smtClean="0">
+              <a:solidFill>
+                <a:schemeClr val="tx2">
+                  <a:lumMod val="40000"/>
+                  <a:lumOff val="60000"/>
+                </a:schemeClr>
+              </a:solidFill>
+            </a:endParaRPr>
+          </a:p>
+          <a:p>
+            <a:pPr algn="l"/>
             <a:r>
               <a:rPr lang="ko-KR" altLang="en-US" sz="1600" dirty="0" smtClean="0">
                 <a:solidFill>
@@ -3752,6 +3769,7 @@
             </a:endParaRPr>
           </a:p>
           <a:p>
+            <a:pPr algn="l"/>
             <a:r>
               <a:rPr lang="ko-KR" altLang="en-US" sz="1600" dirty="0" smtClean="0">
                 <a:solidFill>
@@ -3795,6 +3813,7 @@
             </a:endParaRPr>
           </a:p>
           <a:p>
+            <a:pPr algn="l"/>
             <a:r>
               <a:rPr lang="en-US" altLang="ko-KR" sz="1600" dirty="0" smtClean="0">
                 <a:solidFill>
@@ -3807,6 +3826,28 @@
               <a:t>AWS</a:t>
             </a:r>
             <a:r>
+              <a:rPr lang="ko-KR" altLang="en-US" sz="1600" dirty="0">
+                <a:solidFill>
+                  <a:schemeClr val="tx2">
+                    <a:lumMod val="40000"/>
+                    <a:lumOff val="60000"/>
+                  </a:schemeClr>
+                </a:solidFill>
+              </a:rPr>
+              <a:t> </a:t>
+            </a:r>
+            <a:r>
+              <a:rPr lang="en-US" altLang="ko-KR" sz="1600" dirty="0" smtClean="0">
+                <a:solidFill>
+                  <a:schemeClr val="tx2">
+                    <a:lumMod val="40000"/>
+                    <a:lumOff val="60000"/>
+                  </a:schemeClr>
+                </a:solidFill>
+              </a:rPr>
+              <a:t>web hosting +</a:t>
+            </a:r>
+            <a:r>
               <a:rPr lang="ko-KR" altLang="en-US" sz="1600" dirty="0" smtClean="0">
                 <a:solidFill>
                   <a:schemeClr val="tx2">
@@ -3815,29 +3856,7 @@
                   </a:schemeClr>
                 </a:solidFill>
               </a:rPr>
-              <a:t>를 웹 </a:t>
-            </a:r>
-            <a:r>
-              <a:rPr lang="ko-KR" altLang="en-US" sz="1600" dirty="0" err="1" smtClean="0">
-                <a:solidFill>
-                  <a:schemeClr val="tx2">
-                    <a:lumMod val="40000"/>
-                    <a:lumOff val="60000"/>
-                  </a:schemeClr>
-                </a:solidFill>
-              </a:rPr>
-              <a:t>호스팅으로</a:t>
-            </a:r>
-            <a:r>
-              <a:rPr lang="ko-KR" altLang="en-US" sz="1600" dirty="0" smtClean="0">
-                <a:solidFill>
-                  <a:schemeClr val="tx2">
-                    <a:lumMod val="40000"/>
-                    <a:lumOff val="60000"/>
-                  </a:schemeClr>
-                </a:solidFill>
-              </a:rPr>
-              <a:t> 이용하는 </a:t>
+              <a:t> </a:t>
             </a:r>
             <a:r>
               <a:rPr lang="en-US" altLang="ko-KR" sz="1600" dirty="0" smtClean="0">
@@ -3883,8 +3902,19 @@
               </a:rPr>
               <a:t>검색기능이 도입된 </a:t>
             </a:r>
-            <a:r>
-              <a:rPr lang="ko-KR" altLang="en-US" sz="1600" dirty="0" err="1" smtClean="0">
+            <a:endParaRPr lang="en-US" altLang="ko-KR" sz="1600" dirty="0" smtClean="0">
+              <a:solidFill>
+                <a:schemeClr val="tx2">
+                  <a:lumMod val="40000"/>
+                  <a:lumOff val="60000"/>
+                </a:schemeClr>
+              </a:solidFill>
+            </a:endParaRPr>
+          </a:p>
+          <a:p>
+            <a:pPr algn="l"/>
+            <a:r>
+              <a:rPr lang="en-US" altLang="ko-KR" sz="1600" dirty="0" smtClean="0">
                 <a:solidFill>
                   <a:schemeClr val="tx2">
                     <a:lumMod val="40000"/>
@@ -3892,7 +3922,7 @@
                   </a:schemeClr>
                 </a:solidFill>
               </a:rPr>
-              <a:t>그림형</a:t>
+              <a:t>gallery </a:t>
             </a:r>
             <a:r>
               <a:rPr lang="ko-KR" altLang="en-US" sz="1600" dirty="0" smtClean="0">
@@ -3903,8 +3933,73 @@
                   </a:schemeClr>
                 </a:solidFill>
               </a:rPr>
-              <a:t> 게시판 및 일반 게시판이 포함된 커뮤니티 제작</a:t>
-            </a:r>
+              <a:t>형 </a:t>
+            </a:r>
+            <a:r>
+              <a:rPr lang="ko-KR" altLang="en-US" sz="1600" dirty="0" smtClean="0">
+                <a:solidFill>
+                  <a:schemeClr val="tx2">
+                    <a:lumMod val="40000"/>
+                    <a:lumOff val="60000"/>
+                  </a:schemeClr>
+                </a:solidFill>
+              </a:rPr>
+              <a:t>게시판 및 일반 게시판이 포함된 </a:t>
+            </a:r>
+            <a:r>
+              <a:rPr lang="ko-KR" altLang="en-US" sz="1600" dirty="0" smtClean="0">
+                <a:solidFill>
+                  <a:schemeClr val="tx2">
+                    <a:lumMod val="40000"/>
+                    <a:lumOff val="60000"/>
+                  </a:schemeClr>
+                </a:solidFill>
+              </a:rPr>
+              <a:t>메일 인증을 사용하는</a:t>
+            </a:r>
+            <a:endParaRPr lang="en-US" altLang="ko-KR" sz="1600" dirty="0" smtClean="0">
+              <a:solidFill>
+                <a:schemeClr val="tx2">
+                  <a:lumMod val="40000"/>
+                  <a:lumOff val="60000"/>
+                </a:schemeClr>
+              </a:solidFill>
+            </a:endParaRPr>
+          </a:p>
+          <a:p>
+            <a:pPr algn="l"/>
+            <a:r>
+              <a:rPr lang="ko-KR" altLang="en-US" sz="1600" dirty="0" smtClean="0">
+                <a:solidFill>
+                  <a:schemeClr val="tx2">
+                    <a:lumMod val="40000"/>
+                    <a:lumOff val="60000"/>
+                  </a:schemeClr>
+                </a:solidFill>
+              </a:rPr>
+              <a:t>회원제 </a:t>
+            </a:r>
+            <a:r>
+              <a:rPr lang="ko-KR" altLang="en-US" sz="1600" dirty="0" smtClean="0">
+                <a:solidFill>
+                  <a:schemeClr val="tx2">
+                    <a:lumMod val="40000"/>
+                    <a:lumOff val="60000"/>
+                  </a:schemeClr>
+                </a:solidFill>
+              </a:rPr>
+              <a:t>커뮤니티 제작</a:t>
+            </a:r>
+            <a:endParaRPr lang="en-US" altLang="ko-KR" sz="1600" dirty="0" smtClean="0">
+              <a:solidFill>
+                <a:schemeClr val="tx2">
+                  <a:lumMod val="40000"/>
+                  <a:lumOff val="60000"/>
+                </a:schemeClr>
+              </a:solidFill>
+            </a:endParaRPr>
+          </a:p>
+          <a:p>
             <a:endParaRPr lang="en-US" altLang="ko-KR" sz="1600" dirty="0" smtClean="0">
               <a:solidFill>
                 <a:schemeClr val="tx2">
@@ -3963,6 +4058,514 @@
             <p:ph type="title"/>
           </p:nvPr>
         </p:nvSpPr>
+        <p:spPr/>
+        <p:txBody>
+          <a:bodyPr/>
+          <a:lstStyle/>
+          <a:p>
+            <a:r>
+              <a:rPr lang="ko-KR" altLang="en-US" dirty="0" smtClean="0">
+                <a:solidFill>
+                  <a:schemeClr val="accent1"/>
+                </a:solidFill>
+              </a:rPr>
+              <a:t>설계</a:t>
+            </a:r>
+            <a:endParaRPr lang="ko-KR" altLang="en-US" dirty="0">
+              <a:solidFill>
+                <a:schemeClr val="accent1"/>
+              </a:solidFill>
+            </a:endParaRPr>
+          </a:p>
+        </p:txBody>
+      </p:sp>
+      <p:sp>
+        <p:nvSpPr>
+          <p:cNvPr id="3" name="내용 개체 틀 2"/>
+          <p:cNvSpPr>
+            <a:spLocks noGrp="1"/>
+          </p:cNvSpPr>
+          <p:nvPr>
+            <p:ph idx="1"/>
+          </p:nvPr>
+        </p:nvSpPr>
+        <p:spPr/>
+        <p:txBody>
+          <a:bodyPr>
+            <a:normAutofit/>
+          </a:bodyPr>
+          <a:lstStyle/>
+          <a:p>
+            <a:endParaRPr lang="en-US" altLang="ko-KR" sz="2000" dirty="0" smtClean="0">
+              <a:solidFill>
+                <a:schemeClr val="tx2">
+                  <a:lumMod val="60000"/>
+                  <a:lumOff val="40000"/>
+                </a:schemeClr>
+              </a:solidFill>
+            </a:endParaRPr>
+          </a:p>
+          <a:p>
+            <a:endParaRPr lang="en-US" altLang="ko-KR" sz="2000" dirty="0">
+              <a:solidFill>
+                <a:schemeClr val="tx2">
+                  <a:lumMod val="60000"/>
+                  <a:lumOff val="40000"/>
+                </a:schemeClr>
+              </a:solidFill>
+            </a:endParaRPr>
+          </a:p>
+          <a:p>
+            <a:r>
+              <a:rPr lang="ko-KR" altLang="en-US" sz="2000" dirty="0" smtClean="0">
+                <a:solidFill>
+                  <a:schemeClr val="tx2">
+                    <a:lumMod val="60000"/>
+                    <a:lumOff val="40000"/>
+                  </a:schemeClr>
+                </a:solidFill>
+              </a:rPr>
+              <a:t>회원제 시스템의 구성</a:t>
+            </a:r>
+            <a:endParaRPr lang="en-US" altLang="ko-KR" sz="2000" dirty="0" smtClean="0">
+              <a:solidFill>
+                <a:schemeClr val="tx2">
+                  <a:lumMod val="60000"/>
+                  <a:lumOff val="40000"/>
+                </a:schemeClr>
+              </a:solidFill>
+            </a:endParaRPr>
+          </a:p>
+          <a:p>
+            <a:endParaRPr lang="en-US" altLang="ko-KR" sz="2000" dirty="0">
+              <a:solidFill>
+                <a:schemeClr val="tx2">
+                  <a:lumMod val="60000"/>
+                  <a:lumOff val="40000"/>
+                </a:schemeClr>
+              </a:solidFill>
+            </a:endParaRPr>
+          </a:p>
+          <a:p>
+            <a:pPr marL="0" indent="0">
+              <a:buNone/>
+            </a:pPr>
+            <a:r>
+              <a:rPr lang="ko-KR" altLang="en-US" sz="2000" dirty="0" smtClean="0">
+                <a:solidFill>
+                  <a:schemeClr val="tx2">
+                    <a:lumMod val="60000"/>
+                    <a:lumOff val="40000"/>
+                  </a:schemeClr>
+                </a:solidFill>
+              </a:rPr>
+              <a:t>목표 </a:t>
+            </a:r>
+            <a:endParaRPr lang="en-US" altLang="ko-KR" sz="2000" dirty="0" smtClean="0">
+              <a:solidFill>
+                <a:schemeClr val="tx2">
+                  <a:lumMod val="60000"/>
+                  <a:lumOff val="40000"/>
+                </a:schemeClr>
+              </a:solidFill>
+            </a:endParaRPr>
+          </a:p>
+          <a:p>
+            <a:pPr marL="0" indent="0">
+              <a:buNone/>
+            </a:pPr>
+            <a:r>
+              <a:rPr lang="en-US" altLang="ko-KR" sz="2000" dirty="0" smtClean="0">
+                <a:solidFill>
+                  <a:schemeClr val="tx2">
+                    <a:lumMod val="60000"/>
+                    <a:lumOff val="40000"/>
+                  </a:schemeClr>
+                </a:solidFill>
+              </a:rPr>
+              <a:t> </a:t>
+            </a:r>
+          </a:p>
+          <a:p>
+            <a:pPr marL="0" indent="0">
+              <a:buNone/>
+            </a:pPr>
+            <a:r>
+              <a:rPr lang="en-US" altLang="ko-KR" sz="2000" dirty="0" smtClean="0">
+                <a:solidFill>
+                  <a:schemeClr val="tx2">
+                    <a:lumMod val="60000"/>
+                    <a:lumOff val="40000"/>
+                  </a:schemeClr>
+                </a:solidFill>
+              </a:rPr>
+              <a:t>PHP</a:t>
+            </a:r>
+            <a:r>
+              <a:rPr lang="ko-KR" altLang="en-US" sz="2000" dirty="0" smtClean="0">
+                <a:solidFill>
+                  <a:schemeClr val="tx2">
+                    <a:lumMod val="60000"/>
+                    <a:lumOff val="40000"/>
+                  </a:schemeClr>
+                </a:solidFill>
+              </a:rPr>
+              <a:t>와 </a:t>
+            </a:r>
+            <a:r>
+              <a:rPr lang="en-US" altLang="ko-KR" sz="2000" dirty="0" smtClean="0">
+                <a:solidFill>
+                  <a:schemeClr val="tx2">
+                    <a:lumMod val="60000"/>
+                    <a:lumOff val="40000"/>
+                  </a:schemeClr>
+                </a:solidFill>
+              </a:rPr>
+              <a:t>MySQL</a:t>
+            </a:r>
+            <a:r>
+              <a:rPr lang="ko-KR" altLang="en-US" sz="2000" dirty="0" smtClean="0">
+                <a:solidFill>
+                  <a:schemeClr val="tx2">
+                    <a:lumMod val="60000"/>
+                    <a:lumOff val="40000"/>
+                  </a:schemeClr>
+                </a:solidFill>
+              </a:rPr>
+              <a:t>로 만드는 회원제 시스템 구현 </a:t>
+            </a:r>
+            <a:r>
+              <a:rPr lang="en-US" altLang="ko-KR" sz="2000" dirty="0" smtClean="0">
+                <a:solidFill>
+                  <a:schemeClr val="tx2">
+                    <a:lumMod val="60000"/>
+                    <a:lumOff val="40000"/>
+                  </a:schemeClr>
+                </a:solidFill>
+              </a:rPr>
+              <a:t>(</a:t>
+            </a:r>
+            <a:r>
+              <a:rPr lang="ko-KR" altLang="en-US" sz="2000" dirty="0" smtClean="0">
+                <a:solidFill>
+                  <a:schemeClr val="tx2">
+                    <a:lumMod val="60000"/>
+                    <a:lumOff val="40000"/>
+                  </a:schemeClr>
+                </a:solidFill>
+              </a:rPr>
+              <a:t>클래스 설계</a:t>
+            </a:r>
+            <a:r>
+              <a:rPr lang="en-US" altLang="ko-KR" sz="2000" dirty="0" smtClean="0">
+                <a:solidFill>
+                  <a:schemeClr val="tx2">
+                    <a:lumMod val="60000"/>
+                    <a:lumOff val="40000"/>
+                  </a:schemeClr>
+                </a:solidFill>
+              </a:rPr>
+              <a:t>)</a:t>
+            </a:r>
+          </a:p>
+          <a:p>
+            <a:pPr marL="0" indent="0">
+              <a:buNone/>
+            </a:pPr>
+            <a:r>
+              <a:rPr lang="ko-KR" altLang="en-US" sz="2000" dirty="0" err="1" smtClean="0">
+                <a:solidFill>
+                  <a:schemeClr val="tx2">
+                    <a:lumMod val="60000"/>
+                    <a:lumOff val="40000"/>
+                  </a:schemeClr>
+                </a:solidFill>
+              </a:rPr>
+              <a:t>메일링</a:t>
+            </a:r>
+            <a:r>
+              <a:rPr lang="ko-KR" altLang="en-US" sz="2000" dirty="0" smtClean="0">
+                <a:solidFill>
+                  <a:schemeClr val="tx2">
+                    <a:lumMod val="60000"/>
+                    <a:lumOff val="40000"/>
+                  </a:schemeClr>
+                </a:solidFill>
+              </a:rPr>
+              <a:t> 시스템 구현</a:t>
+            </a:r>
+            <a:r>
+              <a:rPr lang="en-US" altLang="ko-KR" sz="2000" dirty="0" smtClean="0">
+                <a:solidFill>
+                  <a:schemeClr val="tx2">
+                    <a:lumMod val="60000"/>
+                    <a:lumOff val="40000"/>
+                  </a:schemeClr>
+                </a:solidFill>
+              </a:rPr>
+              <a:t>(</a:t>
+            </a:r>
+            <a:r>
+              <a:rPr lang="ko-KR" altLang="en-US" sz="2000" dirty="0" smtClean="0">
+                <a:solidFill>
+                  <a:schemeClr val="tx2">
+                    <a:lumMod val="60000"/>
+                    <a:lumOff val="40000"/>
+                  </a:schemeClr>
+                </a:solidFill>
+              </a:rPr>
+              <a:t>클래스 설계</a:t>
+            </a:r>
+            <a:r>
+              <a:rPr lang="en-US" altLang="ko-KR" sz="2000" dirty="0" smtClean="0">
+                <a:solidFill>
+                  <a:schemeClr val="tx2">
+                    <a:lumMod val="60000"/>
+                    <a:lumOff val="40000"/>
+                  </a:schemeClr>
+                </a:solidFill>
+              </a:rPr>
+              <a:t>)</a:t>
+            </a:r>
+          </a:p>
+          <a:p>
+            <a:pPr marL="0" indent="0">
+              <a:buNone/>
+            </a:pPr>
+            <a:r>
+              <a:rPr lang="ko-KR" altLang="en-US" sz="2000" dirty="0" smtClean="0">
+                <a:solidFill>
+                  <a:schemeClr val="tx2">
+                    <a:lumMod val="60000"/>
+                    <a:lumOff val="40000"/>
+                  </a:schemeClr>
+                </a:solidFill>
+              </a:rPr>
+              <a:t>회원제 데이터베이스</a:t>
+            </a:r>
+            <a:r>
+              <a:rPr lang="en-US" altLang="ko-KR" sz="2000" dirty="0" smtClean="0">
+                <a:solidFill>
+                  <a:schemeClr val="tx2">
+                    <a:lumMod val="60000"/>
+                    <a:lumOff val="40000"/>
+                  </a:schemeClr>
+                </a:solidFill>
+              </a:rPr>
+              <a:t>(DB)</a:t>
+            </a:r>
+            <a:r>
+              <a:rPr lang="ko-KR" altLang="en-US" sz="2000" dirty="0" smtClean="0">
+                <a:solidFill>
+                  <a:schemeClr val="tx2">
+                    <a:lumMod val="60000"/>
+                    <a:lumOff val="40000"/>
+                  </a:schemeClr>
+                </a:solidFill>
+              </a:rPr>
+              <a:t> 모델링 </a:t>
+            </a:r>
+            <a:endParaRPr lang="en-US" altLang="ko-KR" sz="2000" dirty="0" smtClean="0">
+              <a:solidFill>
+                <a:schemeClr val="tx2">
+                  <a:lumMod val="60000"/>
+                  <a:lumOff val="40000"/>
+                </a:schemeClr>
+              </a:solidFill>
+            </a:endParaRPr>
+          </a:p>
+          <a:p>
+            <a:pPr marL="0" indent="0">
+              <a:buNone/>
+            </a:pPr>
+            <a:r>
+              <a:rPr lang="en-US" altLang="ko-KR" sz="2000" dirty="0" smtClean="0">
+                <a:solidFill>
+                  <a:schemeClr val="tx2">
+                    <a:lumMod val="60000"/>
+                    <a:lumOff val="40000"/>
+                  </a:schemeClr>
+                </a:solidFill>
+              </a:rPr>
+              <a:t>(</a:t>
+            </a:r>
+            <a:r>
+              <a:rPr lang="ko-KR" altLang="en-US" sz="2000" dirty="0" smtClean="0">
+                <a:solidFill>
+                  <a:schemeClr val="tx2">
+                    <a:lumMod val="60000"/>
+                    <a:lumOff val="40000"/>
+                  </a:schemeClr>
+                </a:solidFill>
+              </a:rPr>
+              <a:t>데이터 관점 </a:t>
+            </a:r>
+            <a:r>
+              <a:rPr lang="en-US" altLang="ko-KR" sz="2000" dirty="0" smtClean="0">
+                <a:solidFill>
+                  <a:schemeClr val="tx2">
+                    <a:lumMod val="60000"/>
+                    <a:lumOff val="40000"/>
+                  </a:schemeClr>
+                </a:solidFill>
+              </a:rPr>
+              <a:t>Data, What</a:t>
+            </a:r>
+            <a:r>
+              <a:rPr lang="ko-KR" altLang="en-US" sz="2000" dirty="0" smtClean="0">
+                <a:solidFill>
+                  <a:schemeClr val="tx2">
+                    <a:lumMod val="60000"/>
+                    <a:lumOff val="40000"/>
+                  </a:schemeClr>
+                </a:solidFill>
+              </a:rPr>
+              <a:t> </a:t>
+            </a:r>
+            <a:r>
+              <a:rPr lang="en-US" altLang="ko-KR" sz="2000" dirty="0" smtClean="0">
+                <a:solidFill>
+                  <a:schemeClr val="tx2">
+                    <a:lumMod val="60000"/>
+                    <a:lumOff val="40000"/>
+                  </a:schemeClr>
+                </a:solidFill>
+              </a:rPr>
+              <a:t>+ </a:t>
+            </a:r>
+            <a:r>
+              <a:rPr lang="ko-KR" altLang="en-US" sz="2000" dirty="0" smtClean="0">
+                <a:solidFill>
+                  <a:schemeClr val="tx2">
+                    <a:lumMod val="60000"/>
+                    <a:lumOff val="40000"/>
+                  </a:schemeClr>
+                </a:solidFill>
+              </a:rPr>
+              <a:t>프로세스 관점 </a:t>
+            </a:r>
+            <a:r>
+              <a:rPr lang="en-US" altLang="ko-KR" sz="2000" dirty="0" smtClean="0">
+                <a:solidFill>
+                  <a:schemeClr val="tx2">
+                    <a:lumMod val="60000"/>
+                    <a:lumOff val="40000"/>
+                  </a:schemeClr>
+                </a:solidFill>
+              </a:rPr>
+              <a:t>Process, How)</a:t>
+            </a:r>
+          </a:p>
+          <a:p>
+            <a:pPr marL="0" indent="0">
+              <a:buNone/>
+            </a:pPr>
+            <a:r>
+              <a:rPr lang="en-US" altLang="ko-KR" sz="2000" dirty="0" smtClean="0">
+                <a:solidFill>
+                  <a:schemeClr val="tx2">
+                    <a:lumMod val="60000"/>
+                    <a:lumOff val="40000"/>
+                  </a:schemeClr>
+                </a:solidFill>
+              </a:rPr>
+              <a:t>	      </a:t>
+            </a:r>
+            <a:r>
+              <a:rPr lang="ko-KR" altLang="en-US" sz="2000" dirty="0" smtClean="0">
+                <a:solidFill>
+                  <a:schemeClr val="tx2">
+                    <a:lumMod val="60000"/>
+                    <a:lumOff val="40000"/>
+                  </a:schemeClr>
+                </a:solidFill>
+              </a:rPr>
+              <a:t>상관관점 </a:t>
+            </a:r>
+            <a:r>
+              <a:rPr lang="en-US" altLang="ko-KR" sz="2000" dirty="0" smtClean="0">
+                <a:solidFill>
+                  <a:schemeClr val="tx2">
+                    <a:lumMod val="60000"/>
+                    <a:lumOff val="40000"/>
+                  </a:schemeClr>
+                </a:solidFill>
+              </a:rPr>
+              <a:t>Data </a:t>
+            </a:r>
+            <a:r>
+              <a:rPr lang="en-US" altLang="ko-KR" sz="2000" dirty="0" err="1" smtClean="0">
+                <a:solidFill>
+                  <a:schemeClr val="tx2">
+                    <a:lumMod val="60000"/>
+                    <a:lumOff val="40000"/>
+                  </a:schemeClr>
+                </a:solidFill>
+              </a:rPr>
+              <a:t>vs</a:t>
+            </a:r>
+            <a:r>
+              <a:rPr lang="en-US" altLang="ko-KR" sz="2000" dirty="0" smtClean="0">
+                <a:solidFill>
+                  <a:schemeClr val="tx2">
+                    <a:lumMod val="60000"/>
+                    <a:lumOff val="40000"/>
+                  </a:schemeClr>
+                </a:solidFill>
+              </a:rPr>
+              <a:t> Process </a:t>
+            </a:r>
+            <a:endParaRPr lang="en-US" altLang="ko-KR" sz="2000" dirty="0">
+              <a:solidFill>
+                <a:schemeClr val="tx2">
+                  <a:lumMod val="60000"/>
+                  <a:lumOff val="40000"/>
+                </a:schemeClr>
+              </a:solidFill>
+            </a:endParaRPr>
+          </a:p>
+        </p:txBody>
+      </p:sp>
+    </p:spTree>
+    <p:extLst>
+      <p:ext uri="{BB962C8B-B14F-4D97-AF65-F5344CB8AC3E}">
+        <p14:creationId xmlns:p14="http://schemas.microsoft.com/office/powerpoint/2010/main" val="3055947191"/>
+      </p:ext>
+    </p:extLst>
+  </p:cSld>
+  <p:clrMapOvr>
+    <a:masterClrMapping/>
+  </p:clrMapOvr>
+</p:sld>
+</file>
+
+<file path=ppt/slides/slide3.xml><?xml version="1.0" encoding="utf-8"?>
+<p:sld xmlns:a="http://schemas.openxmlformats.org/drawingml/2006/main" xmlns:r="http://schemas.openxmlformats.org/officeDocument/2006/relationships" xmlns:p="http://schemas.openxmlformats.org/presentationml/2006/main">
+  <p:cSld>
+    <p:spTree>
+      <p:nvGrpSpPr>
+        <p:cNvPr id="1" name=""/>
+        <p:cNvGrpSpPr/>
+        <p:nvPr/>
+      </p:nvGrpSpPr>
+      <p:grpSpPr>
+        <a:xfrm>
+          <a:off x="0" y="0"/>
+          <a:ext cx="0" cy="0"/>
+          <a:chOff x="0" y="0"/>
+          <a:chExt cx="0" cy="0"/>
+        </a:xfrm>
+      </p:grpSpPr>
+      <p:sp>
+        <p:nvSpPr>
+          <p:cNvPr id="2" name="제목 1"/>
+          <p:cNvSpPr>
+            <a:spLocks noGrp="1"/>
+          </p:cNvSpPr>
+          <p:nvPr>
+            <p:ph type="title"/>
+          </p:nvPr>
+        </p:nvSpPr>
         <p:spPr>
           <a:xfrm>
             <a:off x="467544" y="-171400"/>
@@ -4009,14 +4612,14 @@
             <p:ph idx="1"/>
             <p:extLst>
               <p:ext uri="{D42A27DB-BD31-4B8C-83A1-F6EECF244321}">
-                <p14:modId xmlns:p14="http://schemas.microsoft.com/office/powerpoint/2010/main" val="3673908369"/>
+                <p14:modId xmlns:p14="http://schemas.microsoft.com/office/powerpoint/2010/main" val="638593699"/>
               </p:ext>
             </p:extLst>
           </p:nvPr>
         </p:nvGraphicFramePr>
         <p:xfrm>
           <a:off x="457200" y="836712"/>
-          <a:ext cx="8229599" cy="5760643"/>
+          <a:ext cx="8229599" cy="5839178"/>
         </p:xfrm>
         <a:graphic>
           <a:graphicData uri="http://schemas.openxmlformats.org/drawingml/2006/table">
@@ -4033,7 +4636,7 @@
                 <a:gridCol w="1175657"/>
                 <a:gridCol w="1175657"/>
               </a:tblGrid>
-              <a:tr h="697228">
+              <a:tr h="504056">
                 <a:tc>
                   <a:txBody>
                     <a:bodyPr/>
@@ -4140,7 +4743,7 @@
                   <a:tcPr anchor="ctr" anchorCtr="1"/>
                 </a:tc>
               </a:tr>
-              <a:tr h="723345">
+              <a:tr h="576064">
                 <a:tc>
                   <a:txBody>
                     <a:bodyPr/>
@@ -4148,7 +4751,7 @@
                     <a:p>
                       <a:pPr latinLnBrk="1"/>
                       <a:r>
-                        <a:rPr lang="en-US" altLang="ko-KR" sz="1000" dirty="0" smtClean="0">
+                        <a:rPr lang="en-US" altLang="ko-KR" sz="800" dirty="0" smtClean="0">
                           <a:solidFill>
                             <a:schemeClr val="tx2">
                               <a:lumMod val="40000"/>
@@ -4161,7 +4764,7 @@
                     </a:p>
                     <a:p>
                       <a:pPr latinLnBrk="1"/>
-                      <a:endParaRPr lang="ko-KR" altLang="en-US" sz="1000" dirty="0">
+                      <a:endParaRPr lang="ko-KR" altLang="en-US" sz="800" dirty="0">
                         <a:solidFill>
                           <a:schemeClr val="tx2">
                             <a:lumMod val="40000"/>
@@ -4180,7 +4783,7 @@
                     <a:p>
                       <a:pPr latinLnBrk="1"/>
                       <a:r>
-                        <a:rPr lang="en-US" altLang="ko-KR" sz="1000" dirty="0" smtClean="0">
+                        <a:rPr lang="en-US" altLang="ko-KR" sz="800" dirty="0" smtClean="0">
                           <a:solidFill>
                             <a:schemeClr val="tx2">
                               <a:lumMod val="40000"/>
@@ -4193,7 +4796,54 @@
                     </a:p>
                     <a:p>
                       <a:pPr latinLnBrk="1"/>
-                      <a:endParaRPr lang="ko-KR" altLang="en-US" sz="1000" dirty="0">
+                      <a:r>
+                        <a:rPr lang="en-US" altLang="ko-KR" sz="800" dirty="0" smtClean="0">
+                          <a:solidFill>
+                            <a:schemeClr val="tx2">
+                              <a:lumMod val="40000"/>
+                              <a:lumOff val="60000"/>
+                            </a:schemeClr>
+                          </a:solidFill>
+                        </a:rPr>
+                        <a:t> </a:t>
+                      </a:r>
+                    </a:p>
+                    <a:p>
+                      <a:pPr latinLnBrk="1"/>
+                      <a:endParaRPr lang="en-US" altLang="ko-KR" sz="800" dirty="0" smtClean="0">
+                        <a:solidFill>
+                          <a:schemeClr val="tx2">
+                            <a:lumMod val="40000"/>
+                            <a:lumOff val="60000"/>
+                          </a:schemeClr>
+                        </a:solidFill>
+                      </a:endParaRPr>
+                    </a:p>
+                    <a:p>
+                      <a:pPr latinLnBrk="1"/>
+                      <a:endParaRPr lang="en-US" altLang="ko-KR" sz="800" dirty="0" smtClean="0">
+                        <a:solidFill>
+                          <a:schemeClr val="tx2">
+                            <a:lumMod val="40000"/>
+                            <a:lumOff val="60000"/>
+                          </a:schemeClr>
+                        </a:solidFill>
+                      </a:endParaRPr>
+                    </a:p>
+                    <a:p>
+                      <a:pPr latinLnBrk="1"/>
+                      <a:endParaRPr lang="en-US" altLang="ko-KR" sz="800" dirty="0" smtClean="0">
+                        <a:solidFill>
+                          <a:schemeClr val="tx2">
+                            <a:lumMod val="40000"/>
+                            <a:lumOff val="60000"/>
+                          </a:schemeClr>
+                        </a:solidFill>
+                      </a:endParaRPr>
+                    </a:p>
+                    <a:p>
+                      <a:pPr latinLnBrk="1"/>
+                      <a:endParaRPr lang="ko-KR" altLang="en-US" sz="800" dirty="0">
                         <a:solidFill>
                           <a:schemeClr val="tx2">
                             <a:lumMod val="40000"/>
@@ -4212,7 +4862,7 @@
                     <a:p>
                       <a:pPr latinLnBrk="1"/>
                       <a:r>
-                        <a:rPr lang="en-US" altLang="ko-KR" sz="1000" dirty="0" smtClean="0">
+                        <a:rPr lang="en-US" altLang="ko-KR" sz="800" dirty="0" smtClean="0">
                           <a:solidFill>
                             <a:schemeClr val="tx2">
                               <a:lumMod val="40000"/>
@@ -4226,7 +4876,7 @@
                     <a:p>
                       <a:pPr latinLnBrk="1"/>
                       <a:r>
-                        <a:rPr lang="ko-KR" altLang="en-US" sz="1000" dirty="0" smtClean="0">
+                        <a:rPr lang="ko-KR" altLang="en-US" sz="800" dirty="0" smtClean="0">
                           <a:solidFill>
                             <a:schemeClr val="tx2">
                               <a:lumMod val="40000"/>
@@ -4237,7 +4887,7 @@
                         <a:t>연동과 </a:t>
                       </a:r>
                       <a:r>
-                        <a:rPr lang="en-US" altLang="ko-KR" sz="1000" dirty="0" smtClean="0">
+                        <a:rPr lang="en-US" altLang="ko-KR" sz="800" dirty="0" smtClean="0">
                           <a:solidFill>
                             <a:schemeClr val="tx2">
                               <a:lumMod val="40000"/>
@@ -4251,7 +4901,7 @@
                     <a:p>
                       <a:pPr latinLnBrk="1"/>
                       <a:r>
-                        <a:rPr lang="en-US" altLang="ko-KR" sz="1000" dirty="0" smtClean="0">
+                        <a:rPr lang="en-US" altLang="ko-KR" sz="800" dirty="0" smtClean="0">
                           <a:solidFill>
                             <a:schemeClr val="tx2">
                               <a:lumMod val="40000"/>
@@ -4262,7 +4912,7 @@
                         <a:t>~ </a:t>
                       </a:r>
                       <a:r>
-                        <a:rPr lang="ko-KR" altLang="en-US" sz="1000" dirty="0" smtClean="0">
+                        <a:rPr lang="ko-KR" altLang="en-US" sz="800" dirty="0" smtClean="0">
                           <a:solidFill>
                             <a:schemeClr val="tx2">
                               <a:lumMod val="40000"/>
@@ -4273,7 +4923,7 @@
                         <a:t>글 읽기 </a:t>
                       </a:r>
                       <a:r>
-                        <a:rPr lang="en-US" altLang="ko-KR" sz="1000" dirty="0" smtClean="0">
+                        <a:rPr lang="en-US" altLang="ko-KR" sz="800" dirty="0" smtClean="0">
                           <a:solidFill>
                             <a:schemeClr val="tx2">
                               <a:lumMod val="40000"/>
@@ -4284,7 +4934,7 @@
                         <a:t>+</a:t>
                       </a:r>
                       <a:r>
-                        <a:rPr lang="en-US" altLang="ko-KR" sz="1000" baseline="0" dirty="0" smtClean="0">
+                        <a:rPr lang="en-US" altLang="ko-KR" sz="800" baseline="0" dirty="0" smtClean="0">
                           <a:solidFill>
                             <a:schemeClr val="tx2">
                               <a:lumMod val="40000"/>
@@ -4294,7 +4944,7 @@
                         </a:rPr>
                         <a:t> Section 66 ~ 68</a:t>
                       </a:r>
-                      <a:endParaRPr lang="ko-KR" altLang="en-US" sz="1000" dirty="0">
+                      <a:endParaRPr lang="ko-KR" altLang="en-US" sz="800" dirty="0">
                         <a:solidFill>
                           <a:schemeClr val="tx2">
                             <a:lumMod val="40000"/>
@@ -4313,7 +4963,7 @@
                     <a:p>
                       <a:pPr latinLnBrk="1"/>
                       <a:r>
-                        <a:rPr lang="en-US" altLang="ko-KR" sz="1000" dirty="0" smtClean="0">
+                        <a:rPr lang="en-US" altLang="ko-KR" sz="800" dirty="0" smtClean="0">
                           <a:solidFill>
                             <a:schemeClr val="tx2">
                               <a:lumMod val="40000"/>
@@ -4327,7 +4977,7 @@
                     <a:p>
                       <a:pPr latinLnBrk="1"/>
                       <a:r>
-                        <a:rPr lang="ko-KR" altLang="en-US" sz="1000" baseline="0" dirty="0" smtClean="0">
+                        <a:rPr lang="ko-KR" altLang="en-US" sz="800" baseline="0" dirty="0" smtClean="0">
                           <a:solidFill>
                             <a:schemeClr val="tx2">
                               <a:lumMod val="40000"/>
@@ -4338,7 +4988,7 @@
                         <a:t>보안</a:t>
                       </a:r>
                       <a:r>
-                        <a:rPr lang="en-US" altLang="ko-KR" sz="1000" baseline="0" dirty="0" smtClean="0">
+                        <a:rPr lang="en-US" altLang="ko-KR" sz="800" baseline="0" dirty="0" smtClean="0">
                           <a:solidFill>
                             <a:schemeClr val="tx2">
                               <a:lumMod val="40000"/>
@@ -4349,7 +4999,7 @@
                         <a:t>~</a:t>
                       </a:r>
                       <a:r>
-                        <a:rPr lang="ko-KR" altLang="en-US" sz="1000" baseline="0" dirty="0" smtClean="0">
+                        <a:rPr lang="ko-KR" altLang="en-US" sz="800" baseline="0" dirty="0" smtClean="0">
                           <a:solidFill>
                             <a:schemeClr val="tx2">
                               <a:lumMod val="40000"/>
@@ -4360,7 +5010,7 @@
                         <a:t>글 삭제</a:t>
                       </a:r>
                       <a:r>
-                        <a:rPr lang="en-US" altLang="ko-KR" sz="1000" baseline="0" dirty="0" smtClean="0">
+                        <a:rPr lang="en-US" altLang="ko-KR" sz="800" baseline="0" dirty="0" smtClean="0">
                           <a:solidFill>
                             <a:schemeClr val="tx2">
                               <a:lumMod val="40000"/>
@@ -4371,7 +5021,7 @@
                         <a:t>AM</a:t>
                       </a:r>
                       <a:r>
-                        <a:rPr lang="ko-KR" altLang="en-US" sz="1000" baseline="0" dirty="0" smtClean="0">
+                        <a:rPr lang="ko-KR" altLang="en-US" sz="800" baseline="0" dirty="0" smtClean="0">
                           <a:solidFill>
                             <a:schemeClr val="tx2">
                               <a:lumMod val="40000"/>
@@ -4381,7 +5031,7 @@
                         </a:rPr>
                         <a:t>수업을 마치며 까지 강의 듣기 </a:t>
                       </a:r>
-                      <a:endParaRPr lang="en-US" altLang="ko-KR" sz="1000" baseline="0" dirty="0" smtClean="0">
+                      <a:endParaRPr lang="en-US" altLang="ko-KR" sz="800" baseline="0" dirty="0" smtClean="0">
                         <a:solidFill>
                           <a:schemeClr val="tx2">
                             <a:lumMod val="40000"/>
@@ -4400,7 +5050,7 @@
                     <a:p>
                       <a:pPr latinLnBrk="1"/>
                       <a:r>
-                        <a:rPr lang="en-US" altLang="ko-KR" sz="1000" dirty="0" smtClean="0">
+                        <a:rPr lang="en-US" altLang="ko-KR" sz="800" dirty="0" smtClean="0">
                           <a:solidFill>
                             <a:schemeClr val="tx2">
                               <a:lumMod val="40000"/>
@@ -4414,7 +5064,191 @@
                     <a:p>
                       <a:pPr latinLnBrk="1"/>
                       <a:r>
-                        <a:rPr lang="en-US" altLang="ko-KR" sz="1000" dirty="0" smtClean="0">
+                        <a:rPr lang="ko-KR" altLang="en-US" sz="800" b="1" dirty="0" smtClean="0">
+                          <a:solidFill>
+                            <a:srgbClr val="00B0F0"/>
+                          </a:solidFill>
+                        </a:rPr>
+                        <a:t>지식재산</a:t>
+                      </a:r>
+                      <a:r>
+                        <a:rPr lang="en-US" altLang="ko-KR" sz="800" b="1" dirty="0" smtClean="0">
+                          <a:solidFill>
+                            <a:srgbClr val="00B0F0"/>
+                          </a:solidFill>
+                        </a:rPr>
+                        <a:t>(</a:t>
+                      </a:r>
+                      <a:r>
+                        <a:rPr lang="ko-KR" altLang="en-US" sz="800" b="1" dirty="0" smtClean="0">
+                          <a:solidFill>
+                            <a:srgbClr val="00B0F0"/>
+                          </a:solidFill>
+                        </a:rPr>
+                        <a:t>특허</a:t>
+                      </a:r>
+                      <a:r>
+                        <a:rPr lang="en-US" altLang="ko-KR" sz="800" b="1" dirty="0" smtClean="0">
+                          <a:solidFill>
+                            <a:srgbClr val="00B0F0"/>
+                          </a:solidFill>
+                        </a:rPr>
+                        <a:t>)</a:t>
+                      </a:r>
+                      <a:r>
+                        <a:rPr lang="en-US" altLang="ko-KR" sz="800" b="1" baseline="0" dirty="0" smtClean="0">
+                          <a:solidFill>
+                            <a:srgbClr val="00B0F0"/>
+                          </a:solidFill>
+                        </a:rPr>
+                        <a:t> </a:t>
+                      </a:r>
+                      <a:r>
+                        <a:rPr lang="ko-KR" altLang="en-US" sz="800" b="1" baseline="0" dirty="0" smtClean="0">
+                          <a:solidFill>
+                            <a:srgbClr val="00B0F0"/>
+                          </a:solidFill>
+                        </a:rPr>
+                        <a:t>기반 창업 세미나</a:t>
+                      </a:r>
+                      <a:endParaRPr lang="en-US" altLang="ko-KR" sz="800" b="1" baseline="0" dirty="0" smtClean="0">
+                        <a:solidFill>
+                          <a:srgbClr val="00B0F0"/>
+                        </a:solidFill>
+                      </a:endParaRPr>
+                    </a:p>
+                    <a:p>
+                      <a:pPr latinLnBrk="1"/>
+                      <a:r>
+                        <a:rPr lang="ko-KR" altLang="en-US" sz="800" b="0" i="0" kern="1200" dirty="0" smtClean="0">
+                          <a:solidFill>
+                            <a:schemeClr val="accent1"/>
+                          </a:solidFill>
+                          <a:effectLst/>
+                          <a:latin typeface="+mn-lt"/>
+                          <a:ea typeface="+mn-ea"/>
+                          <a:cs typeface="+mn-cs"/>
+                        </a:rPr>
+                        <a:t>서울특별시 강남구 </a:t>
+                      </a:r>
+                      <a:r>
+                        <a:rPr lang="ko-KR" altLang="en-US" sz="800" b="0" i="0" kern="1200" dirty="0" err="1" smtClean="0">
+                          <a:solidFill>
+                            <a:schemeClr val="accent1"/>
+                          </a:solidFill>
+                          <a:effectLst/>
+                          <a:latin typeface="+mn-lt"/>
+                          <a:ea typeface="+mn-ea"/>
+                          <a:cs typeface="+mn-cs"/>
+                        </a:rPr>
+                        <a:t>역삼로</a:t>
+                      </a:r>
+                      <a:r>
+                        <a:rPr lang="ko-KR" altLang="en-US" sz="800" b="0" i="0" kern="1200" dirty="0" smtClean="0">
+                          <a:solidFill>
+                            <a:schemeClr val="accent1"/>
+                          </a:solidFill>
+                          <a:effectLst/>
+                          <a:latin typeface="+mn-lt"/>
+                          <a:ea typeface="+mn-ea"/>
+                          <a:cs typeface="+mn-cs"/>
+                        </a:rPr>
+                        <a:t> </a:t>
+                      </a:r>
+                      <a:r>
+                        <a:rPr lang="en-US" altLang="ko-KR" sz="800" b="0" i="0" kern="1200" dirty="0" smtClean="0">
+                          <a:solidFill>
+                            <a:schemeClr val="accent1"/>
+                          </a:solidFill>
+                          <a:effectLst/>
+                          <a:latin typeface="+mn-lt"/>
+                          <a:ea typeface="+mn-ea"/>
+                          <a:cs typeface="+mn-cs"/>
+                        </a:rPr>
+                        <a:t>165 </a:t>
+                      </a:r>
+                      <a:r>
+                        <a:rPr lang="ko-KR" altLang="en-US" sz="800" b="0" i="0" kern="1200" dirty="0" err="1" smtClean="0">
+                          <a:solidFill>
+                            <a:schemeClr val="accent1"/>
+                          </a:solidFill>
+                          <a:effectLst/>
+                          <a:latin typeface="+mn-lt"/>
+                          <a:ea typeface="+mn-ea"/>
+                          <a:cs typeface="+mn-cs"/>
+                        </a:rPr>
+                        <a:t>해성빌딩</a:t>
+                      </a:r>
+                      <a:r>
+                        <a:rPr lang="ko-KR" altLang="en-US" sz="800" b="0" i="0" kern="1200" dirty="0" smtClean="0">
+                          <a:solidFill>
+                            <a:schemeClr val="accent1"/>
+                          </a:solidFill>
+                          <a:effectLst/>
+                          <a:latin typeface="+mn-lt"/>
+                          <a:ea typeface="+mn-ea"/>
+                          <a:cs typeface="+mn-cs"/>
+                        </a:rPr>
+                        <a:t> </a:t>
+                      </a:r>
+                      <a:r>
+                        <a:rPr lang="ko-KR" altLang="en-US" sz="800" b="0" i="0" kern="1200" dirty="0" err="1" smtClean="0">
+                          <a:solidFill>
+                            <a:schemeClr val="accent1"/>
+                          </a:solidFill>
+                          <a:effectLst/>
+                          <a:latin typeface="+mn-lt"/>
+                          <a:ea typeface="+mn-ea"/>
+                          <a:cs typeface="+mn-cs"/>
+                        </a:rPr>
+                        <a:t>해성빌딩</a:t>
+                      </a:r>
+                      <a:r>
+                        <a:rPr lang="ko-KR" altLang="en-US" sz="800" b="0" i="0" kern="1200" dirty="0" smtClean="0">
+                          <a:solidFill>
+                            <a:schemeClr val="accent1"/>
+                          </a:solidFill>
+                          <a:effectLst/>
+                          <a:latin typeface="+mn-lt"/>
+                          <a:ea typeface="+mn-ea"/>
+                          <a:cs typeface="+mn-cs"/>
+                        </a:rPr>
+                        <a:t> 지하</a:t>
+                      </a:r>
+                      <a:r>
+                        <a:rPr lang="en-US" altLang="ko-KR" sz="800" b="0" i="0" kern="1200" dirty="0" smtClean="0">
+                          <a:solidFill>
+                            <a:schemeClr val="accent1"/>
+                          </a:solidFill>
+                          <a:effectLst/>
+                          <a:latin typeface="+mn-lt"/>
+                          <a:ea typeface="+mn-ea"/>
+                          <a:cs typeface="+mn-cs"/>
+                        </a:rPr>
+                        <a:t>1</a:t>
+                      </a:r>
+                      <a:r>
+                        <a:rPr lang="ko-KR" altLang="en-US" sz="800" b="0" i="0" kern="1200" dirty="0" smtClean="0">
+                          <a:solidFill>
+                            <a:schemeClr val="accent1"/>
+                          </a:solidFill>
+                          <a:effectLst/>
+                          <a:latin typeface="+mn-lt"/>
+                          <a:ea typeface="+mn-ea"/>
+                          <a:cs typeface="+mn-cs"/>
+                        </a:rPr>
+                        <a:t>층</a:t>
+                      </a:r>
+                      <a:endParaRPr lang="en-US" altLang="ko-KR" sz="800" b="0" dirty="0" smtClean="0">
+                        <a:solidFill>
+                          <a:schemeClr val="accent1"/>
+                        </a:solidFill>
+                      </a:endParaRPr>
+                    </a:p>
+                    <a:p>
+                      <a:pPr latinLnBrk="1"/>
+                      <a:r>
+                        <a:rPr lang="en-US" altLang="ko-KR" sz="800" dirty="0" smtClean="0">
                           <a:solidFill>
                             <a:schemeClr val="tx2">
                               <a:lumMod val="40000"/>
@@ -4425,7 +5259,7 @@
                         <a:t>PHP</a:t>
                       </a:r>
                       <a:r>
-                        <a:rPr lang="en-US" altLang="ko-KR" sz="1000" baseline="0" dirty="0" smtClean="0">
+                        <a:rPr lang="en-US" altLang="ko-KR" sz="800" baseline="0" dirty="0" smtClean="0">
                           <a:solidFill>
                             <a:schemeClr val="tx2">
                               <a:lumMod val="40000"/>
@@ -4436,7 +5270,7 @@
                         <a:t> </a:t>
                       </a:r>
                       <a:r>
-                        <a:rPr lang="en-US" altLang="ko-KR" sz="1000" baseline="0" dirty="0" err="1" smtClean="0">
+                        <a:rPr lang="en-US" altLang="ko-KR" sz="800" baseline="0" dirty="0" err="1" smtClean="0">
                           <a:solidFill>
                             <a:schemeClr val="tx2">
                               <a:lumMod val="40000"/>
@@ -4447,7 +5281,7 @@
                         <a:t>Mysql</a:t>
                       </a:r>
                       <a:r>
-                        <a:rPr lang="en-US" altLang="ko-KR" sz="1000" baseline="0" dirty="0" smtClean="0">
+                        <a:rPr lang="en-US" altLang="ko-KR" sz="800" baseline="0" dirty="0" smtClean="0">
                           <a:solidFill>
                             <a:schemeClr val="tx2">
                               <a:lumMod val="40000"/>
@@ -4458,7 +5292,7 @@
                         <a:t> </a:t>
                       </a:r>
                       <a:r>
-                        <a:rPr lang="ko-KR" altLang="en-US" sz="1000" baseline="0" dirty="0" smtClean="0">
+                        <a:rPr lang="ko-KR" altLang="en-US" sz="800" baseline="0" dirty="0" smtClean="0">
                           <a:solidFill>
                             <a:schemeClr val="tx2">
                               <a:lumMod val="40000"/>
@@ -4469,7 +5303,7 @@
                         <a:t>책 </a:t>
                       </a:r>
                       <a:r>
-                        <a:rPr lang="en-US" altLang="ko-KR" sz="1000" dirty="0" smtClean="0">
+                        <a:rPr lang="en-US" altLang="ko-KR" sz="800" dirty="0" smtClean="0">
                           <a:solidFill>
                             <a:schemeClr val="tx2">
                               <a:lumMod val="40000"/>
@@ -4480,7 +5314,7 @@
                         <a:t>Section 72</a:t>
                       </a:r>
                       <a:r>
-                        <a:rPr lang="ko-KR" altLang="en-US" sz="1000" dirty="0" smtClean="0">
+                        <a:rPr lang="ko-KR" altLang="en-US" sz="800" dirty="0" smtClean="0">
                           <a:solidFill>
                             <a:schemeClr val="tx2">
                               <a:lumMod val="40000"/>
@@ -4490,7 +5324,7 @@
                         </a:rPr>
                         <a:t>까지</a:t>
                       </a:r>
-                      <a:endParaRPr lang="en-US" altLang="ko-KR" sz="1000" dirty="0" smtClean="0">
+                      <a:endParaRPr lang="en-US" altLang="ko-KR" sz="800" dirty="0" smtClean="0">
                         <a:solidFill>
                           <a:schemeClr val="tx2">
                             <a:lumMod val="40000"/>
@@ -4509,7 +5343,7 @@
                     <a:p>
                       <a:pPr latinLnBrk="1"/>
                       <a:r>
-                        <a:rPr lang="en-US" altLang="ko-KR" sz="1000" dirty="0" smtClean="0">
+                        <a:rPr lang="en-US" altLang="ko-KR" sz="800" dirty="0" smtClean="0">
                           <a:solidFill>
                             <a:schemeClr val="tx2">
                               <a:lumMod val="40000"/>
@@ -4523,39 +5357,31 @@
                     <a:p>
                       <a:pPr latinLnBrk="1"/>
                       <a:r>
-                        <a:rPr lang="ko-KR" altLang="en-US" sz="1000" dirty="0" smtClean="0">
-                          <a:solidFill>
-                            <a:schemeClr val="tx2">
-                              <a:lumMod val="40000"/>
-                              <a:lumOff val="60000"/>
-                            </a:schemeClr>
-                          </a:solidFill>
-                        </a:rPr>
-                        <a:t>병원동행</a:t>
-                      </a:r>
-                      <a:r>
-                        <a:rPr lang="en-US" altLang="ko-KR" sz="1000" baseline="0" dirty="0" smtClean="0">
-                          <a:solidFill>
-                            <a:schemeClr val="tx2">
-                              <a:lumMod val="40000"/>
-                              <a:lumOff val="60000"/>
-                            </a:schemeClr>
-                          </a:solidFill>
-                        </a:rPr>
-                        <a:t> + </a:t>
-                      </a:r>
-                      <a:r>
-                        <a:rPr lang="ko-KR" altLang="en-US" sz="1000" baseline="0" dirty="0" smtClean="0">
-                          <a:solidFill>
-                            <a:schemeClr val="tx2">
-                              <a:lumMod val="40000"/>
-                              <a:lumOff val="60000"/>
-                            </a:schemeClr>
-                          </a:solidFill>
-                        </a:rPr>
-                        <a:t>국립중앙도서관 방문</a:t>
-                      </a:r>
-                      <a:endParaRPr lang="en-US" altLang="ko-KR" sz="1000" baseline="0" dirty="0" smtClean="0">
+                        <a:rPr lang="ko-KR" altLang="en-US" sz="800" dirty="0" smtClean="0">
+                          <a:solidFill>
+                            <a:schemeClr val="tx2">
+                              <a:lumMod val="40000"/>
+                              <a:lumOff val="60000"/>
+                            </a:schemeClr>
+                          </a:solidFill>
+                        </a:rPr>
+                        <a:t>병원동행 </a:t>
+                      </a:r>
+                      <a:r>
+                        <a:rPr lang="en-US" altLang="ko-KR" sz="800" dirty="0" smtClean="0">
+                          <a:solidFill>
+                            <a:schemeClr val="tx2">
+                              <a:lumMod val="40000"/>
+                              <a:lumOff val="60000"/>
+                            </a:schemeClr>
+                          </a:solidFill>
+                        </a:rPr>
+                        <a:t>+ </a:t>
+                      </a:r>
+                    </a:p>
+                    <a:p>
+                      <a:pPr latinLnBrk="1"/>
+                      <a:endParaRPr lang="en-US" altLang="ko-KR" sz="800" dirty="0" smtClean="0">
                         <a:solidFill>
                           <a:schemeClr val="tx2">
                             <a:lumMod val="40000"/>
@@ -4567,39 +5393,61 @@
                     <a:p>
                       <a:pPr latinLnBrk="1"/>
                       <a:r>
-                        <a:rPr lang="en-US" altLang="ko-KR" sz="1000" baseline="0" dirty="0" smtClean="0">
-                          <a:solidFill>
-                            <a:schemeClr val="tx2">
-                              <a:lumMod val="40000"/>
-                              <a:lumOff val="60000"/>
-                            </a:schemeClr>
-                          </a:solidFill>
-                        </a:rPr>
-                        <a:t>(</a:t>
-                      </a:r>
-                      <a:r>
-                        <a:rPr lang="ko-KR" altLang="en-US" sz="1000" baseline="0" dirty="0" smtClean="0">
-                          <a:solidFill>
-                            <a:schemeClr val="tx2">
-                              <a:lumMod val="40000"/>
-                              <a:lumOff val="60000"/>
-                            </a:schemeClr>
-                          </a:solidFill>
-                        </a:rPr>
-                        <a:t>책 대여</a:t>
-                      </a:r>
-                      <a:r>
-                        <a:rPr lang="en-US" altLang="ko-KR" sz="1000" baseline="0" dirty="0" smtClean="0">
-                          <a:solidFill>
-                            <a:schemeClr val="tx2">
-                              <a:lumMod val="40000"/>
-                              <a:lumOff val="60000"/>
-                            </a:schemeClr>
-                          </a:solidFill>
-                        </a:rPr>
-                        <a:t>)                                                               </a:t>
-                      </a:r>
-                      <a:endParaRPr lang="ko-KR" altLang="en-US" sz="1000" dirty="0">
+                        <a:rPr lang="ko-KR" altLang="en-US" sz="800" dirty="0" smtClean="0">
+                          <a:solidFill>
+                            <a:schemeClr val="tx2">
+                              <a:lumMod val="40000"/>
+                              <a:lumOff val="60000"/>
+                            </a:schemeClr>
+                          </a:solidFill>
+                        </a:rPr>
+                        <a:t>오후 수업</a:t>
+                      </a:r>
+                      <a:endParaRPr lang="en-US" altLang="ko-KR" sz="800" dirty="0" smtClean="0">
+                        <a:solidFill>
+                          <a:schemeClr val="tx2">
+                            <a:lumMod val="40000"/>
+                            <a:lumOff val="60000"/>
+                          </a:schemeClr>
+                        </a:solidFill>
+                      </a:endParaRPr>
+                    </a:p>
+                    <a:p>
+                      <a:pPr latinLnBrk="1"/>
+                      <a:endParaRPr lang="en-US" altLang="ko-KR" sz="800" dirty="0" smtClean="0">
+                        <a:solidFill>
+                          <a:schemeClr val="tx2">
+                            <a:lumMod val="40000"/>
+                            <a:lumOff val="60000"/>
+                          </a:schemeClr>
+                        </a:solidFill>
+                      </a:endParaRPr>
+                    </a:p>
+                    <a:p>
+                      <a:pPr latinLnBrk="1"/>
+                      <a:r>
+                        <a:rPr lang="en-US" altLang="ko-KR" sz="800" dirty="0" smtClean="0">
+                          <a:solidFill>
+                            <a:schemeClr val="tx2">
+                              <a:lumMod val="40000"/>
+                              <a:lumOff val="60000"/>
+                            </a:schemeClr>
+                          </a:solidFill>
+                        </a:rPr>
+                        <a:t>+ Ajax </a:t>
+                      </a:r>
+                      <a:r>
+                        <a:rPr lang="ko-KR" altLang="en-US" sz="800" dirty="0" smtClean="0">
+                          <a:solidFill>
+                            <a:schemeClr val="tx2">
+                              <a:lumMod val="40000"/>
+                              <a:lumOff val="60000"/>
+                            </a:schemeClr>
+                          </a:solidFill>
+                        </a:rPr>
+                        <a:t>강의</a:t>
+                      </a:r>
+                      <a:endParaRPr lang="ko-KR" altLang="en-US" sz="800" dirty="0">
                         <a:solidFill>
                           <a:schemeClr val="tx2">
                             <a:lumMod val="40000"/>
@@ -4618,7 +5466,7 @@
                     <a:p>
                       <a:pPr latinLnBrk="1"/>
                       <a:r>
-                        <a:rPr lang="en-US" altLang="ko-KR" sz="1000" dirty="0" smtClean="0">
+                        <a:rPr lang="en-US" altLang="ko-KR" sz="800" dirty="0" smtClean="0">
                           <a:solidFill>
                             <a:schemeClr val="tx2">
                               <a:lumMod val="40000"/>
@@ -4632,7 +5480,7 @@
                     <a:p>
                       <a:pPr latinLnBrk="1"/>
                       <a:r>
-                        <a:rPr lang="ko-KR" altLang="en-US" sz="1000" dirty="0" smtClean="0">
+                        <a:rPr lang="ko-KR" altLang="en-US" sz="800" dirty="0" smtClean="0">
                           <a:solidFill>
                             <a:schemeClr val="tx2">
                               <a:lumMod val="40000"/>
@@ -4643,7 +5491,7 @@
                         <a:t>도서관 </a:t>
                       </a:r>
                       <a:r>
-                        <a:rPr lang="en-US" altLang="ko-KR" sz="1000" dirty="0" smtClean="0">
+                        <a:rPr lang="en-US" altLang="ko-KR" sz="800" dirty="0" smtClean="0">
                           <a:solidFill>
                             <a:schemeClr val="tx2">
                               <a:lumMod val="40000"/>
@@ -4657,7 +5505,7 @@
                     <a:p>
                       <a:pPr latinLnBrk="1"/>
                       <a:r>
-                        <a:rPr lang="ko-KR" altLang="en-US" sz="1000" dirty="0" err="1" smtClean="0">
+                        <a:rPr lang="ko-KR" altLang="en-US" sz="800" dirty="0" err="1" smtClean="0">
                           <a:solidFill>
                             <a:schemeClr val="tx2">
                               <a:lumMod val="40000"/>
@@ -4668,7 +5516,7 @@
                         <a:t>그로스</a:t>
                       </a:r>
                       <a:r>
-                        <a:rPr lang="ko-KR" altLang="en-US" sz="1000" dirty="0" smtClean="0">
+                        <a:rPr lang="ko-KR" altLang="en-US" sz="800" dirty="0" smtClean="0">
                           <a:solidFill>
                             <a:schemeClr val="tx2">
                               <a:lumMod val="40000"/>
@@ -4678,7 +5526,7 @@
                         </a:rPr>
                         <a:t> 해킹</a:t>
                       </a:r>
-                      <a:endParaRPr lang="en-US" altLang="ko-KR" sz="1000" dirty="0" smtClean="0">
+                      <a:endParaRPr lang="en-US" altLang="ko-KR" sz="800" dirty="0" smtClean="0">
                         <a:solidFill>
                           <a:schemeClr val="tx2">
                             <a:lumMod val="40000"/>
@@ -4691,7 +5539,7 @@
                   <a:tcPr/>
                 </a:tc>
               </a:tr>
-              <a:tr h="723345">
+              <a:tr h="573008">
                 <a:tc>
                   <a:txBody>
                     <a:bodyPr/>
@@ -4699,7 +5547,7 @@
                     <a:p>
                       <a:pPr latinLnBrk="1"/>
                       <a:r>
-                        <a:rPr lang="en-US" altLang="ko-KR" sz="1000" dirty="0" smtClean="0">
+                        <a:rPr lang="en-US" altLang="ko-KR" sz="800" dirty="0" smtClean="0">
                           <a:solidFill>
                             <a:schemeClr val="tx2">
                               <a:lumMod val="40000"/>
@@ -4713,7 +5561,7 @@
                     <a:p>
                       <a:pPr latinLnBrk="1"/>
                       <a:r>
-                        <a:rPr lang="ko-KR" altLang="en-US" sz="1000" dirty="0" smtClean="0">
+                        <a:rPr lang="ko-KR" altLang="en-US" sz="800" dirty="0" smtClean="0">
                           <a:solidFill>
                             <a:schemeClr val="tx2">
                               <a:lumMod val="40000"/>
@@ -4723,7 +5571,7 @@
                         </a:rPr>
                         <a:t>예배</a:t>
                       </a:r>
-                      <a:endParaRPr lang="en-US" altLang="ko-KR" sz="1000" dirty="0" smtClean="0">
+                      <a:endParaRPr lang="en-US" altLang="ko-KR" sz="800" dirty="0" smtClean="0">
                         <a:solidFill>
                           <a:schemeClr val="tx2">
                             <a:lumMod val="40000"/>
@@ -4735,7 +5583,7 @@
                     <a:p>
                       <a:pPr latinLnBrk="1"/>
                       <a:r>
-                        <a:rPr lang="en-US" altLang="ko-KR" sz="1000" dirty="0" smtClean="0">
+                        <a:rPr lang="en-US" altLang="ko-KR" sz="800" dirty="0" smtClean="0">
                           <a:solidFill>
                             <a:schemeClr val="tx2">
                               <a:lumMod val="40000"/>
@@ -4746,7 +5594,7 @@
                         <a:t>Ajax </a:t>
                       </a:r>
                       <a:r>
-                        <a:rPr lang="ko-KR" altLang="en-US" sz="1000" dirty="0" smtClean="0">
+                        <a:rPr lang="ko-KR" altLang="en-US" sz="800" dirty="0" smtClean="0">
                           <a:solidFill>
                             <a:schemeClr val="tx2">
                               <a:lumMod val="40000"/>
@@ -4756,7 +5604,7 @@
                         </a:rPr>
                         <a:t>실습</a:t>
                       </a:r>
-                      <a:endParaRPr lang="ko-KR" altLang="en-US" sz="1000" dirty="0">
+                      <a:endParaRPr lang="ko-KR" altLang="en-US" sz="800" dirty="0">
                         <a:solidFill>
                           <a:schemeClr val="tx2">
                             <a:lumMod val="40000"/>
@@ -4775,7 +5623,7 @@
                     <a:p>
                       <a:pPr latinLnBrk="1"/>
                       <a:r>
-                        <a:rPr lang="en-US" altLang="ko-KR" sz="1000" dirty="0" smtClean="0">
+                        <a:rPr lang="en-US" altLang="ko-KR" sz="800" dirty="0" smtClean="0">
                           <a:solidFill>
                             <a:schemeClr val="tx2">
                               <a:lumMod val="40000"/>
@@ -4789,7 +5637,7 @@
                     <a:p>
                       <a:pPr latinLnBrk="1"/>
                       <a:r>
-                        <a:rPr lang="en-US" altLang="ko-KR" sz="1000" dirty="0" smtClean="0">
+                        <a:rPr lang="en-US" altLang="ko-KR" sz="800" dirty="0" smtClean="0">
                           <a:solidFill>
                             <a:schemeClr val="tx2">
                               <a:lumMod val="40000"/>
@@ -4800,7 +5648,7 @@
                         <a:t>Section</a:t>
                       </a:r>
                       <a:r>
-                        <a:rPr lang="en-US" altLang="ko-KR" sz="1000" baseline="0" dirty="0" smtClean="0">
+                        <a:rPr lang="en-US" altLang="ko-KR" sz="800" baseline="0" dirty="0" smtClean="0">
                           <a:solidFill>
                             <a:schemeClr val="tx2">
                               <a:lumMod val="40000"/>
@@ -4813,7 +5661,18 @@
                     </a:p>
                     <a:p>
                       <a:pPr latinLnBrk="1"/>
-                      <a:endParaRPr lang="en-US" altLang="ko-KR" sz="1000" dirty="0" smtClean="0">
+                      <a:r>
+                        <a:rPr lang="ko-KR" altLang="en-US" sz="800" baseline="0" dirty="0" smtClean="0">
+                          <a:solidFill>
+                            <a:schemeClr val="tx2">
+                              <a:lumMod val="40000"/>
+                              <a:lumOff val="60000"/>
+                            </a:schemeClr>
+                          </a:solidFill>
+                        </a:rPr>
+                        <a:t>국립중앙도서관 방문</a:t>
+                      </a:r>
+                      <a:endParaRPr lang="en-US" altLang="ko-KR" sz="800" baseline="0" dirty="0" smtClean="0">
                         <a:solidFill>
                           <a:schemeClr val="tx2">
                             <a:lumMod val="40000"/>
@@ -4824,7 +5683,40 @@
                     </a:p>
                     <a:p>
                       <a:pPr latinLnBrk="1"/>
-                      <a:endParaRPr lang="ko-KR" altLang="en-US" sz="1000" dirty="0">
+                      <a:r>
+                        <a:rPr lang="en-US" altLang="ko-KR" sz="800" baseline="0" dirty="0" smtClean="0">
+                          <a:solidFill>
+                            <a:schemeClr val="tx2">
+                              <a:lumMod val="40000"/>
+                              <a:lumOff val="60000"/>
+                            </a:schemeClr>
+                          </a:solidFill>
+                        </a:rPr>
+                        <a:t>(</a:t>
+                      </a:r>
+                      <a:r>
+                        <a:rPr lang="ko-KR" altLang="en-US" sz="800" baseline="0" dirty="0" smtClean="0">
+                          <a:solidFill>
+                            <a:schemeClr val="tx2">
+                              <a:lumMod val="40000"/>
+                              <a:lumOff val="60000"/>
+                            </a:schemeClr>
+                          </a:solidFill>
+                        </a:rPr>
+                        <a:t>책 대여</a:t>
+                      </a:r>
+                      <a:r>
+                        <a:rPr lang="en-US" altLang="ko-KR" sz="800" baseline="0" dirty="0" smtClean="0">
+                          <a:solidFill>
+                            <a:schemeClr val="tx2">
+                              <a:lumMod val="40000"/>
+                              <a:lumOff val="60000"/>
+                            </a:schemeClr>
+                          </a:solidFill>
+                        </a:rPr>
+                        <a:t>) </a:t>
+                      </a:r>
+                      <a:endParaRPr lang="ko-KR" altLang="en-US" sz="800" dirty="0">
                         <a:solidFill>
                           <a:schemeClr val="tx2">
                             <a:lumMod val="40000"/>
@@ -4843,7 +5735,7 @@
                     <a:p>
                       <a:pPr latinLnBrk="1"/>
                       <a:r>
-                        <a:rPr lang="en-US" altLang="ko-KR" sz="1000" dirty="0" smtClean="0">
+                        <a:rPr lang="en-US" altLang="ko-KR" sz="800" dirty="0" smtClean="0">
                           <a:solidFill>
                             <a:schemeClr val="tx2">
                               <a:lumMod val="40000"/>
@@ -4857,7 +5749,7 @@
                     <a:p>
                       <a:pPr latinLnBrk="1"/>
                       <a:r>
-                        <a:rPr lang="en-US" altLang="ko-KR" sz="1000" dirty="0" smtClean="0">
+                        <a:rPr lang="en-US" altLang="ko-KR" sz="800" dirty="0" smtClean="0">
                           <a:solidFill>
                             <a:schemeClr val="tx2">
                               <a:lumMod val="40000"/>
@@ -4868,7 +5760,7 @@
                         <a:t>Visual Studio Code + </a:t>
                       </a:r>
                       <a:r>
-                        <a:rPr lang="en-US" altLang="ko-KR" sz="1000" dirty="0" err="1" smtClean="0">
+                        <a:rPr lang="en-US" altLang="ko-KR" sz="800" dirty="0" err="1" smtClean="0">
                           <a:solidFill>
                             <a:schemeClr val="tx2">
                               <a:lumMod val="40000"/>
@@ -4878,7 +5770,7 @@
                         </a:rPr>
                         <a:t>Laravel</a:t>
                       </a:r>
-                      <a:endParaRPr lang="en-US" altLang="ko-KR" sz="1000" dirty="0" smtClean="0">
+                      <a:endParaRPr lang="en-US" altLang="ko-KR" sz="800" dirty="0" smtClean="0">
                         <a:solidFill>
                           <a:schemeClr val="tx2">
                             <a:lumMod val="40000"/>
@@ -4897,7 +5789,7 @@
                     <a:p>
                       <a:pPr latinLnBrk="1"/>
                       <a:r>
-                        <a:rPr lang="en-US" altLang="ko-KR" sz="1000" dirty="0" smtClean="0">
+                        <a:rPr lang="en-US" altLang="ko-KR" sz="800" dirty="0" smtClean="0">
                           <a:solidFill>
                             <a:schemeClr val="tx2">
                               <a:lumMod val="40000"/>
@@ -4927,7 +5819,7 @@
                         <a:defRPr/>
                       </a:pPr>
                       <a:r>
-                        <a:rPr lang="en-US" altLang="ko-KR" sz="1000" dirty="0" smtClean="0">
+                        <a:rPr lang="en-US" altLang="ko-KR" sz="800" dirty="0" smtClean="0">
                           <a:solidFill>
                             <a:schemeClr val="tx2">
                               <a:lumMod val="40000"/>
@@ -4938,7 +5830,7 @@
                         <a:t>Visual Studio Code + </a:t>
                       </a:r>
                       <a:r>
-                        <a:rPr lang="en-US" altLang="ko-KR" sz="1000" dirty="0" err="1" smtClean="0">
+                        <a:rPr lang="en-US" altLang="ko-KR" sz="800" dirty="0" err="1" smtClean="0">
                           <a:solidFill>
                             <a:schemeClr val="tx2">
                               <a:lumMod val="40000"/>
@@ -4948,18 +5840,7 @@
                         </a:rPr>
                         <a:t>Laravel</a:t>
                       </a:r>
-                      <a:endParaRPr lang="en-US" altLang="ko-KR" sz="1000" dirty="0" smtClean="0">
-                        <a:solidFill>
-                          <a:schemeClr val="tx2">
-                            <a:lumMod val="40000"/>
-                            <a:lumOff val="60000"/>
-                          </a:schemeClr>
-                        </a:solidFill>
-                      </a:endParaRPr>
-                    </a:p>
-                    <a:p>
-                      <a:pPr latinLnBrk="1"/>
-                      <a:endParaRPr lang="en-US" altLang="ko-KR" sz="1000" dirty="0" smtClean="0">
+                      <a:endParaRPr lang="en-US" altLang="ko-KR" sz="800" dirty="0" smtClean="0">
                         <a:solidFill>
                           <a:schemeClr val="tx2">
                             <a:lumMod val="40000"/>
@@ -4978,7 +5859,7 @@
                     <a:p>
                       <a:pPr latinLnBrk="1"/>
                       <a:r>
-                        <a:rPr lang="en-US" altLang="ko-KR" sz="1000" dirty="0" smtClean="0">
+                        <a:rPr lang="en-US" altLang="ko-KR" sz="800" dirty="0" smtClean="0">
                           <a:solidFill>
                             <a:schemeClr val="tx2">
                               <a:lumMod val="40000"/>
@@ -5008,7 +5889,7 @@
                         <a:defRPr/>
                       </a:pPr>
                       <a:r>
-                        <a:rPr lang="en-US" altLang="ko-KR" sz="1000" dirty="0" smtClean="0">
+                        <a:rPr lang="en-US" altLang="ko-KR" sz="800" dirty="0" smtClean="0">
                           <a:solidFill>
                             <a:schemeClr val="tx2">
                               <a:lumMod val="40000"/>
@@ -5019,7 +5900,7 @@
                         <a:t>Visual Studio Code + </a:t>
                       </a:r>
                       <a:r>
-                        <a:rPr lang="en-US" altLang="ko-KR" sz="1000" dirty="0" err="1" smtClean="0">
+                        <a:rPr lang="en-US" altLang="ko-KR" sz="800" dirty="0" err="1" smtClean="0">
                           <a:solidFill>
                             <a:schemeClr val="tx2">
                               <a:lumMod val="40000"/>
@@ -5029,18 +5910,7 @@
                         </a:rPr>
                         <a:t>Laravel</a:t>
                       </a:r>
-                      <a:endParaRPr lang="en-US" altLang="ko-KR" sz="1000" dirty="0" smtClean="0">
-                        <a:solidFill>
-                          <a:schemeClr val="tx2">
-                            <a:lumMod val="40000"/>
-                            <a:lumOff val="60000"/>
-                          </a:schemeClr>
-                        </a:solidFill>
-                      </a:endParaRPr>
-                    </a:p>
-                    <a:p>
-                      <a:pPr latinLnBrk="1"/>
-                      <a:endParaRPr lang="en-US" altLang="ko-KR" sz="1000" dirty="0" smtClean="0">
+                      <a:endParaRPr lang="en-US" altLang="ko-KR" sz="800" dirty="0" smtClean="0">
                         <a:solidFill>
                           <a:schemeClr val="tx2">
                             <a:lumMod val="40000"/>
@@ -5059,7 +5929,7 @@
                     <a:p>
                       <a:pPr latinLnBrk="1"/>
                       <a:r>
-                        <a:rPr lang="en-US" altLang="ko-KR" sz="1000" dirty="0" smtClean="0">
+                        <a:rPr lang="en-US" altLang="ko-KR" sz="800" dirty="0" smtClean="0">
                           <a:solidFill>
                             <a:schemeClr val="tx2">
                               <a:lumMod val="40000"/>
@@ -5089,7 +5959,7 @@
                         <a:defRPr/>
                       </a:pPr>
                       <a:r>
-                        <a:rPr lang="en-US" altLang="ko-KR" sz="1000" dirty="0" smtClean="0">
+                        <a:rPr lang="en-US" altLang="ko-KR" sz="800" dirty="0" smtClean="0">
                           <a:solidFill>
                             <a:schemeClr val="tx2">
                               <a:lumMod val="40000"/>
@@ -5100,7 +5970,7 @@
                         <a:t>Visual Studio Code + </a:t>
                       </a:r>
                       <a:r>
-                        <a:rPr lang="en-US" altLang="ko-KR" sz="1000" dirty="0" err="1" smtClean="0">
+                        <a:rPr lang="en-US" altLang="ko-KR" sz="800" dirty="0" err="1" smtClean="0">
                           <a:solidFill>
                             <a:schemeClr val="tx2">
                               <a:lumMod val="40000"/>
@@ -5110,18 +5980,7 @@
                         </a:rPr>
                         <a:t>Laravel</a:t>
                       </a:r>
-                      <a:endParaRPr lang="en-US" altLang="ko-KR" sz="1000" dirty="0" smtClean="0">
-                        <a:solidFill>
-                          <a:schemeClr val="tx2">
-                            <a:lumMod val="40000"/>
-                            <a:lumOff val="60000"/>
-                          </a:schemeClr>
-                        </a:solidFill>
-                      </a:endParaRPr>
-                    </a:p>
-                    <a:p>
-                      <a:pPr latinLnBrk="1"/>
-                      <a:endParaRPr lang="en-US" altLang="ko-KR" sz="1000" dirty="0" smtClean="0">
+                      <a:endParaRPr lang="en-US" altLang="ko-KR" sz="800" dirty="0" smtClean="0">
                         <a:solidFill>
                           <a:schemeClr val="tx2">
                             <a:lumMod val="40000"/>
@@ -5140,7 +5999,7 @@
                     <a:p>
                       <a:pPr latinLnBrk="1"/>
                       <a:r>
-                        <a:rPr lang="en-US" altLang="ko-KR" sz="1000" dirty="0" smtClean="0">
+                        <a:rPr lang="en-US" altLang="ko-KR" sz="800" dirty="0" smtClean="0">
                           <a:solidFill>
                             <a:schemeClr val="tx2">
                               <a:lumMod val="40000"/>
@@ -5170,7 +6029,7 @@
                         <a:defRPr/>
                       </a:pPr>
                       <a:r>
-                        <a:rPr lang="en-US" altLang="ko-KR" sz="1000" dirty="0" smtClean="0">
+                        <a:rPr lang="en-US" altLang="ko-KR" sz="800" dirty="0" smtClean="0">
                           <a:solidFill>
                             <a:schemeClr val="tx2">
                               <a:lumMod val="40000"/>
@@ -5181,7 +6040,7 @@
                         <a:t>Visual Studio Code + </a:t>
                       </a:r>
                       <a:r>
-                        <a:rPr lang="en-US" altLang="ko-KR" sz="1000" dirty="0" err="1" smtClean="0">
+                        <a:rPr lang="en-US" altLang="ko-KR" sz="800" dirty="0" err="1" smtClean="0">
                           <a:solidFill>
                             <a:schemeClr val="tx2">
                               <a:lumMod val="40000"/>
@@ -5191,18 +6050,29 @@
                         </a:rPr>
                         <a:t>Laravel</a:t>
                       </a:r>
-                      <a:endParaRPr lang="en-US" altLang="ko-KR" sz="1000" dirty="0" smtClean="0">
-                        <a:solidFill>
-                          <a:schemeClr val="tx2">
-                            <a:lumMod val="40000"/>
-                            <a:lumOff val="60000"/>
-                          </a:schemeClr>
-                        </a:solidFill>
-                      </a:endParaRPr>
-                    </a:p>
-                    <a:p>
-                      <a:pPr latinLnBrk="1"/>
-                      <a:endParaRPr lang="en-US" altLang="ko-KR" sz="1000" dirty="0" smtClean="0">
+                      <a:r>
+                        <a:rPr lang="en-US" altLang="ko-KR" sz="800" dirty="0" smtClean="0">
+                          <a:solidFill>
+                            <a:schemeClr val="tx2">
+                              <a:lumMod val="40000"/>
+                              <a:lumOff val="60000"/>
+                            </a:schemeClr>
+                          </a:solidFill>
+                        </a:rPr>
+                        <a:t> + </a:t>
+                      </a:r>
+                      <a:r>
+                        <a:rPr lang="ko-KR" altLang="en-US" sz="800" dirty="0" smtClean="0">
+                          <a:solidFill>
+                            <a:schemeClr val="tx2">
+                              <a:lumMod val="40000"/>
+                              <a:lumOff val="60000"/>
+                            </a:schemeClr>
+                          </a:solidFill>
+                        </a:rPr>
+                        <a:t>독서</a:t>
+                      </a:r>
+                      <a:endParaRPr lang="en-US" altLang="ko-KR" sz="800" dirty="0" smtClean="0">
                         <a:solidFill>
                           <a:schemeClr val="tx2">
                             <a:lumMod val="40000"/>
@@ -5223,7 +6093,7 @@
                     <a:p>
                       <a:pPr latinLnBrk="1"/>
                       <a:r>
-                        <a:rPr lang="en-US" altLang="ko-KR" sz="1000" dirty="0" smtClean="0">
+                        <a:rPr lang="en-US" altLang="ko-KR" sz="800" dirty="0" smtClean="0">
                           <a:solidFill>
                             <a:schemeClr val="tx2">
                               <a:lumMod val="40000"/>
@@ -5233,7 +6103,65 @@
                         </a:rPr>
                         <a:t>13</a:t>
                       </a:r>
-                      <a:endParaRPr lang="ko-KR" altLang="en-US" sz="1000" dirty="0">
+                    </a:p>
+                    <a:p>
+                      <a:pPr latinLnBrk="1"/>
+                      <a:endParaRPr lang="en-US" altLang="ko-KR" sz="800" dirty="0" smtClean="0">
+                        <a:solidFill>
+                          <a:schemeClr val="tx2">
+                            <a:lumMod val="40000"/>
+                            <a:lumOff val="60000"/>
+                          </a:schemeClr>
+                        </a:solidFill>
+                      </a:endParaRPr>
+                    </a:p>
+                    <a:p>
+                      <a:pPr latinLnBrk="1"/>
+                      <a:endParaRPr lang="en-US" altLang="ko-KR" sz="800" dirty="0" smtClean="0">
+                        <a:solidFill>
+                          <a:schemeClr val="tx2">
+                            <a:lumMod val="40000"/>
+                            <a:lumOff val="60000"/>
+                          </a:schemeClr>
+                        </a:solidFill>
+                      </a:endParaRPr>
+                    </a:p>
+                    <a:p>
+                      <a:pPr latinLnBrk="1"/>
+                      <a:r>
+                        <a:rPr lang="ko-KR" altLang="en-US" sz="800" dirty="0" smtClean="0">
+                          <a:solidFill>
+                            <a:schemeClr val="tx2">
+                              <a:lumMod val="40000"/>
+                              <a:lumOff val="60000"/>
+                            </a:schemeClr>
+                          </a:solidFill>
+                        </a:rPr>
+                        <a:t>예배</a:t>
+                      </a:r>
+                      <a:endParaRPr lang="en-US" altLang="ko-KR" sz="800" dirty="0" smtClean="0">
+                        <a:solidFill>
+                          <a:schemeClr val="tx2">
+                            <a:lumMod val="40000"/>
+                            <a:lumOff val="60000"/>
+                          </a:schemeClr>
+                        </a:solidFill>
+                      </a:endParaRPr>
+                    </a:p>
+                    <a:p>
+                      <a:pPr latinLnBrk="1"/>
+                      <a:r>
+                        <a:rPr lang="ko-KR" altLang="en-US" sz="800" dirty="0" smtClean="0">
+                          <a:solidFill>
+                            <a:schemeClr val="tx2">
+                              <a:lumMod val="40000"/>
+                              <a:lumOff val="60000"/>
+                            </a:schemeClr>
+                          </a:solidFill>
+                        </a:rPr>
+                        <a:t>독서</a:t>
+                      </a:r>
+                      <a:endParaRPr lang="en-US" altLang="ko-KR" sz="800" dirty="0" smtClean="0">
                         <a:solidFill>
                           <a:schemeClr val="tx2">
                             <a:lumMod val="40000"/>
@@ -5252,7 +6180,7 @@
                     <a:p>
                       <a:pPr latinLnBrk="1"/>
                       <a:r>
-                        <a:rPr lang="en-US" altLang="ko-KR" sz="1000" dirty="0" smtClean="0">
+                        <a:rPr lang="en-US" altLang="ko-KR" sz="800" dirty="0" smtClean="0">
                           <a:solidFill>
                             <a:schemeClr val="tx2">
                               <a:lumMod val="40000"/>
@@ -5262,12 +6190,209 @@
                         </a:rPr>
                         <a:t>14</a:t>
                       </a:r>
-                      <a:endParaRPr lang="ko-KR" altLang="en-US" sz="1000" dirty="0">
-                        <a:solidFill>
-                          <a:schemeClr val="tx2">
-                            <a:lumMod val="40000"/>
-                            <a:lumOff val="60000"/>
-                          </a:schemeClr>
+                    </a:p>
+                    <a:p>
+                      <a:pPr latinLnBrk="1"/>
+                      <a:r>
+                        <a:rPr lang="ko-KR" altLang="en-US" sz="800" dirty="0" smtClean="0">
+                          <a:solidFill>
+                            <a:schemeClr val="tx2">
+                              <a:lumMod val="40000"/>
+                              <a:lumOff val="60000"/>
+                            </a:schemeClr>
+                          </a:solidFill>
+                        </a:rPr>
+                        <a:t>복습 </a:t>
+                      </a:r>
+                      <a:r>
+                        <a:rPr lang="en-US" altLang="ko-KR" sz="800" dirty="0" smtClean="0">
+                          <a:solidFill>
+                            <a:schemeClr val="tx2">
+                              <a:lumMod val="40000"/>
+                              <a:lumOff val="60000"/>
+                            </a:schemeClr>
+                          </a:solidFill>
+                        </a:rPr>
+                        <a:t>+ </a:t>
+                      </a:r>
+                    </a:p>
+                    <a:p>
+                      <a:pPr latinLnBrk="1"/>
+                      <a:r>
+                        <a:rPr lang="ko-KR" altLang="en-US" sz="800" b="1" dirty="0" smtClean="0">
+                          <a:solidFill>
+                            <a:srgbClr val="00B0F0"/>
+                          </a:solidFill>
+                        </a:rPr>
+                        <a:t>엔젤투자동향</a:t>
+                      </a:r>
+                      <a:endParaRPr lang="en-US" altLang="ko-KR" sz="800" b="1" dirty="0" smtClean="0">
+                        <a:solidFill>
+                          <a:srgbClr val="00B0F0"/>
+                        </a:solidFill>
+                      </a:endParaRPr>
+                    </a:p>
+                    <a:p>
+                      <a:pPr latinLnBrk="1"/>
+                      <a:r>
+                        <a:rPr lang="ko-KR" altLang="en-US" sz="800" b="1" dirty="0" smtClean="0">
+                          <a:solidFill>
+                            <a:srgbClr val="00B0F0"/>
+                          </a:solidFill>
+                        </a:rPr>
+                        <a:t>세미나 </a:t>
+                      </a:r>
+                      <a:r>
+                        <a:rPr lang="en-US" altLang="ko-KR" sz="800" b="1" dirty="0" smtClean="0">
+                          <a:solidFill>
+                            <a:srgbClr val="00B0F0"/>
+                          </a:solidFill>
+                        </a:rPr>
+                        <a:t>17</a:t>
+                      </a:r>
+                      <a:r>
+                        <a:rPr lang="ko-KR" altLang="en-US" sz="800" b="1" dirty="0" smtClean="0">
+                          <a:solidFill>
+                            <a:srgbClr val="00B0F0"/>
+                          </a:solidFill>
+                        </a:rPr>
+                        <a:t>시</a:t>
+                      </a:r>
+                      <a:r>
+                        <a:rPr lang="en-US" altLang="ko-KR" sz="800" b="1" dirty="0" smtClean="0">
+                          <a:solidFill>
+                            <a:srgbClr val="00B0F0"/>
+                          </a:solidFill>
+                        </a:rPr>
+                        <a:t>~20</a:t>
+                      </a:r>
+                      <a:r>
+                        <a:rPr lang="ko-KR" altLang="en-US" sz="800" b="1" dirty="0" smtClean="0">
+                          <a:solidFill>
+                            <a:srgbClr val="00B0F0"/>
+                          </a:solidFill>
+                        </a:rPr>
+                        <a:t>시</a:t>
+                      </a:r>
+                      <a:endParaRPr lang="en-US" altLang="ko-KR" sz="800" b="1" dirty="0" smtClean="0">
+                        <a:solidFill>
+                          <a:srgbClr val="00B0F0"/>
+                        </a:solidFill>
+                      </a:endParaRPr>
+                    </a:p>
+                    <a:p>
+                      <a:pPr latinLnBrk="1"/>
+                      <a:r>
+                        <a:rPr lang="ko-KR" altLang="en-US" sz="800" b="0" i="0" kern="1200" dirty="0" smtClean="0">
+                          <a:solidFill>
+                            <a:schemeClr val="accent1"/>
+                          </a:solidFill>
+                          <a:effectLst/>
+                          <a:latin typeface="+mn-lt"/>
+                          <a:ea typeface="+mn-ea"/>
+                          <a:cs typeface="+mn-cs"/>
+                        </a:rPr>
+                        <a:t>역삼동 </a:t>
+                      </a:r>
+                      <a:r>
+                        <a:rPr lang="ko-KR" altLang="en-US" sz="800" b="0" i="0" kern="1200" dirty="0" err="1" smtClean="0">
+                          <a:solidFill>
+                            <a:schemeClr val="accent1"/>
+                          </a:solidFill>
+                          <a:effectLst/>
+                          <a:latin typeface="+mn-lt"/>
+                          <a:ea typeface="+mn-ea"/>
+                          <a:cs typeface="+mn-cs"/>
+                        </a:rPr>
+                        <a:t>팁스타운</a:t>
+                      </a:r>
+                      <a:r>
+                        <a:rPr lang="ko-KR" altLang="en-US" sz="800" b="0" i="0" kern="1200" dirty="0" smtClean="0">
+                          <a:solidFill>
+                            <a:schemeClr val="accent1"/>
+                          </a:solidFill>
+                          <a:effectLst/>
+                          <a:latin typeface="+mn-lt"/>
+                          <a:ea typeface="+mn-ea"/>
+                          <a:cs typeface="+mn-cs"/>
+                        </a:rPr>
+                        <a:t> </a:t>
+                      </a:r>
+                      <a:r>
+                        <a:rPr lang="en-US" altLang="ko-KR" sz="800" b="0" i="0" kern="1200" dirty="0" smtClean="0">
+                          <a:solidFill>
+                            <a:schemeClr val="accent1"/>
+                          </a:solidFill>
+                          <a:effectLst/>
+                          <a:latin typeface="+mn-lt"/>
+                          <a:ea typeface="+mn-ea"/>
+                          <a:cs typeface="+mn-cs"/>
+                        </a:rPr>
+                        <a:t>B1 (</a:t>
+                      </a:r>
+                      <a:r>
+                        <a:rPr lang="ko-KR" altLang="en-US" sz="800" b="0" i="0" kern="1200" dirty="0" smtClean="0">
+                          <a:solidFill>
+                            <a:schemeClr val="accent1"/>
+                          </a:solidFill>
+                          <a:effectLst/>
+                          <a:latin typeface="+mn-lt"/>
+                          <a:ea typeface="+mn-ea"/>
+                          <a:cs typeface="+mn-cs"/>
+                        </a:rPr>
+                        <a:t>강남구 </a:t>
+                      </a:r>
+                      <a:r>
+                        <a:rPr lang="ko-KR" altLang="en-US" sz="800" b="0" i="0" kern="1200" dirty="0" err="1" smtClean="0">
+                          <a:solidFill>
+                            <a:schemeClr val="accent1"/>
+                          </a:solidFill>
+                          <a:effectLst/>
+                          <a:latin typeface="+mn-lt"/>
+                          <a:ea typeface="+mn-ea"/>
+                          <a:cs typeface="+mn-cs"/>
+                        </a:rPr>
+                        <a:t>역삼로</a:t>
+                      </a:r>
+                      <a:r>
+                        <a:rPr lang="en-US" altLang="ko-KR" sz="800" b="0" i="0" kern="1200" dirty="0" smtClean="0">
+                          <a:solidFill>
+                            <a:schemeClr val="accent1"/>
+                          </a:solidFill>
+                          <a:effectLst/>
+                          <a:latin typeface="+mn-lt"/>
+                          <a:ea typeface="+mn-ea"/>
+                          <a:cs typeface="+mn-cs"/>
+                        </a:rPr>
+                        <a:t>165 </a:t>
+                      </a:r>
+                      <a:r>
+                        <a:rPr lang="ko-KR" altLang="en-US" sz="800" b="0" i="0" kern="1200" dirty="0" err="1" smtClean="0">
+                          <a:solidFill>
+                            <a:schemeClr val="accent1"/>
+                          </a:solidFill>
+                          <a:effectLst/>
+                          <a:latin typeface="+mn-lt"/>
+                          <a:ea typeface="+mn-ea"/>
+                          <a:cs typeface="+mn-cs"/>
+                        </a:rPr>
+                        <a:t>해성빌딩</a:t>
+                      </a:r>
+                      <a:r>
+                        <a:rPr lang="en-US" altLang="ko-KR" sz="800" b="0" i="0" kern="1200" dirty="0" smtClean="0">
+                          <a:solidFill>
+                            <a:schemeClr val="accent1"/>
+                          </a:solidFill>
+                          <a:effectLst/>
+                          <a:latin typeface="+mn-lt"/>
+                          <a:ea typeface="+mn-ea"/>
+                          <a:cs typeface="+mn-cs"/>
+                        </a:rPr>
+                        <a:t>) </a:t>
+                      </a:r>
+                      <a:endParaRPr lang="ko-KR" altLang="en-US" sz="800" dirty="0">
+                        <a:solidFill>
+                          <a:schemeClr val="accent1"/>
                         </a:solidFill>
                       </a:endParaRPr>
                     </a:p>
@@ -5281,7 +6406,7 @@
                     <a:p>
                       <a:pPr latinLnBrk="1"/>
                       <a:r>
-                        <a:rPr lang="en-US" altLang="ko-KR" sz="1000" dirty="0" smtClean="0">
+                        <a:rPr lang="en-US" altLang="ko-KR" sz="800" dirty="0" smtClean="0">
                           <a:solidFill>
                             <a:schemeClr val="tx2">
                               <a:lumMod val="40000"/>
@@ -5291,12 +6416,226 @@
                         </a:rPr>
                         <a:t>15</a:t>
                       </a:r>
-                      <a:endParaRPr lang="ko-KR" altLang="en-US" sz="1000" dirty="0">
-                        <a:solidFill>
-                          <a:schemeClr val="tx2">
-                            <a:lumMod val="40000"/>
-                            <a:lumOff val="60000"/>
-                          </a:schemeClr>
+                    </a:p>
+                    <a:p>
+                      <a:pPr latinLnBrk="1"/>
+                      <a:r>
+                        <a:rPr lang="ko-KR" altLang="en-US" sz="800" dirty="0" smtClean="0">
+                          <a:solidFill>
+                            <a:schemeClr val="tx2">
+                              <a:lumMod val="40000"/>
+                              <a:lumOff val="60000"/>
+                            </a:schemeClr>
+                          </a:solidFill>
+                        </a:rPr>
+                        <a:t>복습 </a:t>
+                      </a:r>
+                      <a:r>
+                        <a:rPr lang="en-US" altLang="ko-KR" sz="800" dirty="0" smtClean="0">
+                          <a:solidFill>
+                            <a:schemeClr val="tx2">
+                              <a:lumMod val="40000"/>
+                              <a:lumOff val="60000"/>
+                            </a:schemeClr>
+                          </a:solidFill>
+                        </a:rPr>
+                        <a:t>+ </a:t>
+                      </a:r>
+                      <a:r>
+                        <a:rPr lang="en-US" altLang="ko-KR" sz="800" b="1" dirty="0" smtClean="0">
+                          <a:solidFill>
+                            <a:srgbClr val="00B0F0"/>
+                          </a:solidFill>
+                        </a:rPr>
+                        <a:t>SNS</a:t>
+                      </a:r>
+                      <a:r>
+                        <a:rPr lang="ko-KR" altLang="en-US" sz="800" b="1" dirty="0" smtClean="0">
+                          <a:solidFill>
+                            <a:srgbClr val="00B0F0"/>
+                          </a:solidFill>
+                        </a:rPr>
+                        <a:t>자동화 마케팅 세미나 </a:t>
+                      </a:r>
+                      <a:r>
+                        <a:rPr lang="en-US" altLang="ko-KR" sz="800" b="1" dirty="0" smtClean="0">
+                          <a:solidFill>
+                            <a:srgbClr val="00B0F0"/>
+                          </a:solidFill>
+                        </a:rPr>
+                        <a:t>19</a:t>
+                      </a:r>
+                      <a:r>
+                        <a:rPr lang="ko-KR" altLang="en-US" sz="800" b="1" dirty="0" smtClean="0">
+                          <a:solidFill>
+                            <a:srgbClr val="00B0F0"/>
+                          </a:solidFill>
+                        </a:rPr>
+                        <a:t>시</a:t>
+                      </a:r>
+                      <a:r>
+                        <a:rPr lang="en-US" altLang="ko-KR" sz="800" b="1" dirty="0" smtClean="0">
+                          <a:solidFill>
+                            <a:srgbClr val="00B0F0"/>
+                          </a:solidFill>
+                        </a:rPr>
+                        <a:t>~21</a:t>
+                      </a:r>
+                      <a:r>
+                        <a:rPr lang="ko-KR" altLang="en-US" sz="800" b="1" dirty="0" smtClean="0">
+                          <a:solidFill>
+                            <a:srgbClr val="00B0F0"/>
+                          </a:solidFill>
+                        </a:rPr>
+                        <a:t>시</a:t>
+                      </a:r>
+                      <a:r>
+                        <a:rPr lang="ko-KR" altLang="en-US" sz="800" dirty="0" smtClean="0">
+                          <a:solidFill>
+                            <a:srgbClr val="00B0F0"/>
+                          </a:solidFill>
+                        </a:rPr>
+                        <a:t> </a:t>
+                      </a:r>
+                      <a:r>
+                        <a:rPr lang="ko-KR" altLang="en-US" sz="800" dirty="0" err="1" smtClean="0">
+                          <a:solidFill>
+                            <a:schemeClr val="accent1"/>
+                          </a:solidFill>
+                        </a:rPr>
+                        <a:t>샛강역</a:t>
+                      </a:r>
+                      <a:endParaRPr lang="en-US" altLang="ko-KR" sz="800" dirty="0" smtClean="0">
+                        <a:solidFill>
+                          <a:schemeClr val="accent1"/>
+                        </a:solidFill>
+                      </a:endParaRPr>
+                    </a:p>
+                    <a:p>
+                      <a:pPr latinLnBrk="1"/>
+                      <a:r>
+                        <a:rPr lang="ko-KR" altLang="en-US" sz="800" b="0" i="0" kern="1200" dirty="0" smtClean="0">
+                          <a:solidFill>
+                            <a:schemeClr val="accent1"/>
+                          </a:solidFill>
+                          <a:effectLst/>
+                          <a:latin typeface="+mn-lt"/>
+                          <a:ea typeface="+mn-ea"/>
+                          <a:cs typeface="+mn-cs"/>
+                        </a:rPr>
+                        <a:t>영등포</a:t>
+                      </a:r>
+                      <a:r>
+                        <a:rPr lang="en-US" altLang="ko-KR" sz="800" b="0" i="0" kern="1200" dirty="0" smtClean="0">
+                          <a:solidFill>
+                            <a:schemeClr val="accent1"/>
+                          </a:solidFill>
+                          <a:effectLst/>
+                          <a:latin typeface="+mn-lt"/>
+                          <a:ea typeface="+mn-ea"/>
+                          <a:cs typeface="+mn-cs"/>
+                        </a:rPr>
+                        <a:t>50</a:t>
+                      </a:r>
+                      <a:r>
+                        <a:rPr lang="ko-KR" altLang="en-US" sz="800" b="0" i="0" kern="1200" dirty="0" smtClean="0">
+                          <a:solidFill>
+                            <a:schemeClr val="accent1"/>
+                          </a:solidFill>
+                          <a:effectLst/>
+                          <a:latin typeface="+mn-lt"/>
+                          <a:ea typeface="+mn-ea"/>
+                          <a:cs typeface="+mn-cs"/>
+                        </a:rPr>
+                        <a:t>플러스센터 </a:t>
+                      </a:r>
+                      <a:r>
+                        <a:rPr lang="en-US" altLang="ko-KR" sz="800" b="0" i="0" kern="1200" dirty="0" smtClean="0">
+                          <a:solidFill>
+                            <a:schemeClr val="accent1"/>
+                          </a:solidFill>
+                          <a:effectLst/>
+                          <a:latin typeface="+mn-lt"/>
+                          <a:ea typeface="+mn-ea"/>
+                          <a:cs typeface="+mn-cs"/>
+                        </a:rPr>
+                        <a:t>3</a:t>
+                      </a:r>
+                      <a:r>
+                        <a:rPr lang="ko-KR" altLang="en-US" sz="800" b="0" i="0" kern="1200" dirty="0" smtClean="0">
+                          <a:solidFill>
+                            <a:schemeClr val="accent1"/>
+                          </a:solidFill>
+                          <a:effectLst/>
+                          <a:latin typeface="+mn-lt"/>
+                          <a:ea typeface="+mn-ea"/>
+                          <a:cs typeface="+mn-cs"/>
+                        </a:rPr>
+                        <a:t>층 </a:t>
+                      </a:r>
+                      <a:r>
+                        <a:rPr lang="en-US" altLang="ko-KR" sz="800" b="0" i="0" kern="1200" dirty="0" smtClean="0">
+                          <a:solidFill>
+                            <a:schemeClr val="accent1"/>
+                          </a:solidFill>
+                          <a:effectLst/>
+                          <a:latin typeface="+mn-lt"/>
+                          <a:ea typeface="+mn-ea"/>
+                          <a:cs typeface="+mn-cs"/>
+                        </a:rPr>
+                        <a:t>302</a:t>
+                      </a:r>
+                      <a:r>
+                        <a:rPr lang="ko-KR" altLang="en-US" sz="800" b="0" i="0" kern="1200" dirty="0" smtClean="0">
+                          <a:solidFill>
+                            <a:schemeClr val="accent1"/>
+                          </a:solidFill>
+                          <a:effectLst/>
+                          <a:latin typeface="+mn-lt"/>
+                          <a:ea typeface="+mn-ea"/>
+                          <a:cs typeface="+mn-cs"/>
+                        </a:rPr>
+                        <a:t>호</a:t>
+                      </a:r>
+                      <a:r>
+                        <a:rPr lang="en-US" altLang="ko-KR" sz="800" b="0" i="0" kern="1200" dirty="0" smtClean="0">
+                          <a:solidFill>
+                            <a:schemeClr val="accent1"/>
+                          </a:solidFill>
+                          <a:effectLst/>
+                          <a:latin typeface="+mn-lt"/>
+                          <a:ea typeface="+mn-ea"/>
+                          <a:cs typeface="+mn-cs"/>
+                        </a:rPr>
+                        <a:t>[</a:t>
+                      </a:r>
+                      <a:r>
+                        <a:rPr lang="ko-KR" altLang="en-US" sz="800" b="0" i="0" kern="1200" dirty="0" smtClean="0">
+                          <a:solidFill>
+                            <a:schemeClr val="accent1"/>
+                          </a:solidFill>
+                          <a:effectLst/>
+                          <a:latin typeface="+mn-lt"/>
+                          <a:ea typeface="+mn-ea"/>
+                          <a:cs typeface="+mn-cs"/>
+                        </a:rPr>
+                        <a:t>여의도복지관 건물</a:t>
+                      </a:r>
+                      <a:r>
+                        <a:rPr lang="en-US" altLang="ko-KR" sz="800" b="0" i="0" kern="1200" dirty="0" smtClean="0">
+                          <a:solidFill>
+                            <a:schemeClr val="accent1"/>
+                          </a:solidFill>
+                          <a:effectLst/>
+                          <a:latin typeface="+mn-lt"/>
+                          <a:ea typeface="+mn-ea"/>
+                          <a:cs typeface="+mn-cs"/>
+                        </a:rPr>
+                        <a:t>]</a:t>
+                      </a:r>
+                      <a:endParaRPr lang="ko-KR" altLang="en-US" sz="800" b="0" dirty="0">
+                        <a:solidFill>
+                          <a:schemeClr val="accent1"/>
                         </a:solidFill>
                       </a:endParaRPr>
                     </a:p>
@@ -5310,7 +6649,7 @@
                     <a:p>
                       <a:pPr latinLnBrk="1"/>
                       <a:r>
-                        <a:rPr lang="en-US" altLang="ko-KR" sz="1000" dirty="0" smtClean="0">
+                        <a:rPr lang="en-US" altLang="ko-KR" sz="800" dirty="0" smtClean="0">
                           <a:solidFill>
                             <a:schemeClr val="tx2">
                               <a:lumMod val="40000"/>
@@ -5320,7 +6659,114 @@
                         </a:rPr>
                         <a:t>16</a:t>
                       </a:r>
-                      <a:endParaRPr lang="ko-KR" altLang="en-US" sz="1000" dirty="0">
+                    </a:p>
+                    <a:p>
+                      <a:pPr latinLnBrk="1"/>
+                      <a:endParaRPr lang="en-US" altLang="ko-KR" sz="800" dirty="0" smtClean="0">
+                        <a:solidFill>
+                          <a:schemeClr val="tx2">
+                            <a:lumMod val="40000"/>
+                            <a:lumOff val="60000"/>
+                          </a:schemeClr>
+                        </a:solidFill>
+                      </a:endParaRPr>
+                    </a:p>
+                    <a:p>
+                      <a:pPr latinLnBrk="1"/>
+                      <a:endParaRPr lang="en-US" altLang="ko-KR" sz="800" dirty="0" smtClean="0">
+                        <a:solidFill>
+                          <a:schemeClr val="tx2">
+                            <a:lumMod val="40000"/>
+                            <a:lumOff val="60000"/>
+                          </a:schemeClr>
+                        </a:solidFill>
+                      </a:endParaRPr>
+                    </a:p>
+                    <a:p>
+                      <a:pPr latinLnBrk="1"/>
+                      <a:r>
+                        <a:rPr lang="ko-KR" altLang="en-US" sz="800" dirty="0" smtClean="0">
+                          <a:solidFill>
+                            <a:schemeClr val="tx2">
+                              <a:lumMod val="40000"/>
+                              <a:lumOff val="60000"/>
+                            </a:schemeClr>
+                          </a:solidFill>
+                        </a:rPr>
+                        <a:t>독서 및 복습</a:t>
+                      </a:r>
+                      <a:endParaRPr lang="en-US" altLang="ko-KR" sz="800" dirty="0" smtClean="0">
+                        <a:solidFill>
+                          <a:schemeClr val="tx2">
+                            <a:lumMod val="40000"/>
+                            <a:lumOff val="60000"/>
+                          </a:schemeClr>
+                        </a:solidFill>
+                      </a:endParaRPr>
+                    </a:p>
+                    <a:p>
+                      <a:pPr marL="0" marR="0" indent="0" algn="l" defTabSz="914400" rtl="0" eaLnBrk="1" fontAlgn="auto" latinLnBrk="1" hangingPunct="1">
+                        <a:lnSpc>
+                          <a:spcPct val="100000"/>
+                        </a:lnSpc>
+                        <a:spcBef>
+                          <a:spcPts val="0"/>
+                        </a:spcBef>
+                        <a:spcAft>
+                          <a:spcPts val="0"/>
+                        </a:spcAft>
+                        <a:buClrTx/>
+                        <a:buSzTx/>
+                        <a:buFontTx/>
+                        <a:buNone/>
+                        <a:tabLst/>
+                        <a:defRPr/>
+                      </a:pPr>
+                      <a:r>
+                        <a:rPr lang="en-US" altLang="ko-KR" sz="800" dirty="0" smtClean="0">
+                          <a:solidFill>
+                            <a:schemeClr val="tx2">
+                              <a:lumMod val="40000"/>
+                              <a:lumOff val="60000"/>
+                            </a:schemeClr>
+                          </a:solidFill>
+                        </a:rPr>
+                        <a:t>+</a:t>
+                      </a:r>
+                      <a:r>
+                        <a:rPr lang="en-US" altLang="ko-KR" sz="800" baseline="0" dirty="0" smtClean="0">
+                          <a:solidFill>
+                            <a:schemeClr val="tx2">
+                              <a:lumMod val="40000"/>
+                              <a:lumOff val="60000"/>
+                            </a:schemeClr>
+                          </a:solidFill>
+                        </a:rPr>
+                        <a:t> PHP </a:t>
+                      </a:r>
+                      <a:r>
+                        <a:rPr lang="ko-KR" altLang="en-US" sz="800" baseline="0" dirty="0" smtClean="0">
+                          <a:solidFill>
+                            <a:schemeClr val="tx2">
+                              <a:lumMod val="40000"/>
+                              <a:lumOff val="60000"/>
+                            </a:schemeClr>
+                          </a:solidFill>
+                        </a:rPr>
+                        <a:t>책 독학</a:t>
+                      </a:r>
+                      <a:endParaRPr lang="en-US" altLang="ko-KR" sz="800" dirty="0" smtClean="0">
+                        <a:solidFill>
+                          <a:schemeClr val="tx2">
+                            <a:lumMod val="40000"/>
+                            <a:lumOff val="60000"/>
+                          </a:schemeClr>
+                        </a:solidFill>
+                      </a:endParaRPr>
+                    </a:p>
+                    <a:p>
+                      <a:pPr latinLnBrk="1"/>
+                      <a:endParaRPr lang="en-US" altLang="ko-KR" sz="800" dirty="0" smtClean="0">
                         <a:solidFill>
                           <a:schemeClr val="tx2">
                             <a:lumMod val="40000"/>
@@ -5339,7 +6785,7 @@
                     <a:p>
                       <a:pPr latinLnBrk="1"/>
                       <a:r>
-                        <a:rPr lang="en-US" altLang="ko-KR" sz="1000" dirty="0" smtClean="0">
+                        <a:rPr lang="en-US" altLang="ko-KR" sz="800" dirty="0" smtClean="0">
                           <a:solidFill>
                             <a:schemeClr val="tx2">
                               <a:lumMod val="40000"/>
@@ -5349,7 +6795,114 @@
                         </a:rPr>
                         <a:t>17</a:t>
                       </a:r>
-                      <a:endParaRPr lang="ko-KR" altLang="en-US" sz="1000" dirty="0">
+                    </a:p>
+                    <a:p>
+                      <a:pPr latinLnBrk="1"/>
+                      <a:endParaRPr lang="en-US" altLang="ko-KR" sz="800" dirty="0" smtClean="0">
+                        <a:solidFill>
+                          <a:schemeClr val="tx2">
+                            <a:lumMod val="40000"/>
+                            <a:lumOff val="60000"/>
+                          </a:schemeClr>
+                        </a:solidFill>
+                      </a:endParaRPr>
+                    </a:p>
+                    <a:p>
+                      <a:pPr latinLnBrk="1"/>
+                      <a:endParaRPr lang="en-US" altLang="ko-KR" sz="800" dirty="0" smtClean="0">
+                        <a:solidFill>
+                          <a:schemeClr val="tx2">
+                            <a:lumMod val="40000"/>
+                            <a:lumOff val="60000"/>
+                          </a:schemeClr>
+                        </a:solidFill>
+                      </a:endParaRPr>
+                    </a:p>
+                    <a:p>
+                      <a:pPr latinLnBrk="1"/>
+                      <a:r>
+                        <a:rPr lang="ko-KR" altLang="en-US" sz="800" dirty="0" smtClean="0">
+                          <a:solidFill>
+                            <a:schemeClr val="tx2">
+                              <a:lumMod val="40000"/>
+                              <a:lumOff val="60000"/>
+                            </a:schemeClr>
+                          </a:solidFill>
+                        </a:rPr>
+                        <a:t>독서 및 복습</a:t>
+                      </a:r>
+                      <a:endParaRPr lang="en-US" altLang="ko-KR" sz="800" dirty="0" smtClean="0">
+                        <a:solidFill>
+                          <a:schemeClr val="tx2">
+                            <a:lumMod val="40000"/>
+                            <a:lumOff val="60000"/>
+                          </a:schemeClr>
+                        </a:solidFill>
+                      </a:endParaRPr>
+                    </a:p>
+                    <a:p>
+                      <a:pPr marL="0" marR="0" indent="0" algn="l" defTabSz="914400" rtl="0" eaLnBrk="1" fontAlgn="auto" latinLnBrk="1" hangingPunct="1">
+                        <a:lnSpc>
+                          <a:spcPct val="100000"/>
+                        </a:lnSpc>
+                        <a:spcBef>
+                          <a:spcPts val="0"/>
+                        </a:spcBef>
+                        <a:spcAft>
+                          <a:spcPts val="0"/>
+                        </a:spcAft>
+                        <a:buClrTx/>
+                        <a:buSzTx/>
+                        <a:buFontTx/>
+                        <a:buNone/>
+                        <a:tabLst/>
+                        <a:defRPr/>
+                      </a:pPr>
+                      <a:r>
+                        <a:rPr lang="en-US" altLang="ko-KR" sz="800" dirty="0" smtClean="0">
+                          <a:solidFill>
+                            <a:schemeClr val="tx2">
+                              <a:lumMod val="40000"/>
+                              <a:lumOff val="60000"/>
+                            </a:schemeClr>
+                          </a:solidFill>
+                        </a:rPr>
+                        <a:t>+</a:t>
+                      </a:r>
+                      <a:r>
+                        <a:rPr lang="en-US" altLang="ko-KR" sz="800" baseline="0" dirty="0" smtClean="0">
+                          <a:solidFill>
+                            <a:schemeClr val="tx2">
+                              <a:lumMod val="40000"/>
+                              <a:lumOff val="60000"/>
+                            </a:schemeClr>
+                          </a:solidFill>
+                        </a:rPr>
+                        <a:t> PHP </a:t>
+                      </a:r>
+                      <a:r>
+                        <a:rPr lang="ko-KR" altLang="en-US" sz="800" baseline="0" dirty="0" smtClean="0">
+                          <a:solidFill>
+                            <a:schemeClr val="tx2">
+                              <a:lumMod val="40000"/>
+                              <a:lumOff val="60000"/>
+                            </a:schemeClr>
+                          </a:solidFill>
+                        </a:rPr>
+                        <a:t>책 독학</a:t>
+                      </a:r>
+                      <a:endParaRPr lang="en-US" altLang="ko-KR" sz="800" dirty="0" smtClean="0">
+                        <a:solidFill>
+                          <a:schemeClr val="tx2">
+                            <a:lumMod val="40000"/>
+                            <a:lumOff val="60000"/>
+                          </a:schemeClr>
+                        </a:solidFill>
+                      </a:endParaRPr>
+                    </a:p>
+                    <a:p>
+                      <a:pPr latinLnBrk="1"/>
+                      <a:endParaRPr lang="en-US" altLang="ko-KR" sz="800" dirty="0" smtClean="0">
                         <a:solidFill>
                           <a:schemeClr val="tx2">
                             <a:lumMod val="40000"/>
@@ -5368,7 +6921,7 @@
                     <a:p>
                       <a:pPr latinLnBrk="1"/>
                       <a:r>
-                        <a:rPr lang="en-US" altLang="ko-KR" sz="1000" dirty="0" smtClean="0">
+                        <a:rPr lang="en-US" altLang="ko-KR" sz="800" dirty="0" smtClean="0">
                           <a:solidFill>
                             <a:schemeClr val="tx2">
                               <a:lumMod val="40000"/>
@@ -5378,7 +6931,114 @@
                         </a:rPr>
                         <a:t>18</a:t>
                       </a:r>
-                      <a:endParaRPr lang="ko-KR" altLang="en-US" sz="1000" dirty="0">
+                    </a:p>
+                    <a:p>
+                      <a:pPr latinLnBrk="1"/>
+                      <a:endParaRPr lang="en-US" altLang="ko-KR" sz="800" dirty="0" smtClean="0">
+                        <a:solidFill>
+                          <a:schemeClr val="tx2">
+                            <a:lumMod val="40000"/>
+                            <a:lumOff val="60000"/>
+                          </a:schemeClr>
+                        </a:solidFill>
+                      </a:endParaRPr>
+                    </a:p>
+                    <a:p>
+                      <a:pPr latinLnBrk="1"/>
+                      <a:endParaRPr lang="en-US" altLang="ko-KR" sz="800" dirty="0" smtClean="0">
+                        <a:solidFill>
+                          <a:schemeClr val="tx2">
+                            <a:lumMod val="40000"/>
+                            <a:lumOff val="60000"/>
+                          </a:schemeClr>
+                        </a:solidFill>
+                      </a:endParaRPr>
+                    </a:p>
+                    <a:p>
+                      <a:pPr latinLnBrk="1"/>
+                      <a:r>
+                        <a:rPr lang="ko-KR" altLang="en-US" sz="800" dirty="0" smtClean="0">
+                          <a:solidFill>
+                            <a:schemeClr val="tx2">
+                              <a:lumMod val="40000"/>
+                              <a:lumOff val="60000"/>
+                            </a:schemeClr>
+                          </a:solidFill>
+                        </a:rPr>
+                        <a:t>독서 및 복습</a:t>
+                      </a:r>
+                      <a:endParaRPr lang="en-US" altLang="ko-KR" sz="800" dirty="0" smtClean="0">
+                        <a:solidFill>
+                          <a:schemeClr val="tx2">
+                            <a:lumMod val="40000"/>
+                            <a:lumOff val="60000"/>
+                          </a:schemeClr>
+                        </a:solidFill>
+                      </a:endParaRPr>
+                    </a:p>
+                    <a:p>
+                      <a:pPr marL="0" marR="0" indent="0" algn="l" defTabSz="914400" rtl="0" eaLnBrk="1" fontAlgn="auto" latinLnBrk="1" hangingPunct="1">
+                        <a:lnSpc>
+                          <a:spcPct val="100000"/>
+                        </a:lnSpc>
+                        <a:spcBef>
+                          <a:spcPts val="0"/>
+                        </a:spcBef>
+                        <a:spcAft>
+                          <a:spcPts val="0"/>
+                        </a:spcAft>
+                        <a:buClrTx/>
+                        <a:buSzTx/>
+                        <a:buFontTx/>
+                        <a:buNone/>
+                        <a:tabLst/>
+                        <a:defRPr/>
+                      </a:pPr>
+                      <a:r>
+                        <a:rPr lang="en-US" altLang="ko-KR" sz="800" dirty="0" smtClean="0">
+                          <a:solidFill>
+                            <a:schemeClr val="tx2">
+                              <a:lumMod val="40000"/>
+                              <a:lumOff val="60000"/>
+                            </a:schemeClr>
+                          </a:solidFill>
+                        </a:rPr>
+                        <a:t>+</a:t>
+                      </a:r>
+                      <a:r>
+                        <a:rPr lang="en-US" altLang="ko-KR" sz="800" baseline="0" dirty="0" smtClean="0">
+                          <a:solidFill>
+                            <a:schemeClr val="tx2">
+                              <a:lumMod val="40000"/>
+                              <a:lumOff val="60000"/>
+                            </a:schemeClr>
+                          </a:solidFill>
+                        </a:rPr>
+                        <a:t> PHP </a:t>
+                      </a:r>
+                      <a:r>
+                        <a:rPr lang="ko-KR" altLang="en-US" sz="800" baseline="0" dirty="0" smtClean="0">
+                          <a:solidFill>
+                            <a:schemeClr val="tx2">
+                              <a:lumMod val="40000"/>
+                              <a:lumOff val="60000"/>
+                            </a:schemeClr>
+                          </a:solidFill>
+                        </a:rPr>
+                        <a:t>책 독학</a:t>
+                      </a:r>
+                      <a:endParaRPr lang="en-US" altLang="ko-KR" sz="800" dirty="0" smtClean="0">
+                        <a:solidFill>
+                          <a:schemeClr val="tx2">
+                            <a:lumMod val="40000"/>
+                            <a:lumOff val="60000"/>
+                          </a:schemeClr>
+                        </a:solidFill>
+                      </a:endParaRPr>
+                    </a:p>
+                    <a:p>
+                      <a:pPr latinLnBrk="1"/>
+                      <a:endParaRPr lang="en-US" altLang="ko-KR" sz="800" dirty="0" smtClean="0">
                         <a:solidFill>
                           <a:schemeClr val="tx2">
                             <a:lumMod val="40000"/>
@@ -5397,7 +7057,7 @@
                     <a:p>
                       <a:pPr latinLnBrk="1"/>
                       <a:r>
-                        <a:rPr lang="en-US" altLang="ko-KR" sz="1000" dirty="0" smtClean="0">
+                        <a:rPr lang="en-US" altLang="ko-KR" sz="800" dirty="0" smtClean="0">
                           <a:solidFill>
                             <a:schemeClr val="tx2">
                               <a:lumMod val="40000"/>
@@ -5407,7 +7067,43 @@
                         </a:rPr>
                         <a:t>19</a:t>
                       </a:r>
-                      <a:endParaRPr lang="ko-KR" altLang="en-US" sz="1000" dirty="0">
+                    </a:p>
+                    <a:p>
+                      <a:pPr latinLnBrk="1"/>
+                      <a:endParaRPr lang="en-US" altLang="ko-KR" sz="800" dirty="0" smtClean="0">
+                        <a:solidFill>
+                          <a:schemeClr val="tx2">
+                            <a:lumMod val="40000"/>
+                            <a:lumOff val="60000"/>
+                          </a:schemeClr>
+                        </a:solidFill>
+                      </a:endParaRPr>
+                    </a:p>
+                    <a:p>
+                      <a:pPr latinLnBrk="1"/>
+                      <a:endParaRPr lang="en-US" altLang="ko-KR" sz="800" dirty="0" smtClean="0">
+                        <a:solidFill>
+                          <a:schemeClr val="tx2">
+                            <a:lumMod val="40000"/>
+                            <a:lumOff val="60000"/>
+                          </a:schemeClr>
+                        </a:solidFill>
+                      </a:endParaRPr>
+                    </a:p>
+                    <a:p>
+                      <a:pPr latinLnBrk="1"/>
+                      <a:r>
+                        <a:rPr lang="ko-KR" altLang="en-US" sz="800" dirty="0" smtClean="0">
+                          <a:solidFill>
+                            <a:schemeClr val="tx2">
+                              <a:lumMod val="40000"/>
+                              <a:lumOff val="60000"/>
+                            </a:schemeClr>
+                          </a:solidFill>
+                        </a:rPr>
+                        <a:t>기획 스토리보드</a:t>
+                      </a:r>
+                      <a:endParaRPr lang="en-US" altLang="ko-KR" sz="800" dirty="0" smtClean="0">
                         <a:solidFill>
                           <a:schemeClr val="tx2">
                             <a:lumMod val="40000"/>
@@ -5428,7 +7124,7 @@
                     <a:p>
                       <a:pPr latinLnBrk="1"/>
                       <a:r>
-                        <a:rPr lang="en-US" altLang="ko-KR" sz="1000" dirty="0" smtClean="0">
+                        <a:rPr lang="en-US" altLang="ko-KR" sz="800" dirty="0" smtClean="0">
                           <a:solidFill>
                             <a:schemeClr val="tx2">
                               <a:lumMod val="40000"/>
@@ -5438,7 +7134,32 @@
                         </a:rPr>
                         <a:t>20</a:t>
                       </a:r>
-                      <a:endParaRPr lang="ko-KR" altLang="en-US" sz="1000" dirty="0">
+                    </a:p>
+                    <a:p>
+                      <a:pPr latinLnBrk="1"/>
+                      <a:endParaRPr lang="en-US" altLang="ko-KR" sz="800" dirty="0" smtClean="0">
+                        <a:solidFill>
+                          <a:schemeClr val="tx2">
+                            <a:lumMod val="40000"/>
+                            <a:lumOff val="60000"/>
+                          </a:schemeClr>
+                        </a:solidFill>
+                      </a:endParaRPr>
+                    </a:p>
+                    <a:p>
+                      <a:pPr latinLnBrk="1"/>
+                      <a:r>
+                        <a:rPr lang="ko-KR" altLang="en-US" sz="800" dirty="0" smtClean="0">
+                          <a:solidFill>
+                            <a:schemeClr val="tx2">
+                              <a:lumMod val="40000"/>
+                              <a:lumOff val="60000"/>
+                            </a:schemeClr>
+                          </a:solidFill>
+                        </a:rPr>
+                        <a:t>기획 스토리보드</a:t>
+                      </a:r>
+                      <a:endParaRPr lang="en-US" altLang="ko-KR" sz="800" dirty="0" smtClean="0">
                         <a:solidFill>
                           <a:schemeClr val="tx2">
                             <a:lumMod val="40000"/>
@@ -5457,7 +7178,7 @@
                     <a:p>
                       <a:pPr latinLnBrk="1"/>
                       <a:r>
-                        <a:rPr lang="en-US" altLang="ko-KR" sz="1000" dirty="0" smtClean="0">
+                        <a:rPr lang="en-US" altLang="ko-KR" sz="800" dirty="0" smtClean="0">
                           <a:solidFill>
                             <a:schemeClr val="tx2">
                               <a:lumMod val="40000"/>
@@ -5467,7 +7188,97 @@
                         </a:rPr>
                         <a:t>21</a:t>
                       </a:r>
-                      <a:endParaRPr lang="ko-KR" altLang="en-US" sz="1000" dirty="0">
+                    </a:p>
+                    <a:p>
+                      <a:pPr latinLnBrk="1"/>
+                      <a:endParaRPr lang="en-US" altLang="ko-KR" sz="800" dirty="0" smtClean="0">
+                        <a:solidFill>
+                          <a:schemeClr val="tx2">
+                            <a:lumMod val="40000"/>
+                            <a:lumOff val="60000"/>
+                          </a:schemeClr>
+                        </a:solidFill>
+                      </a:endParaRPr>
+                    </a:p>
+                    <a:p>
+                      <a:pPr marL="0" marR="0" indent="0" algn="l" defTabSz="914400" rtl="0" eaLnBrk="1" fontAlgn="auto" latinLnBrk="1" hangingPunct="1">
+                        <a:lnSpc>
+                          <a:spcPct val="100000"/>
+                        </a:lnSpc>
+                        <a:spcBef>
+                          <a:spcPts val="0"/>
+                        </a:spcBef>
+                        <a:spcAft>
+                          <a:spcPts val="0"/>
+                        </a:spcAft>
+                        <a:buClrTx/>
+                        <a:buSzTx/>
+                        <a:buFontTx/>
+                        <a:buNone/>
+                        <a:tabLst/>
+                        <a:defRPr/>
+                      </a:pPr>
+                      <a:r>
+                        <a:rPr lang="ko-KR" altLang="en-US" sz="800" dirty="0" smtClean="0">
+                          <a:solidFill>
+                            <a:schemeClr val="tx2">
+                              <a:lumMod val="40000"/>
+                              <a:lumOff val="60000"/>
+                            </a:schemeClr>
+                          </a:solidFill>
+                        </a:rPr>
+                        <a:t>기획 스토리보드</a:t>
+                      </a:r>
+                      <a:endParaRPr lang="en-US" altLang="ko-KR" sz="800" dirty="0" smtClean="0">
+                        <a:solidFill>
+                          <a:schemeClr val="tx2">
+                            <a:lumMod val="40000"/>
+                            <a:lumOff val="60000"/>
+                          </a:schemeClr>
+                        </a:solidFill>
+                      </a:endParaRPr>
+                    </a:p>
+                    <a:p>
+                      <a:pPr marL="0" marR="0" indent="0" algn="l" defTabSz="914400" rtl="0" eaLnBrk="1" fontAlgn="auto" latinLnBrk="1" hangingPunct="1">
+                        <a:lnSpc>
+                          <a:spcPct val="100000"/>
+                        </a:lnSpc>
+                        <a:spcBef>
+                          <a:spcPts val="0"/>
+                        </a:spcBef>
+                        <a:spcAft>
+                          <a:spcPts val="0"/>
+                        </a:spcAft>
+                        <a:buClrTx/>
+                        <a:buSzTx/>
+                        <a:buFontTx/>
+                        <a:buNone/>
+                        <a:tabLst/>
+                        <a:defRPr/>
+                      </a:pPr>
+                      <a:r>
+                        <a:rPr lang="ko-KR" altLang="en-US" sz="800" dirty="0" smtClean="0">
+                          <a:solidFill>
+                            <a:schemeClr val="tx2">
+                              <a:lumMod val="40000"/>
+                              <a:lumOff val="60000"/>
+                            </a:schemeClr>
+                          </a:solidFill>
+                        </a:rPr>
+                        <a:t>클래스 설계</a:t>
+                      </a:r>
+                      <a:endParaRPr lang="en-US" altLang="ko-KR" sz="800" dirty="0" smtClean="0">
+                        <a:solidFill>
+                          <a:schemeClr val="tx2">
+                            <a:lumMod val="40000"/>
+                            <a:lumOff val="60000"/>
+                          </a:schemeClr>
+                        </a:solidFill>
+                      </a:endParaRPr>
+                    </a:p>
+                    <a:p>
+                      <a:pPr latinLnBrk="1"/>
+                      <a:endParaRPr lang="en-US" altLang="ko-KR" sz="800" dirty="0" smtClean="0">
                         <a:solidFill>
                           <a:schemeClr val="tx2">
                             <a:lumMod val="40000"/>
@@ -5486,7 +7297,7 @@
                     <a:p>
                       <a:pPr latinLnBrk="1"/>
                       <a:r>
-                        <a:rPr lang="en-US" altLang="ko-KR" sz="1000" dirty="0" smtClean="0">
+                        <a:rPr lang="en-US" altLang="ko-KR" sz="800" dirty="0" smtClean="0">
                           <a:solidFill>
                             <a:schemeClr val="tx2">
                               <a:lumMod val="40000"/>
@@ -5496,7 +7307,108 @@
                         </a:rPr>
                         <a:t>22</a:t>
                       </a:r>
-                      <a:endParaRPr lang="ko-KR" altLang="en-US" sz="1000" dirty="0">
+                    </a:p>
+                    <a:p>
+                      <a:pPr latinLnBrk="1"/>
+                      <a:endParaRPr lang="en-US" altLang="ko-KR" sz="800" dirty="0" smtClean="0">
+                        <a:solidFill>
+                          <a:schemeClr val="tx2">
+                            <a:lumMod val="40000"/>
+                            <a:lumOff val="60000"/>
+                          </a:schemeClr>
+                        </a:solidFill>
+                      </a:endParaRPr>
+                    </a:p>
+                    <a:p>
+                      <a:pPr marL="0" marR="0" indent="0" algn="l" defTabSz="914400" rtl="0" eaLnBrk="1" fontAlgn="auto" latinLnBrk="1" hangingPunct="1">
+                        <a:lnSpc>
+                          <a:spcPct val="100000"/>
+                        </a:lnSpc>
+                        <a:spcBef>
+                          <a:spcPts val="0"/>
+                        </a:spcBef>
+                        <a:spcAft>
+                          <a:spcPts val="0"/>
+                        </a:spcAft>
+                        <a:buClrTx/>
+                        <a:buSzTx/>
+                        <a:buFontTx/>
+                        <a:buNone/>
+                        <a:tabLst/>
+                        <a:defRPr/>
+                      </a:pPr>
+                      <a:r>
+                        <a:rPr lang="ko-KR" altLang="en-US" sz="800" dirty="0" smtClean="0">
+                          <a:solidFill>
+                            <a:schemeClr val="tx2">
+                              <a:lumMod val="40000"/>
+                              <a:lumOff val="60000"/>
+                            </a:schemeClr>
+                          </a:solidFill>
+                        </a:rPr>
+                        <a:t>클래스 설계</a:t>
+                      </a:r>
+                      <a:endParaRPr lang="en-US" altLang="ko-KR" sz="800" dirty="0" smtClean="0">
+                        <a:solidFill>
+                          <a:schemeClr val="tx2">
+                            <a:lumMod val="40000"/>
+                            <a:lumOff val="60000"/>
+                          </a:schemeClr>
+                        </a:solidFill>
+                      </a:endParaRPr>
+                    </a:p>
+                    <a:p>
+                      <a:pPr marL="0" marR="0" indent="0" algn="l" defTabSz="914400" rtl="0" eaLnBrk="1" fontAlgn="auto" latinLnBrk="1" hangingPunct="1">
+                        <a:lnSpc>
+                          <a:spcPct val="100000"/>
+                        </a:lnSpc>
+                        <a:spcBef>
+                          <a:spcPts val="0"/>
+                        </a:spcBef>
+                        <a:spcAft>
+                          <a:spcPts val="0"/>
+                        </a:spcAft>
+                        <a:buClrTx/>
+                        <a:buSzTx/>
+                        <a:buFontTx/>
+                        <a:buNone/>
+                        <a:tabLst/>
+                        <a:defRPr/>
+                      </a:pPr>
+                      <a:r>
+                        <a:rPr lang="en-US" altLang="ko-KR" sz="800" dirty="0" smtClean="0">
+                          <a:solidFill>
+                            <a:schemeClr val="tx2">
+                              <a:lumMod val="40000"/>
+                              <a:lumOff val="60000"/>
+                            </a:schemeClr>
+                          </a:solidFill>
+                        </a:rPr>
+                        <a:t>+</a:t>
+                      </a:r>
+                      <a:r>
+                        <a:rPr lang="en-US" altLang="ko-KR" sz="800" baseline="0" dirty="0" smtClean="0">
+                          <a:solidFill>
+                            <a:schemeClr val="tx2">
+                              <a:lumMod val="40000"/>
+                              <a:lumOff val="60000"/>
+                            </a:schemeClr>
+                          </a:solidFill>
+                        </a:rPr>
+                        <a:t> PHP </a:t>
+                      </a:r>
+                      <a:r>
+                        <a:rPr lang="ko-KR" altLang="en-US" sz="800" baseline="0" dirty="0" smtClean="0">
+                          <a:solidFill>
+                            <a:schemeClr val="tx2">
+                              <a:lumMod val="40000"/>
+                              <a:lumOff val="60000"/>
+                            </a:schemeClr>
+                          </a:solidFill>
+                        </a:rPr>
+                        <a:t>책 독학</a:t>
+                      </a:r>
+                      <a:endParaRPr lang="en-US" altLang="ko-KR" sz="800" dirty="0" smtClean="0">
                         <a:solidFill>
                           <a:schemeClr val="tx2">
                             <a:lumMod val="40000"/>
@@ -5515,7 +7427,7 @@
                     <a:p>
                       <a:pPr latinLnBrk="1"/>
                       <a:r>
-                        <a:rPr lang="en-US" altLang="ko-KR" sz="1000" dirty="0" smtClean="0">
+                        <a:rPr lang="en-US" altLang="ko-KR" sz="800" dirty="0" smtClean="0">
                           <a:solidFill>
                             <a:schemeClr val="tx2">
                               <a:lumMod val="40000"/>
@@ -5525,7 +7437,119 @@
                         </a:rPr>
                         <a:t>23</a:t>
                       </a:r>
-                      <a:endParaRPr lang="ko-KR" altLang="en-US" sz="1000" dirty="0">
+                    </a:p>
+                    <a:p>
+                      <a:pPr latinLnBrk="1"/>
+                      <a:endParaRPr lang="en-US" altLang="ko-KR" sz="800" dirty="0" smtClean="0">
+                        <a:solidFill>
+                          <a:schemeClr val="tx2">
+                            <a:lumMod val="40000"/>
+                            <a:lumOff val="60000"/>
+                          </a:schemeClr>
+                        </a:solidFill>
+                      </a:endParaRPr>
+                    </a:p>
+                    <a:p>
+                      <a:pPr marL="0" marR="0" indent="0" algn="l" defTabSz="914400" rtl="0" eaLnBrk="1" fontAlgn="auto" latinLnBrk="1" hangingPunct="1">
+                        <a:lnSpc>
+                          <a:spcPct val="100000"/>
+                        </a:lnSpc>
+                        <a:spcBef>
+                          <a:spcPts val="0"/>
+                        </a:spcBef>
+                        <a:spcAft>
+                          <a:spcPts val="0"/>
+                        </a:spcAft>
+                        <a:buClrTx/>
+                        <a:buSzTx/>
+                        <a:buFontTx/>
+                        <a:buNone/>
+                        <a:tabLst/>
+                        <a:defRPr/>
+                      </a:pPr>
+                      <a:r>
+                        <a:rPr lang="ko-KR" altLang="en-US" sz="800" dirty="0" smtClean="0">
+                          <a:solidFill>
+                            <a:schemeClr val="tx2">
+                              <a:lumMod val="40000"/>
+                              <a:lumOff val="60000"/>
+                            </a:schemeClr>
+                          </a:solidFill>
+                        </a:rPr>
+                        <a:t>클래스 설계</a:t>
+                      </a:r>
+                      <a:endParaRPr lang="en-US" altLang="ko-KR" sz="800" dirty="0" smtClean="0">
+                        <a:solidFill>
+                          <a:schemeClr val="tx2">
+                            <a:lumMod val="40000"/>
+                            <a:lumOff val="60000"/>
+                          </a:schemeClr>
+                        </a:solidFill>
+                      </a:endParaRPr>
+                    </a:p>
+                    <a:p>
+                      <a:pPr marL="0" marR="0" indent="0" algn="l" defTabSz="914400" rtl="0" eaLnBrk="1" fontAlgn="auto" latinLnBrk="1" hangingPunct="1">
+                        <a:lnSpc>
+                          <a:spcPct val="100000"/>
+                        </a:lnSpc>
+                        <a:spcBef>
+                          <a:spcPts val="0"/>
+                        </a:spcBef>
+                        <a:spcAft>
+                          <a:spcPts val="0"/>
+                        </a:spcAft>
+                        <a:buClrTx/>
+                        <a:buSzTx/>
+                        <a:buFontTx/>
+                        <a:buNone/>
+                        <a:tabLst/>
+                        <a:defRPr/>
+                      </a:pPr>
+                      <a:r>
+                        <a:rPr lang="en-US" altLang="ko-KR" sz="800" dirty="0" smtClean="0">
+                          <a:solidFill>
+                            <a:schemeClr val="tx2">
+                              <a:lumMod val="40000"/>
+                              <a:lumOff val="60000"/>
+                            </a:schemeClr>
+                          </a:solidFill>
+                        </a:rPr>
+                        <a:t>+</a:t>
+                      </a:r>
+                      <a:r>
+                        <a:rPr lang="en-US" altLang="ko-KR" sz="800" baseline="0" dirty="0" smtClean="0">
+                          <a:solidFill>
+                            <a:schemeClr val="tx2">
+                              <a:lumMod val="40000"/>
+                              <a:lumOff val="60000"/>
+                            </a:schemeClr>
+                          </a:solidFill>
+                        </a:rPr>
+                        <a:t> PHP </a:t>
+                      </a:r>
+                      <a:r>
+                        <a:rPr lang="ko-KR" altLang="en-US" sz="800" baseline="0" dirty="0" smtClean="0">
+                          <a:solidFill>
+                            <a:schemeClr val="tx2">
+                              <a:lumMod val="40000"/>
+                              <a:lumOff val="60000"/>
+                            </a:schemeClr>
+                          </a:solidFill>
+                        </a:rPr>
+                        <a:t>책 독학</a:t>
+                      </a:r>
+                      <a:endParaRPr lang="en-US" altLang="ko-KR" sz="800" dirty="0" smtClean="0">
+                        <a:solidFill>
+                          <a:schemeClr val="tx2">
+                            <a:lumMod val="40000"/>
+                            <a:lumOff val="60000"/>
+                          </a:schemeClr>
+                        </a:solidFill>
+                      </a:endParaRPr>
+                    </a:p>
+                    <a:p>
+                      <a:pPr latinLnBrk="1"/>
+                      <a:endParaRPr lang="ko-KR" altLang="en-US" sz="800" dirty="0">
                         <a:solidFill>
                           <a:schemeClr val="tx2">
                             <a:lumMod val="40000"/>
@@ -5544,7 +7568,7 @@
                     <a:p>
                       <a:pPr latinLnBrk="1"/>
                       <a:r>
-                        <a:rPr lang="en-US" altLang="ko-KR" sz="1000" dirty="0" smtClean="0">
+                        <a:rPr lang="en-US" altLang="ko-KR" sz="800" dirty="0" smtClean="0">
                           <a:solidFill>
                             <a:schemeClr val="tx2">
                               <a:lumMod val="40000"/>
@@ -5554,7 +7578,119 @@
                         </a:rPr>
                         <a:t>24</a:t>
                       </a:r>
-                      <a:endParaRPr lang="ko-KR" altLang="en-US" sz="1000" dirty="0">
+                    </a:p>
+                    <a:p>
+                      <a:pPr latinLnBrk="1"/>
+                      <a:endParaRPr lang="en-US" altLang="ko-KR" sz="800" dirty="0" smtClean="0">
+                        <a:solidFill>
+                          <a:schemeClr val="tx2">
+                            <a:lumMod val="40000"/>
+                            <a:lumOff val="60000"/>
+                          </a:schemeClr>
+                        </a:solidFill>
+                      </a:endParaRPr>
+                    </a:p>
+                    <a:p>
+                      <a:pPr marL="0" marR="0" indent="0" algn="l" defTabSz="914400" rtl="0" eaLnBrk="1" fontAlgn="auto" latinLnBrk="1" hangingPunct="1">
+                        <a:lnSpc>
+                          <a:spcPct val="100000"/>
+                        </a:lnSpc>
+                        <a:spcBef>
+                          <a:spcPts val="0"/>
+                        </a:spcBef>
+                        <a:spcAft>
+                          <a:spcPts val="0"/>
+                        </a:spcAft>
+                        <a:buClrTx/>
+                        <a:buSzTx/>
+                        <a:buFontTx/>
+                        <a:buNone/>
+                        <a:tabLst/>
+                        <a:defRPr/>
+                      </a:pPr>
+                      <a:r>
+                        <a:rPr lang="ko-KR" altLang="en-US" sz="800" dirty="0" smtClean="0">
+                          <a:solidFill>
+                            <a:schemeClr val="tx2">
+                              <a:lumMod val="40000"/>
+                              <a:lumOff val="60000"/>
+                            </a:schemeClr>
+                          </a:solidFill>
+                        </a:rPr>
+                        <a:t>클래스 설계</a:t>
+                      </a:r>
+                      <a:endParaRPr lang="en-US" altLang="ko-KR" sz="800" dirty="0" smtClean="0">
+                        <a:solidFill>
+                          <a:schemeClr val="tx2">
+                            <a:lumMod val="40000"/>
+                            <a:lumOff val="60000"/>
+                          </a:schemeClr>
+                        </a:solidFill>
+                      </a:endParaRPr>
+                    </a:p>
+                    <a:p>
+                      <a:pPr marL="0" marR="0" indent="0" algn="l" defTabSz="914400" rtl="0" eaLnBrk="1" fontAlgn="auto" latinLnBrk="1" hangingPunct="1">
+                        <a:lnSpc>
+                          <a:spcPct val="100000"/>
+                        </a:lnSpc>
+                        <a:spcBef>
+                          <a:spcPts val="0"/>
+                        </a:spcBef>
+                        <a:spcAft>
+                          <a:spcPts val="0"/>
+                        </a:spcAft>
+                        <a:buClrTx/>
+                        <a:buSzTx/>
+                        <a:buFontTx/>
+                        <a:buNone/>
+                        <a:tabLst/>
+                        <a:defRPr/>
+                      </a:pPr>
+                      <a:r>
+                        <a:rPr lang="en-US" altLang="ko-KR" sz="800" dirty="0" smtClean="0">
+                          <a:solidFill>
+                            <a:schemeClr val="tx2">
+                              <a:lumMod val="40000"/>
+                              <a:lumOff val="60000"/>
+                            </a:schemeClr>
+                          </a:solidFill>
+                        </a:rPr>
+                        <a:t>+</a:t>
+                      </a:r>
+                      <a:r>
+                        <a:rPr lang="en-US" altLang="ko-KR" sz="800" baseline="0" dirty="0" smtClean="0">
+                          <a:solidFill>
+                            <a:schemeClr val="tx2">
+                              <a:lumMod val="40000"/>
+                              <a:lumOff val="60000"/>
+                            </a:schemeClr>
+                          </a:solidFill>
+                        </a:rPr>
+                        <a:t> PHP </a:t>
+                      </a:r>
+                      <a:r>
+                        <a:rPr lang="ko-KR" altLang="en-US" sz="800" baseline="0" dirty="0" smtClean="0">
+                          <a:solidFill>
+                            <a:schemeClr val="tx2">
+                              <a:lumMod val="40000"/>
+                              <a:lumOff val="60000"/>
+                            </a:schemeClr>
+                          </a:solidFill>
+                        </a:rPr>
+                        <a:t>책 독학</a:t>
+                      </a:r>
+                      <a:endParaRPr lang="en-US" altLang="ko-KR" sz="800" dirty="0" smtClean="0">
+                        <a:solidFill>
+                          <a:schemeClr val="tx2">
+                            <a:lumMod val="40000"/>
+                            <a:lumOff val="60000"/>
+                          </a:schemeClr>
+                        </a:solidFill>
+                      </a:endParaRPr>
+                    </a:p>
+                    <a:p>
+                      <a:pPr latinLnBrk="1"/>
+                      <a:endParaRPr lang="ko-KR" altLang="en-US" sz="800" dirty="0">
                         <a:solidFill>
                           <a:schemeClr val="tx2">
                             <a:lumMod val="40000"/>
@@ -5573,7 +7709,7 @@
                     <a:p>
                       <a:pPr latinLnBrk="1"/>
                       <a:r>
-                        <a:rPr lang="en-US" altLang="ko-KR" sz="1000" dirty="0" smtClean="0">
+                        <a:rPr lang="en-US" altLang="ko-KR" sz="800" dirty="0" smtClean="0">
                           <a:solidFill>
                             <a:schemeClr val="tx2">
                               <a:lumMod val="40000"/>
@@ -5583,7 +7719,119 @@
                         </a:rPr>
                         <a:t>25</a:t>
                       </a:r>
-                      <a:endParaRPr lang="ko-KR" altLang="en-US" sz="1000" dirty="0">
+                    </a:p>
+                    <a:p>
+                      <a:pPr latinLnBrk="1"/>
+                      <a:endParaRPr lang="en-US" altLang="ko-KR" sz="800" dirty="0" smtClean="0">
+                        <a:solidFill>
+                          <a:schemeClr val="tx2">
+                            <a:lumMod val="40000"/>
+                            <a:lumOff val="60000"/>
+                          </a:schemeClr>
+                        </a:solidFill>
+                      </a:endParaRPr>
+                    </a:p>
+                    <a:p>
+                      <a:pPr marL="0" marR="0" indent="0" algn="l" defTabSz="914400" rtl="0" eaLnBrk="1" fontAlgn="auto" latinLnBrk="1" hangingPunct="1">
+                        <a:lnSpc>
+                          <a:spcPct val="100000"/>
+                        </a:lnSpc>
+                        <a:spcBef>
+                          <a:spcPts val="0"/>
+                        </a:spcBef>
+                        <a:spcAft>
+                          <a:spcPts val="0"/>
+                        </a:spcAft>
+                        <a:buClrTx/>
+                        <a:buSzTx/>
+                        <a:buFontTx/>
+                        <a:buNone/>
+                        <a:tabLst/>
+                        <a:defRPr/>
+                      </a:pPr>
+                      <a:r>
+                        <a:rPr lang="ko-KR" altLang="en-US" sz="800" dirty="0" smtClean="0">
+                          <a:solidFill>
+                            <a:schemeClr val="tx2">
+                              <a:lumMod val="40000"/>
+                              <a:lumOff val="60000"/>
+                            </a:schemeClr>
+                          </a:solidFill>
+                        </a:rPr>
+                        <a:t>클래스 설계</a:t>
+                      </a:r>
+                      <a:endParaRPr lang="en-US" altLang="ko-KR" sz="800" dirty="0" smtClean="0">
+                        <a:solidFill>
+                          <a:schemeClr val="tx2">
+                            <a:lumMod val="40000"/>
+                            <a:lumOff val="60000"/>
+                          </a:schemeClr>
+                        </a:solidFill>
+                      </a:endParaRPr>
+                    </a:p>
+                    <a:p>
+                      <a:pPr marL="0" marR="0" indent="0" algn="l" defTabSz="914400" rtl="0" eaLnBrk="1" fontAlgn="auto" latinLnBrk="1" hangingPunct="1">
+                        <a:lnSpc>
+                          <a:spcPct val="100000"/>
+                        </a:lnSpc>
+                        <a:spcBef>
+                          <a:spcPts val="0"/>
+                        </a:spcBef>
+                        <a:spcAft>
+                          <a:spcPts val="0"/>
+                        </a:spcAft>
+                        <a:buClrTx/>
+                        <a:buSzTx/>
+                        <a:buFontTx/>
+                        <a:buNone/>
+                        <a:tabLst/>
+                        <a:defRPr/>
+                      </a:pPr>
+                      <a:r>
+                        <a:rPr lang="en-US" altLang="ko-KR" sz="800" dirty="0" smtClean="0">
+                          <a:solidFill>
+                            <a:schemeClr val="tx2">
+                              <a:lumMod val="40000"/>
+                              <a:lumOff val="60000"/>
+                            </a:schemeClr>
+                          </a:solidFill>
+                        </a:rPr>
+                        <a:t>+</a:t>
+                      </a:r>
+                      <a:r>
+                        <a:rPr lang="en-US" altLang="ko-KR" sz="800" baseline="0" dirty="0" smtClean="0">
+                          <a:solidFill>
+                            <a:schemeClr val="tx2">
+                              <a:lumMod val="40000"/>
+                              <a:lumOff val="60000"/>
+                            </a:schemeClr>
+                          </a:solidFill>
+                        </a:rPr>
+                        <a:t> PHP </a:t>
+                      </a:r>
+                      <a:r>
+                        <a:rPr lang="ko-KR" altLang="en-US" sz="800" baseline="0" dirty="0" smtClean="0">
+                          <a:solidFill>
+                            <a:schemeClr val="tx2">
+                              <a:lumMod val="40000"/>
+                              <a:lumOff val="60000"/>
+                            </a:schemeClr>
+                          </a:solidFill>
+                        </a:rPr>
+                        <a:t>책 독학</a:t>
+                      </a:r>
+                      <a:endParaRPr lang="en-US" altLang="ko-KR" sz="800" dirty="0" smtClean="0">
+                        <a:solidFill>
+                          <a:schemeClr val="tx2">
+                            <a:lumMod val="40000"/>
+                            <a:lumOff val="60000"/>
+                          </a:schemeClr>
+                        </a:solidFill>
+                      </a:endParaRPr>
+                    </a:p>
+                    <a:p>
+                      <a:pPr latinLnBrk="1"/>
+                      <a:endParaRPr lang="ko-KR" altLang="en-US" sz="800" dirty="0">
                         <a:solidFill>
                           <a:schemeClr val="tx2">
                             <a:lumMod val="40000"/>
@@ -5602,7 +7850,7 @@
                     <a:p>
                       <a:pPr latinLnBrk="1"/>
                       <a:r>
-                        <a:rPr lang="en-US" altLang="ko-KR" sz="1000" dirty="0" smtClean="0">
+                        <a:rPr lang="en-US" altLang="ko-KR" sz="800" dirty="0" smtClean="0">
                           <a:solidFill>
                             <a:schemeClr val="tx2">
                               <a:lumMod val="40000"/>
@@ -5612,7 +7860,10 @@
                         </a:rPr>
                         <a:t>26</a:t>
                       </a:r>
-                      <a:endParaRPr lang="ko-KR" altLang="en-US" sz="1000" dirty="0">
+                    </a:p>
+                    <a:p>
+                      <a:pPr latinLnBrk="1"/>
+                      <a:endParaRPr lang="en-US" altLang="ko-KR" sz="800" dirty="0" smtClean="0">
                         <a:solidFill>
                           <a:schemeClr val="tx2">
                             <a:lumMod val="40000"/>
@@ -5620,6 +7871,184 @@
                           </a:schemeClr>
                         </a:solidFill>
                       </a:endParaRPr>
+                    </a:p>
+                    <a:p>
+                      <a:pPr latinLnBrk="1"/>
+                      <a:r>
+                        <a:rPr lang="ko-KR" altLang="en-US" sz="800" dirty="0" smtClean="0">
+                          <a:solidFill>
+                            <a:schemeClr val="tx2"/>
+                          </a:solidFill>
+                        </a:rPr>
+                        <a:t>프로젝트 작업시작</a:t>
+                      </a:r>
+                      <a:endParaRPr lang="ko-KR" altLang="en-US" sz="800" dirty="0">
+                        <a:solidFill>
+                          <a:schemeClr val="tx2"/>
+                        </a:solidFill>
+                      </a:endParaRPr>
+                    </a:p>
+                  </a:txBody>
+                  <a:tcPr/>
+                </a:tc>
+              </a:tr>
+              <a:tr h="574287">
+                <a:tc gridSpan="3">
+                  <a:txBody>
+                    <a:bodyPr/>
+                    <a:lstStyle/>
+                    <a:p>
+                      <a:pPr algn="ctr" latinLnBrk="1"/>
+                      <a:endParaRPr lang="en-US" altLang="ko-KR" sz="800" baseline="0" dirty="0" smtClean="0">
+                        <a:solidFill>
+                          <a:schemeClr val="tx2"/>
+                        </a:solidFill>
+                      </a:endParaRPr>
+                    </a:p>
+                    <a:p>
+                      <a:pPr algn="ctr" latinLnBrk="1"/>
+                      <a:r>
+                        <a:rPr lang="en-US" altLang="ko-KR" sz="800" baseline="0" dirty="0" smtClean="0">
+                          <a:solidFill>
+                            <a:schemeClr val="tx2"/>
+                          </a:solidFill>
+                        </a:rPr>
+                        <a:t>HTML </a:t>
+                      </a:r>
+                      <a:r>
+                        <a:rPr lang="ko-KR" altLang="en-US" sz="800" baseline="0" dirty="0" smtClean="0">
+                          <a:solidFill>
+                            <a:schemeClr val="tx2"/>
+                          </a:solidFill>
+                        </a:rPr>
+                        <a:t>구조 제작</a:t>
+                      </a:r>
+                      <a:endParaRPr lang="en-US" altLang="ko-KR" sz="800" dirty="0" smtClean="0">
+                        <a:solidFill>
+                          <a:schemeClr val="tx2"/>
+                        </a:solidFill>
+                      </a:endParaRPr>
+                    </a:p>
+                  </a:txBody>
+                  <a:tcPr/>
+                </a:tc>
+                <a:tc hMerge="1">
+                  <a:txBody>
+                    <a:bodyPr/>
+                    <a:lstStyle/>
+                    <a:p>
+                      <a:pPr latinLnBrk="1"/>
+                      <a:endParaRPr lang="ko-KR" altLang="en-US" sz="800" dirty="0">
+                        <a:solidFill>
+                          <a:schemeClr val="tx2">
+                            <a:lumMod val="40000"/>
+                            <a:lumOff val="60000"/>
+                          </a:schemeClr>
+                        </a:solidFill>
+                      </a:endParaRPr>
+                    </a:p>
+                  </a:txBody>
+                  <a:tcPr/>
+                </a:tc>
+                <a:tc hMerge="1">
+                  <a:txBody>
+                    <a:bodyPr/>
+                    <a:lstStyle/>
+                    <a:p>
+                      <a:pPr latinLnBrk="1"/>
+                      <a:endParaRPr lang="ko-KR" altLang="en-US" sz="800" dirty="0">
+                        <a:solidFill>
+                          <a:schemeClr val="tx2">
+                            <a:lumMod val="40000"/>
+                            <a:lumOff val="60000"/>
+                          </a:schemeClr>
+                        </a:solidFill>
+                      </a:endParaRPr>
+                    </a:p>
+                  </a:txBody>
+                  <a:tcPr/>
+                </a:tc>
+                <a:tc gridSpan="3">
+                  <a:txBody>
+                    <a:bodyPr/>
+                    <a:lstStyle/>
+                    <a:p>
+                      <a:pPr algn="ctr" latinLnBrk="1"/>
+                      <a:endParaRPr lang="en-US" altLang="ko-KR" sz="800" dirty="0" smtClean="0">
+                        <a:solidFill>
+                          <a:schemeClr val="tx2"/>
+                        </a:solidFill>
+                      </a:endParaRPr>
+                    </a:p>
+                    <a:p>
+                      <a:pPr algn="ctr" latinLnBrk="1"/>
+                      <a:endParaRPr lang="en-US" altLang="ko-KR" sz="800" dirty="0" smtClean="0">
+                        <a:solidFill>
+                          <a:schemeClr val="tx2"/>
+                        </a:solidFill>
+                      </a:endParaRPr>
+                    </a:p>
+                  </a:txBody>
+                  <a:tcPr/>
+                </a:tc>
+                <a:tc hMerge="1">
+                  <a:txBody>
+                    <a:bodyPr/>
+                    <a:lstStyle/>
+                    <a:p>
+                      <a:pPr latinLnBrk="1"/>
+                      <a:endParaRPr lang="ko-KR" altLang="en-US" sz="800" dirty="0">
+                        <a:solidFill>
+                          <a:schemeClr val="tx2">
+                            <a:lumMod val="40000"/>
+                            <a:lumOff val="60000"/>
+                          </a:schemeClr>
+                        </a:solidFill>
+                      </a:endParaRPr>
+                    </a:p>
+                  </a:txBody>
+                  <a:tcPr/>
+                </a:tc>
+                <a:tc hMerge="1">
+                  <a:txBody>
+                    <a:bodyPr/>
+                    <a:lstStyle/>
+                    <a:p>
+                      <a:pPr latinLnBrk="1"/>
+                      <a:endParaRPr lang="ko-KR" altLang="en-US" sz="800" dirty="0">
+                        <a:solidFill>
+                          <a:schemeClr val="tx2">
+                            <a:lumMod val="40000"/>
+                            <a:lumOff val="60000"/>
+                          </a:schemeClr>
+                        </a:solidFill>
+                      </a:endParaRPr>
+                    </a:p>
+                  </a:txBody>
+                  <a:tcPr/>
+                </a:tc>
+                <a:tc>
+                  <a:txBody>
+                    <a:bodyPr/>
+                    <a:lstStyle/>
+                    <a:p>
+                      <a:pPr algn="ctr" latinLnBrk="1"/>
+                      <a:endParaRPr lang="en-US" altLang="ko-KR" sz="800" dirty="0" smtClean="0">
+                        <a:solidFill>
+                          <a:schemeClr val="tx2"/>
+                        </a:solidFill>
+                      </a:endParaRPr>
+                    </a:p>
+                    <a:p>
+                      <a:pPr algn="ctr" latinLnBrk="1"/>
+                      <a:r>
+                        <a:rPr lang="en-US" altLang="ko-KR" sz="800" dirty="0" smtClean="0">
+                          <a:solidFill>
+                            <a:schemeClr val="tx2"/>
+                          </a:solidFill>
+                        </a:rPr>
+                        <a:t>JAVASCRIPT</a:t>
+                      </a:r>
                     </a:p>
                   </a:txBody>
                   <a:tcPr/>
@@ -5631,24 +8060,37 @@
                     <a:bodyPr/>
                     <a:lstStyle/>
                     <a:p>
-                      <a:pPr latinLnBrk="1"/>
-                      <a:r>
-                        <a:rPr lang="en-US" altLang="ko-KR" sz="1000" dirty="0" smtClean="0">
-                          <a:solidFill>
-                            <a:schemeClr val="tx2">
-                              <a:lumMod val="40000"/>
-                              <a:lumOff val="60000"/>
-                            </a:schemeClr>
-                          </a:solidFill>
-                        </a:rPr>
-                        <a:t>27</a:t>
-                      </a:r>
-                      <a:endParaRPr lang="ko-KR" altLang="en-US" sz="1000" dirty="0">
-                        <a:solidFill>
-                          <a:schemeClr val="tx2">
-                            <a:lumMod val="40000"/>
-                            <a:lumOff val="60000"/>
-                          </a:schemeClr>
+                      <a:pPr algn="l" latinLnBrk="1"/>
+                      <a:r>
+                        <a:rPr lang="en-US" altLang="ko-KR" sz="800" dirty="0" smtClean="0">
+                          <a:solidFill>
+                            <a:schemeClr val="tx2"/>
+                          </a:solidFill>
+                        </a:rPr>
+                        <a:t>3</a:t>
+                      </a:r>
+                    </a:p>
+                    <a:p>
+                      <a:pPr algn="ctr" latinLnBrk="1"/>
+                      <a:endParaRPr lang="en-US" altLang="ko-KR" sz="800" dirty="0" smtClean="0">
+                        <a:solidFill>
+                          <a:schemeClr val="tx2"/>
+                        </a:solidFill>
+                      </a:endParaRPr>
+                    </a:p>
+                    <a:p>
+                      <a:pPr algn="ctr" latinLnBrk="1"/>
+                      <a:r>
+                        <a:rPr lang="en-US" altLang="ko-KR" sz="800" dirty="0" smtClean="0">
+                          <a:solidFill>
+                            <a:schemeClr val="tx2"/>
+                          </a:solidFill>
+                        </a:rPr>
+                        <a:t>PHP</a:t>
+                      </a:r>
+                      <a:endParaRPr lang="ko-KR" altLang="en-US" sz="800" dirty="0">
+                        <a:solidFill>
+                          <a:schemeClr val="tx2"/>
                         </a:solidFill>
                       </a:endParaRPr>
                     </a:p>
@@ -5660,24 +8102,18 @@
                     <a:bodyPr/>
                     <a:lstStyle/>
                     <a:p>
-                      <a:pPr latinLnBrk="1"/>
-                      <a:r>
-                        <a:rPr lang="en-US" altLang="ko-KR" sz="1000" dirty="0" smtClean="0">
-                          <a:solidFill>
-                            <a:schemeClr val="tx2">
-                              <a:lumMod val="40000"/>
-                              <a:lumOff val="60000"/>
-                            </a:schemeClr>
-                          </a:solidFill>
-                        </a:rPr>
-                        <a:t>28</a:t>
-                      </a:r>
-                      <a:endParaRPr lang="ko-KR" altLang="en-US" sz="1000" dirty="0">
-                        <a:solidFill>
-                          <a:schemeClr val="tx2">
-                            <a:lumMod val="40000"/>
-                            <a:lumOff val="60000"/>
-                          </a:schemeClr>
+                      <a:pPr algn="l" latinLnBrk="1"/>
+                      <a:r>
+                        <a:rPr lang="en-US" altLang="ko-KR" sz="800" dirty="0" smtClean="0">
+                          <a:solidFill>
+                            <a:schemeClr val="tx2"/>
+                          </a:solidFill>
+                        </a:rPr>
+                        <a:t>4</a:t>
+                      </a:r>
+                      <a:endParaRPr lang="ko-KR" altLang="en-US" sz="800" dirty="0">
+                        <a:solidFill>
+                          <a:schemeClr val="tx2"/>
                         </a:solidFill>
                       </a:endParaRPr>
                     </a:p>
@@ -5689,24 +8125,18 @@
                     <a:bodyPr/>
                     <a:lstStyle/>
                     <a:p>
-                      <a:pPr latinLnBrk="1"/>
-                      <a:r>
-                        <a:rPr lang="en-US" altLang="ko-KR" sz="1000" dirty="0" smtClean="0">
-                          <a:solidFill>
-                            <a:schemeClr val="tx2">
-                              <a:lumMod val="40000"/>
-                              <a:lumOff val="60000"/>
-                            </a:schemeClr>
-                          </a:solidFill>
-                        </a:rPr>
-                        <a:t>29</a:t>
-                      </a:r>
-                      <a:endParaRPr lang="ko-KR" altLang="en-US" sz="1000" dirty="0">
-                        <a:solidFill>
-                          <a:schemeClr val="tx2">
-                            <a:lumMod val="40000"/>
-                            <a:lumOff val="60000"/>
-                          </a:schemeClr>
+                      <a:pPr algn="l" latinLnBrk="1"/>
+                      <a:r>
+                        <a:rPr lang="en-US" altLang="ko-KR" sz="800" dirty="0" smtClean="0">
+                          <a:solidFill>
+                            <a:schemeClr val="tx2"/>
+                          </a:solidFill>
+                        </a:rPr>
+                        <a:t>5</a:t>
+                      </a:r>
+                      <a:endParaRPr lang="ko-KR" altLang="en-US" sz="800" dirty="0">
+                        <a:solidFill>
+                          <a:schemeClr val="tx2"/>
                         </a:solidFill>
                       </a:endParaRPr>
                     </a:p>
@@ -5718,24 +8148,18 @@
                     <a:bodyPr/>
                     <a:lstStyle/>
                     <a:p>
-                      <a:pPr latinLnBrk="1"/>
-                      <a:r>
-                        <a:rPr lang="en-US" altLang="ko-KR" sz="1000" dirty="0" smtClean="0">
-                          <a:solidFill>
-                            <a:schemeClr val="tx2">
-                              <a:lumMod val="40000"/>
-                              <a:lumOff val="60000"/>
-                            </a:schemeClr>
-                          </a:solidFill>
-                        </a:rPr>
-                        <a:t>30</a:t>
-                      </a:r>
-                      <a:endParaRPr lang="ko-KR" altLang="en-US" sz="1000" dirty="0">
-                        <a:solidFill>
-                          <a:schemeClr val="tx2">
-                            <a:lumMod val="40000"/>
-                            <a:lumOff val="60000"/>
-                          </a:schemeClr>
+                      <a:pPr algn="l" latinLnBrk="1"/>
+                      <a:r>
+                        <a:rPr lang="en-US" altLang="ko-KR" sz="800" dirty="0" smtClean="0">
+                          <a:solidFill>
+                            <a:schemeClr val="tx2"/>
+                          </a:solidFill>
+                        </a:rPr>
+                        <a:t>6</a:t>
+                      </a:r>
+                      <a:endParaRPr lang="ko-KR" altLang="en-US" sz="800" dirty="0">
+                        <a:solidFill>
+                          <a:schemeClr val="tx2"/>
                         </a:solidFill>
                       </a:endParaRPr>
                     </a:p>
@@ -5747,24 +8171,18 @@
                     <a:bodyPr/>
                     <a:lstStyle/>
                     <a:p>
-                      <a:pPr latinLnBrk="1"/>
-                      <a:r>
-                        <a:rPr lang="en-US" altLang="ko-KR" sz="1000" dirty="0" smtClean="0">
-                          <a:solidFill>
-                            <a:schemeClr val="tx2">
-                              <a:lumMod val="40000"/>
-                              <a:lumOff val="60000"/>
-                            </a:schemeClr>
-                          </a:solidFill>
-                        </a:rPr>
-                        <a:t>31</a:t>
-                      </a:r>
-                      <a:endParaRPr lang="ko-KR" altLang="en-US" sz="1000" dirty="0">
-                        <a:solidFill>
-                          <a:schemeClr val="tx2">
-                            <a:lumMod val="40000"/>
-                            <a:lumOff val="60000"/>
-                          </a:schemeClr>
+                      <a:pPr algn="l" latinLnBrk="1"/>
+                      <a:r>
+                        <a:rPr lang="en-US" altLang="ko-KR" sz="800" dirty="0" smtClean="0">
+                          <a:solidFill>
+                            <a:schemeClr val="tx2"/>
+                          </a:solidFill>
+                        </a:rPr>
+                        <a:t>7</a:t>
+                      </a:r>
+                      <a:endParaRPr lang="ko-KR" altLang="en-US" sz="800" dirty="0">
+                        <a:solidFill>
+                          <a:schemeClr val="tx2"/>
                         </a:solidFill>
                       </a:endParaRPr>
                     </a:p>
@@ -5776,24 +8194,18 @@
                     <a:bodyPr/>
                     <a:lstStyle/>
                     <a:p>
-                      <a:pPr latinLnBrk="1"/>
-                      <a:r>
-                        <a:rPr lang="en-US" altLang="ko-KR" sz="1000" dirty="0" smtClean="0">
-                          <a:solidFill>
-                            <a:schemeClr val="tx2">
-                              <a:lumMod val="40000"/>
-                              <a:lumOff val="60000"/>
-                            </a:schemeClr>
-                          </a:solidFill>
-                        </a:rPr>
-                        <a:t>1</a:t>
-                      </a:r>
-                      <a:endParaRPr lang="ko-KR" altLang="en-US" sz="1000" dirty="0">
-                        <a:solidFill>
-                          <a:schemeClr val="tx2">
-                            <a:lumMod val="40000"/>
-                            <a:lumOff val="60000"/>
-                          </a:schemeClr>
+                      <a:pPr algn="l" latinLnBrk="1"/>
+                      <a:r>
+                        <a:rPr lang="en-US" altLang="ko-KR" sz="800" dirty="0" smtClean="0">
+                          <a:solidFill>
+                            <a:schemeClr val="tx2"/>
+                          </a:solidFill>
+                        </a:rPr>
+                        <a:t>8</a:t>
+                      </a:r>
+                      <a:endParaRPr lang="ko-KR" altLang="en-US" sz="800" dirty="0">
+                        <a:solidFill>
+                          <a:schemeClr val="tx2"/>
                         </a:solidFill>
                       </a:endParaRPr>
                     </a:p>
@@ -5805,24 +8217,18 @@
                     <a:bodyPr/>
                     <a:lstStyle/>
                     <a:p>
-                      <a:pPr latinLnBrk="1"/>
-                      <a:r>
-                        <a:rPr lang="en-US" altLang="ko-KR" sz="1000" dirty="0" smtClean="0">
-                          <a:solidFill>
-                            <a:schemeClr val="tx2">
-                              <a:lumMod val="40000"/>
-                              <a:lumOff val="60000"/>
-                            </a:schemeClr>
-                          </a:solidFill>
-                        </a:rPr>
-                        <a:t>2</a:t>
-                      </a:r>
-                      <a:endParaRPr lang="ko-KR" altLang="en-US" sz="1000" dirty="0">
-                        <a:solidFill>
-                          <a:schemeClr val="tx2">
-                            <a:lumMod val="40000"/>
-                            <a:lumOff val="60000"/>
-                          </a:schemeClr>
+                      <a:pPr algn="l" latinLnBrk="1"/>
+                      <a:r>
+                        <a:rPr lang="en-US" altLang="ko-KR" sz="800" dirty="0" smtClean="0">
+                          <a:solidFill>
+                            <a:schemeClr val="tx2"/>
+                          </a:solidFill>
+                        </a:rPr>
+                        <a:t>9</a:t>
+                      </a:r>
+                      <a:endParaRPr lang="ko-KR" altLang="en-US" sz="800" dirty="0">
+                        <a:solidFill>
+                          <a:schemeClr val="tx2"/>
                         </a:solidFill>
                       </a:endParaRPr>
                     </a:p>
@@ -5838,22 +8244,16 @@
                     <a:p>
                       <a:pPr latinLnBrk="1"/>
                       <a:r>
-                        <a:rPr lang="en-US" altLang="ko-KR" sz="1000" dirty="0" smtClean="0">
-                          <a:solidFill>
-                            <a:schemeClr val="tx2">
-                              <a:lumMod val="40000"/>
-                              <a:lumOff val="60000"/>
-                            </a:schemeClr>
-                          </a:solidFill>
-                        </a:rPr>
-                        <a:t>3</a:t>
-                      </a:r>
-                      <a:endParaRPr lang="ko-KR" altLang="en-US" sz="1000" dirty="0">
-                        <a:solidFill>
-                          <a:schemeClr val="tx2">
-                            <a:lumMod val="40000"/>
-                            <a:lumOff val="60000"/>
-                          </a:schemeClr>
+                        <a:rPr lang="en-US" altLang="ko-KR" sz="800" dirty="0" smtClean="0">
+                          <a:solidFill>
+                            <a:schemeClr val="tx2"/>
+                          </a:solidFill>
+                        </a:rPr>
+                        <a:t>10</a:t>
+                      </a:r>
+                      <a:endParaRPr lang="ko-KR" altLang="en-US" sz="800" dirty="0">
+                        <a:solidFill>
+                          <a:schemeClr val="tx2"/>
                         </a:solidFill>
                       </a:endParaRPr>
                     </a:p>
@@ -5867,22 +8267,16 @@
                     <a:p>
                       <a:pPr latinLnBrk="1"/>
                       <a:r>
-                        <a:rPr lang="en-US" altLang="ko-KR" sz="1000" dirty="0" smtClean="0">
-                          <a:solidFill>
-                            <a:schemeClr val="tx2">
-                              <a:lumMod val="40000"/>
-                              <a:lumOff val="60000"/>
-                            </a:schemeClr>
-                          </a:solidFill>
-                        </a:rPr>
-                        <a:t>4</a:t>
-                      </a:r>
-                      <a:endParaRPr lang="ko-KR" altLang="en-US" sz="1000" dirty="0">
-                        <a:solidFill>
-                          <a:schemeClr val="tx2">
-                            <a:lumMod val="40000"/>
-                            <a:lumOff val="60000"/>
-                          </a:schemeClr>
+                        <a:rPr lang="en-US" altLang="ko-KR" sz="800" dirty="0" smtClean="0">
+                          <a:solidFill>
+                            <a:schemeClr val="tx2"/>
+                          </a:solidFill>
+                        </a:rPr>
+                        <a:t>11</a:t>
+                      </a:r>
+                      <a:endParaRPr lang="ko-KR" altLang="en-US" sz="800" dirty="0">
+                        <a:solidFill>
+                          <a:schemeClr val="tx2"/>
                         </a:solidFill>
                       </a:endParaRPr>
                     </a:p>
@@ -5896,22 +8290,16 @@
                     <a:p>
                       <a:pPr latinLnBrk="1"/>
                       <a:r>
-                        <a:rPr lang="en-US" altLang="ko-KR" sz="1000" dirty="0" smtClean="0">
-                          <a:solidFill>
-                            <a:schemeClr val="tx2">
-                              <a:lumMod val="40000"/>
-                              <a:lumOff val="60000"/>
-                            </a:schemeClr>
-                          </a:solidFill>
-                        </a:rPr>
-                        <a:t>5</a:t>
-                      </a:r>
-                      <a:endParaRPr lang="ko-KR" altLang="en-US" sz="1000" dirty="0">
-                        <a:solidFill>
-                          <a:schemeClr val="tx2">
-                            <a:lumMod val="40000"/>
-                            <a:lumOff val="60000"/>
-                          </a:schemeClr>
+                        <a:rPr lang="en-US" altLang="ko-KR" sz="800" dirty="0" smtClean="0">
+                          <a:solidFill>
+                            <a:schemeClr val="tx2"/>
+                          </a:solidFill>
+                        </a:rPr>
+                        <a:t>12</a:t>
+                      </a:r>
+                      <a:endParaRPr lang="ko-KR" altLang="en-US" sz="800" dirty="0">
+                        <a:solidFill>
+                          <a:schemeClr val="tx2"/>
                         </a:solidFill>
                       </a:endParaRPr>
                     </a:p>
@@ -5925,22 +8313,16 @@
                     <a:p>
                       <a:pPr latinLnBrk="1"/>
                       <a:r>
-                        <a:rPr lang="en-US" altLang="ko-KR" sz="1000" dirty="0" smtClean="0">
-                          <a:solidFill>
-                            <a:schemeClr val="tx2">
-                              <a:lumMod val="40000"/>
-                              <a:lumOff val="60000"/>
-                            </a:schemeClr>
-                          </a:solidFill>
-                        </a:rPr>
-                        <a:t>6</a:t>
-                      </a:r>
-                      <a:endParaRPr lang="ko-KR" altLang="en-US" sz="1000" dirty="0">
-                        <a:solidFill>
-                          <a:schemeClr val="tx2">
-                            <a:lumMod val="40000"/>
-                            <a:lumOff val="60000"/>
-                          </a:schemeClr>
+                        <a:rPr lang="en-US" altLang="ko-KR" sz="800" dirty="0" smtClean="0">
+                          <a:solidFill>
+                            <a:schemeClr val="tx2"/>
+                          </a:solidFill>
+                        </a:rPr>
+                        <a:t>13</a:t>
+                      </a:r>
+                      <a:endParaRPr lang="ko-KR" altLang="en-US" sz="800" dirty="0">
+                        <a:solidFill>
+                          <a:schemeClr val="tx2"/>
                         </a:solidFill>
                       </a:endParaRPr>
                     </a:p>
@@ -5954,22 +8336,16 @@
                     <a:p>
                       <a:pPr latinLnBrk="1"/>
                       <a:r>
-                        <a:rPr lang="en-US" altLang="ko-KR" sz="1000" dirty="0" smtClean="0">
-                          <a:solidFill>
-                            <a:schemeClr val="tx2">
-                              <a:lumMod val="40000"/>
-                              <a:lumOff val="60000"/>
-                            </a:schemeClr>
-                          </a:solidFill>
-                        </a:rPr>
-                        <a:t>7</a:t>
-                      </a:r>
-                      <a:endParaRPr lang="ko-KR" altLang="en-US" sz="1000" dirty="0">
-                        <a:solidFill>
-                          <a:schemeClr val="tx2">
-                            <a:lumMod val="40000"/>
-                            <a:lumOff val="60000"/>
-                          </a:schemeClr>
+                        <a:rPr lang="en-US" altLang="ko-KR" sz="800" dirty="0" smtClean="0">
+                          <a:solidFill>
+                            <a:schemeClr val="tx2"/>
+                          </a:solidFill>
+                        </a:rPr>
+                        <a:t>14</a:t>
+                      </a:r>
+                      <a:endParaRPr lang="ko-KR" altLang="en-US" sz="800" dirty="0">
+                        <a:solidFill>
+                          <a:schemeClr val="tx2"/>
                         </a:solidFill>
                       </a:endParaRPr>
                     </a:p>
@@ -5983,22 +8359,16 @@
                     <a:p>
                       <a:pPr latinLnBrk="1"/>
                       <a:r>
-                        <a:rPr lang="en-US" altLang="ko-KR" sz="1000" dirty="0" smtClean="0">
-                          <a:solidFill>
-                            <a:schemeClr val="tx2">
-                              <a:lumMod val="40000"/>
-                              <a:lumOff val="60000"/>
-                            </a:schemeClr>
-                          </a:solidFill>
-                        </a:rPr>
-                        <a:t>8</a:t>
-                      </a:r>
-                      <a:endParaRPr lang="ko-KR" altLang="en-US" sz="1000" dirty="0">
-                        <a:solidFill>
-                          <a:schemeClr val="tx2">
-                            <a:lumMod val="40000"/>
-                            <a:lumOff val="60000"/>
-                          </a:schemeClr>
+                        <a:rPr lang="en-US" altLang="ko-KR" sz="800" dirty="0" smtClean="0">
+                          <a:solidFill>
+                            <a:schemeClr val="tx2"/>
+                          </a:solidFill>
+                        </a:rPr>
+                        <a:t>15</a:t>
+                      </a:r>
+                      <a:endParaRPr lang="ko-KR" altLang="en-US" sz="800" dirty="0">
+                        <a:solidFill>
+                          <a:schemeClr val="tx2"/>
                         </a:solidFill>
                       </a:endParaRPr>
                     </a:p>
@@ -6012,227 +8382,16 @@
                     <a:p>
                       <a:pPr latinLnBrk="1"/>
                       <a:r>
-                        <a:rPr lang="en-US" altLang="ko-KR" sz="1000" dirty="0" smtClean="0">
-                          <a:solidFill>
-                            <a:schemeClr val="tx2">
-                              <a:lumMod val="40000"/>
-                              <a:lumOff val="60000"/>
-                            </a:schemeClr>
-                          </a:solidFill>
-                        </a:rPr>
-                        <a:t>9</a:t>
-                      </a:r>
-                      <a:endParaRPr lang="ko-KR" altLang="en-US" sz="1000" dirty="0">
-                        <a:solidFill>
-                          <a:schemeClr val="tx2">
-                            <a:lumMod val="40000"/>
-                            <a:lumOff val="60000"/>
-                          </a:schemeClr>
-                        </a:solidFill>
-                      </a:endParaRPr>
-                    </a:p>
-                  </a:txBody>
-                  <a:tcPr/>
-                </a:tc>
-              </a:tr>
-              <a:tr h="723345">
-                <a:tc>
-                  <a:txBody>
-                    <a:bodyPr/>
-                    <a:lstStyle/>
-                    <a:p>
-                      <a:pPr latinLnBrk="1"/>
-                      <a:r>
-                        <a:rPr lang="en-US" altLang="ko-KR" sz="1000" dirty="0" smtClean="0">
-                          <a:solidFill>
-                            <a:schemeClr val="tx2">
-                              <a:lumMod val="40000"/>
-                              <a:lumOff val="60000"/>
-                            </a:schemeClr>
-                          </a:solidFill>
-                        </a:rPr>
-                        <a:t>10</a:t>
-                      </a:r>
-                      <a:endParaRPr lang="ko-KR" altLang="en-US" sz="1000" dirty="0">
-                        <a:solidFill>
-                          <a:schemeClr val="tx2">
-                            <a:lumMod val="40000"/>
-                            <a:lumOff val="60000"/>
-                          </a:schemeClr>
-                        </a:solidFill>
-                      </a:endParaRPr>
-                    </a:p>
-                  </a:txBody>
-                  <a:tcPr/>
-                </a:tc>
-                <a:tc>
-                  <a:txBody>
-                    <a:bodyPr/>
-                    <a:lstStyle/>
-                    <a:p>
-                      <a:pPr latinLnBrk="1"/>
-                      <a:r>
-                        <a:rPr lang="en-US" altLang="ko-KR" sz="1000" dirty="0" smtClean="0">
-                          <a:solidFill>
-                            <a:schemeClr val="tx2">
-                              <a:lumMod val="40000"/>
-                              <a:lumOff val="60000"/>
-                            </a:schemeClr>
-                          </a:solidFill>
-                        </a:rPr>
-                        <a:t>11</a:t>
-                      </a:r>
-                      <a:endParaRPr lang="ko-KR" altLang="en-US" sz="1000" dirty="0">
-                        <a:solidFill>
-                          <a:schemeClr val="tx2">
-                            <a:lumMod val="40000"/>
-                            <a:lumOff val="60000"/>
-                          </a:schemeClr>
-                        </a:solidFill>
-                      </a:endParaRPr>
-                    </a:p>
-                  </a:txBody>
-                  <a:tcPr/>
-                </a:tc>
-                <a:tc>
-                  <a:txBody>
-                    <a:bodyPr/>
-                    <a:lstStyle/>
-                    <a:p>
-                      <a:pPr latinLnBrk="1"/>
-                      <a:r>
-                        <a:rPr lang="en-US" altLang="ko-KR" sz="1000" dirty="0" smtClean="0">
-                          <a:solidFill>
-                            <a:schemeClr val="tx2">
-                              <a:lumMod val="40000"/>
-                              <a:lumOff val="60000"/>
-                            </a:schemeClr>
-                          </a:solidFill>
-                        </a:rPr>
-                        <a:t>12</a:t>
-                      </a:r>
-                      <a:endParaRPr lang="ko-KR" altLang="en-US" sz="1000" dirty="0">
-                        <a:solidFill>
-                          <a:schemeClr val="tx2">
-                            <a:lumMod val="40000"/>
-                            <a:lumOff val="60000"/>
-                          </a:schemeClr>
-                        </a:solidFill>
-                      </a:endParaRPr>
-                    </a:p>
-                  </a:txBody>
-                  <a:tcPr/>
-                </a:tc>
-                <a:tc>
-                  <a:txBody>
-                    <a:bodyPr/>
-                    <a:lstStyle/>
-                    <a:p>
-                      <a:pPr latinLnBrk="1"/>
-                      <a:r>
-                        <a:rPr lang="en-US" altLang="ko-KR" sz="1000" dirty="0" smtClean="0">
-                          <a:solidFill>
-                            <a:schemeClr val="tx2">
-                              <a:lumMod val="40000"/>
-                              <a:lumOff val="60000"/>
-                            </a:schemeClr>
-                          </a:solidFill>
-                        </a:rPr>
-                        <a:t>13</a:t>
-                      </a:r>
-                      <a:endParaRPr lang="ko-KR" altLang="en-US" sz="1000" dirty="0">
-                        <a:solidFill>
-                          <a:schemeClr val="tx2">
-                            <a:lumMod val="40000"/>
-                            <a:lumOff val="60000"/>
-                          </a:schemeClr>
-                        </a:solidFill>
-                      </a:endParaRPr>
-                    </a:p>
-                  </a:txBody>
-                  <a:tcPr/>
-                </a:tc>
-                <a:tc>
-                  <a:txBody>
-                    <a:bodyPr/>
-                    <a:lstStyle/>
-                    <a:p>
-                      <a:pPr latinLnBrk="1"/>
-                      <a:r>
-                        <a:rPr lang="en-US" altLang="ko-KR" sz="1000" dirty="0" smtClean="0">
-                          <a:solidFill>
-                            <a:schemeClr val="tx2">
-                              <a:lumMod val="40000"/>
-                              <a:lumOff val="60000"/>
-                            </a:schemeClr>
-                          </a:solidFill>
-                        </a:rPr>
-                        <a:t>14</a:t>
-                      </a:r>
-                      <a:endParaRPr lang="ko-KR" altLang="en-US" sz="1000" dirty="0">
-                        <a:solidFill>
-                          <a:schemeClr val="tx2">
-                            <a:lumMod val="40000"/>
-                            <a:lumOff val="60000"/>
-                          </a:schemeClr>
-                        </a:solidFill>
-                      </a:endParaRPr>
-                    </a:p>
-                  </a:txBody>
-                  <a:tcPr/>
-                </a:tc>
-                <a:tc>
-                  <a:txBody>
-                    <a:bodyPr/>
-                    <a:lstStyle/>
-                    <a:p>
-                      <a:pPr latinLnBrk="1"/>
-                      <a:r>
-                        <a:rPr lang="en-US" altLang="ko-KR" sz="1000" dirty="0" smtClean="0">
-                          <a:solidFill>
-                            <a:schemeClr val="tx2">
-                              <a:lumMod val="40000"/>
-                              <a:lumOff val="60000"/>
-                            </a:schemeClr>
-                          </a:solidFill>
-                        </a:rPr>
-                        <a:t>15</a:t>
-                      </a:r>
-                      <a:endParaRPr lang="ko-KR" altLang="en-US" sz="1000" dirty="0">
-                        <a:solidFill>
-                          <a:schemeClr val="tx2">
-                            <a:lumMod val="40000"/>
-                            <a:lumOff val="60000"/>
-                          </a:schemeClr>
-                        </a:solidFill>
-                      </a:endParaRPr>
-                    </a:p>
-                  </a:txBody>
-                  <a:tcPr/>
-                </a:tc>
-                <a:tc>
-                  <a:txBody>
-                    <a:bodyPr/>
-                    <a:lstStyle/>
-                    <a:p>
-                      <a:pPr latinLnBrk="1"/>
-                      <a:r>
-                        <a:rPr lang="en-US" altLang="ko-KR" sz="1000" dirty="0" smtClean="0">
-                          <a:solidFill>
-                            <a:schemeClr val="tx2">
-                              <a:lumMod val="40000"/>
-                              <a:lumOff val="60000"/>
-                            </a:schemeClr>
+                        <a:rPr lang="en-US" altLang="ko-KR" sz="800" dirty="0" smtClean="0">
+                          <a:solidFill>
+                            <a:schemeClr val="tx2"/>
                           </a:solidFill>
                         </a:rPr>
                         <a:t>16</a:t>
                       </a:r>
-                      <a:endParaRPr lang="ko-KR" altLang="en-US" sz="1000" dirty="0">
-                        <a:solidFill>
-                          <a:schemeClr val="tx2">
-                            <a:lumMod val="40000"/>
-                            <a:lumOff val="60000"/>
-                          </a:schemeClr>
+                      <a:endParaRPr lang="ko-KR" altLang="en-US" sz="800" dirty="0">
+                        <a:solidFill>
+                          <a:schemeClr val="tx2"/>
                         </a:solidFill>
                       </a:endParaRPr>
                     </a:p>

--- a/Monthly Plan.pptx
+++ b/Monthly Plan.pptx
@@ -3933,8 +3933,19 @@
                   </a:schemeClr>
                 </a:solidFill>
               </a:rPr>
-              <a:t>형 </a:t>
-            </a:r>
+              <a:t>형 게시판 및 일반 게시판이 포함된 메일 인증을 사용하는</a:t>
+            </a:r>
+            <a:endParaRPr lang="en-US" altLang="ko-KR" sz="1600" dirty="0" smtClean="0">
+              <a:solidFill>
+                <a:schemeClr val="tx2">
+                  <a:lumMod val="40000"/>
+                  <a:lumOff val="60000"/>
+                </a:schemeClr>
+              </a:solidFill>
+            </a:endParaRPr>
+          </a:p>
+          <a:p>
+            <a:pPr algn="l"/>
             <a:r>
               <a:rPr lang="ko-KR" altLang="en-US" sz="1600" dirty="0" smtClean="0">
                 <a:solidFill>
@@ -3944,51 +3955,7 @@
                   </a:schemeClr>
                 </a:solidFill>
               </a:rPr>
-              <a:t>게시판 및 일반 게시판이 포함된 </a:t>
-            </a:r>
-            <a:r>
-              <a:rPr lang="ko-KR" altLang="en-US" sz="1600" dirty="0" smtClean="0">
-                <a:solidFill>
-                  <a:schemeClr val="tx2">
-                    <a:lumMod val="40000"/>
-                    <a:lumOff val="60000"/>
-                  </a:schemeClr>
-                </a:solidFill>
-              </a:rPr>
-              <a:t>메일 인증을 사용하는</a:t>
-            </a:r>
-            <a:endParaRPr lang="en-US" altLang="ko-KR" sz="1600" dirty="0" smtClean="0">
-              <a:solidFill>
-                <a:schemeClr val="tx2">
-                  <a:lumMod val="40000"/>
-                  <a:lumOff val="60000"/>
-                </a:schemeClr>
-              </a:solidFill>
-            </a:endParaRPr>
-          </a:p>
-          <a:p>
-            <a:pPr algn="l"/>
-            <a:r>
-              <a:rPr lang="ko-KR" altLang="en-US" sz="1600" dirty="0" smtClean="0">
-                <a:solidFill>
-                  <a:schemeClr val="tx2">
-                    <a:lumMod val="40000"/>
-                    <a:lumOff val="60000"/>
-                  </a:schemeClr>
-                </a:solidFill>
-              </a:rPr>
-              <a:t>회원제 </a:t>
-            </a:r>
-            <a:r>
-              <a:rPr lang="ko-KR" altLang="en-US" sz="1600" dirty="0" smtClean="0">
-                <a:solidFill>
-                  <a:schemeClr val="tx2">
-                    <a:lumMod val="40000"/>
-                    <a:lumOff val="60000"/>
-                  </a:schemeClr>
-                </a:solidFill>
-              </a:rPr>
-              <a:t>커뮤니티 제작</a:t>
+              <a:t>회원제 커뮤니티 제작</a:t>
             </a:r>
             <a:endParaRPr lang="en-US" altLang="ko-KR" sz="1600" dirty="0" smtClean="0">
               <a:solidFill>
@@ -4536,6 +4503,13 @@
   <p:clrMapOvr>
     <a:masterClrMapping/>
   </p:clrMapOvr>
+  <p:timing>
+    <p:tnLst>
+      <p:par>
+        <p:cTn id="1" dur="indefinite" restart="never" nodeType="tmRoot"/>
+      </p:par>
+    </p:tnLst>
+  </p:timing>
 </p:sld>
 </file>
 
@@ -4612,7 +4586,7 @@
             <p:ph idx="1"/>
             <p:extLst>
               <p:ext uri="{D42A27DB-BD31-4B8C-83A1-F6EECF244321}">
-                <p14:modId xmlns:p14="http://schemas.microsoft.com/office/powerpoint/2010/main" val="638593699"/>
+                <p14:modId xmlns:p14="http://schemas.microsoft.com/office/powerpoint/2010/main" val="2646782919"/>
               </p:ext>
             </p:extLst>
           </p:nvPr>
@@ -4985,6 +4959,28 @@
                             </a:schemeClr>
                           </a:solidFill>
                         </a:rPr>
+                        <a:t>오전 </a:t>
+                      </a:r>
+                      <a:r>
+                        <a:rPr lang="en-US" altLang="ko-KR" sz="800" baseline="0" dirty="0" smtClean="0">
+                          <a:solidFill>
+                            <a:schemeClr val="tx2">
+                              <a:lumMod val="40000"/>
+                              <a:lumOff val="60000"/>
+                            </a:schemeClr>
+                          </a:solidFill>
+                        </a:rPr>
+                        <a:t>: </a:t>
+                      </a:r>
+                      <a:r>
+                        <a:rPr lang="ko-KR" altLang="en-US" sz="800" baseline="0" dirty="0" smtClean="0">
+                          <a:solidFill>
+                            <a:schemeClr val="tx2">
+                              <a:lumMod val="40000"/>
+                              <a:lumOff val="60000"/>
+                            </a:schemeClr>
+                          </a:solidFill>
+                        </a:rPr>
                         <a:t>보안</a:t>
                       </a:r>
                       <a:r>
@@ -5009,6 +5005,39 @@
                         </a:rPr>
                         <a:t>글 삭제</a:t>
                       </a:r>
+                      <a:endParaRPr lang="en-US" altLang="ko-KR" sz="800" baseline="0" dirty="0" smtClean="0">
+                        <a:solidFill>
+                          <a:schemeClr val="tx2">
+                            <a:lumMod val="40000"/>
+                            <a:lumOff val="60000"/>
+                          </a:schemeClr>
+                        </a:solidFill>
+                      </a:endParaRPr>
+                    </a:p>
+                    <a:p>
+                      <a:pPr latinLnBrk="1"/>
+                      <a:endParaRPr lang="en-US" altLang="ko-KR" sz="800" baseline="0" dirty="0" smtClean="0">
+                        <a:solidFill>
+                          <a:schemeClr val="tx2">
+                            <a:lumMod val="40000"/>
+                            <a:lumOff val="60000"/>
+                          </a:schemeClr>
+                        </a:solidFill>
+                      </a:endParaRPr>
+                    </a:p>
+                    <a:p>
+                      <a:pPr latinLnBrk="1"/>
+                      <a:r>
+                        <a:rPr lang="ko-KR" altLang="en-US" sz="800" baseline="0" dirty="0" smtClean="0">
+                          <a:solidFill>
+                            <a:schemeClr val="tx2">
+                              <a:lumMod val="40000"/>
+                              <a:lumOff val="60000"/>
+                            </a:schemeClr>
+                          </a:solidFill>
+                        </a:rPr>
+                        <a:t>오후 </a:t>
+                      </a:r>
                       <a:r>
                         <a:rPr lang="en-US" altLang="ko-KR" sz="800" baseline="0" dirty="0" smtClean="0">
                           <a:solidFill>
@@ -5018,7 +5047,7 @@
                             </a:schemeClr>
                           </a:solidFill>
                         </a:rPr>
-                        <a:t>AM</a:t>
+                        <a:t>: </a:t>
                       </a:r>
                       <a:r>
                         <a:rPr lang="ko-KR" altLang="en-US" sz="800" baseline="0" dirty="0" smtClean="0">
@@ -5311,18 +5340,29 @@
                             </a:schemeClr>
                           </a:solidFill>
                         </a:rPr>
-                        <a:t>Section 72</a:t>
-                      </a:r>
-                      <a:r>
-                        <a:rPr lang="ko-KR" altLang="en-US" sz="800" dirty="0" smtClean="0">
-                          <a:solidFill>
-                            <a:schemeClr val="tx2">
-                              <a:lumMod val="40000"/>
-                              <a:lumOff val="60000"/>
-                            </a:schemeClr>
-                          </a:solidFill>
-                        </a:rPr>
-                        <a:t>까지</a:t>
+                        <a:t>Section </a:t>
+                      </a:r>
+                      <a:r>
+                        <a:rPr lang="en-US" altLang="ko-KR" sz="800" dirty="0" smtClean="0">
+                          <a:solidFill>
+                            <a:schemeClr val="tx2">
+                              <a:lumMod val="40000"/>
+                              <a:lumOff val="60000"/>
+                            </a:schemeClr>
+                          </a:solidFill>
+                        </a:rPr>
+                        <a:t>70</a:t>
+                      </a:r>
+                      <a:r>
+                        <a:rPr lang="en-US" altLang="ko-KR" sz="800" baseline="0" dirty="0" smtClean="0">
+                          <a:solidFill>
+                            <a:schemeClr val="tx2">
+                              <a:lumMod val="40000"/>
+                              <a:lumOff val="60000"/>
+                            </a:schemeClr>
+                          </a:solidFill>
+                        </a:rPr>
+                        <a:t> 71</a:t>
                       </a:r>
                       <a:endParaRPr lang="en-US" altLang="ko-KR" sz="800" dirty="0" smtClean="0">
                         <a:solidFill>
@@ -5447,7 +5487,51 @@
                         </a:rPr>
                         <a:t>강의</a:t>
                       </a:r>
-                      <a:endParaRPr lang="ko-KR" altLang="en-US" sz="800" dirty="0">
+                      <a:endParaRPr lang="en-US" altLang="ko-KR" sz="800" dirty="0" smtClean="0">
+                        <a:solidFill>
+                          <a:schemeClr val="tx2">
+                            <a:lumMod val="40000"/>
+                            <a:lumOff val="60000"/>
+                          </a:schemeClr>
+                        </a:solidFill>
+                      </a:endParaRPr>
+                    </a:p>
+                    <a:p>
+                      <a:pPr latinLnBrk="1"/>
+                      <a:endParaRPr lang="en-US" altLang="ko-KR" sz="800" dirty="0" smtClean="0">
+                        <a:solidFill>
+                          <a:schemeClr val="tx2">
+                            <a:lumMod val="40000"/>
+                            <a:lumOff val="60000"/>
+                          </a:schemeClr>
+                        </a:solidFill>
+                      </a:endParaRPr>
+                    </a:p>
+                    <a:p>
+                      <a:pPr latinLnBrk="1"/>
+                      <a:r>
+                        <a:rPr lang="en-US" altLang="ko-KR" sz="800" dirty="0" smtClean="0">
+                          <a:solidFill>
+                            <a:schemeClr val="tx2">
+                              <a:lumMod val="40000"/>
+                              <a:lumOff val="60000"/>
+                            </a:schemeClr>
+                          </a:solidFill>
+                        </a:rPr>
+                        <a:t>Section</a:t>
+                      </a:r>
+                      <a:r>
+                        <a:rPr lang="en-US" altLang="ko-KR" sz="800" baseline="0" dirty="0" smtClean="0">
+                          <a:solidFill>
+                            <a:schemeClr val="tx2">
+                              <a:lumMod val="40000"/>
+                              <a:lumOff val="60000"/>
+                            </a:schemeClr>
+                          </a:solidFill>
+                        </a:rPr>
+                        <a:t> 72</a:t>
+                      </a:r>
+                      <a:endParaRPr lang="en-US" altLang="ko-KR" sz="800" dirty="0" smtClean="0">
                         <a:solidFill>
                           <a:schemeClr val="tx2">
                             <a:lumMod val="40000"/>
@@ -7265,7 +7349,18 @@
                             </a:schemeClr>
                           </a:solidFill>
                         </a:rPr>
-                        <a:t>클래스 설계</a:t>
+                        <a:t>헤더 </a:t>
+                      </a:r>
+                      <a:r>
+                        <a:rPr lang="ko-KR" altLang="en-US" sz="800" dirty="0" smtClean="0">
+                          <a:solidFill>
+                            <a:schemeClr val="tx2">
+                              <a:lumMod val="40000"/>
+                              <a:lumOff val="60000"/>
+                            </a:schemeClr>
+                          </a:solidFill>
+                        </a:rPr>
+                        <a:t>설계</a:t>
                       </a:r>
                       <a:endParaRPr lang="en-US" altLang="ko-KR" sz="800" dirty="0" smtClean="0">
                         <a:solidFill>
@@ -7346,7 +7441,18 @@
                             </a:schemeClr>
                           </a:solidFill>
                         </a:rPr>
-                        <a:t>클래스 설계</a:t>
+                        <a:t>인덱스 </a:t>
+                      </a:r>
+                      <a:r>
+                        <a:rPr lang="ko-KR" altLang="en-US" sz="800" dirty="0" smtClean="0">
+                          <a:solidFill>
+                            <a:schemeClr val="tx2">
+                              <a:lumMod val="40000"/>
+                              <a:lumOff val="60000"/>
+                            </a:schemeClr>
+                          </a:solidFill>
+                        </a:rPr>
+                        <a:t>설계</a:t>
                       </a:r>
                       <a:endParaRPr lang="en-US" altLang="ko-KR" sz="800" dirty="0" smtClean="0">
                         <a:solidFill>
@@ -7468,6 +7574,17 @@
                         <a:defRPr/>
                       </a:pPr>
                       <a:r>
+                        <a:rPr lang="ko-KR" altLang="en-US" sz="800" dirty="0" err="1" smtClean="0">
+                          <a:solidFill>
+                            <a:schemeClr val="tx2">
+                              <a:lumMod val="40000"/>
+                              <a:lumOff val="60000"/>
+                            </a:schemeClr>
+                          </a:solidFill>
+                        </a:rPr>
+                        <a:t>푸터</a:t>
+                      </a:r>
+                      <a:r>
                         <a:rPr lang="ko-KR" altLang="en-US" sz="800" dirty="0" smtClean="0">
                           <a:solidFill>
                             <a:schemeClr val="tx2">
@@ -7476,7 +7593,18 @@
                             </a:schemeClr>
                           </a:solidFill>
                         </a:rPr>
-                        <a:t>클래스 설계</a:t>
+                        <a:t> </a:t>
+                      </a:r>
+                      <a:r>
+                        <a:rPr lang="ko-KR" altLang="en-US" sz="800" dirty="0" smtClean="0">
+                          <a:solidFill>
+                            <a:schemeClr val="tx2">
+                              <a:lumMod val="40000"/>
+                              <a:lumOff val="60000"/>
+                            </a:schemeClr>
+                          </a:solidFill>
+                        </a:rPr>
+                        <a:t>설계</a:t>
                       </a:r>
                       <a:endParaRPr lang="en-US" altLang="ko-KR" sz="800" dirty="0" smtClean="0">
                         <a:solidFill>
@@ -7908,22 +8036,14 @@
                     <a:p>
                       <a:pPr algn="ctr" latinLnBrk="1"/>
                       <a:r>
-                        <a:rPr lang="en-US" altLang="ko-KR" sz="800" baseline="0" dirty="0" smtClean="0">
+                        <a:rPr lang="ko-KR" altLang="en-US" sz="800" baseline="0" dirty="0" smtClean="0">
                           <a:solidFill>
                             <a:schemeClr val="tx2"/>
                           </a:solidFill>
                         </a:rPr>
-                        <a:t>HTML </a:t>
-                      </a:r>
-                      <a:r>
-                        <a:rPr lang="ko-KR" altLang="en-US" sz="800" baseline="0" dirty="0" smtClean="0">
-                          <a:solidFill>
-                            <a:schemeClr val="tx2"/>
-                          </a:solidFill>
-                        </a:rPr>
-                        <a:t>구조 제작</a:t>
-                      </a:r>
-                      <a:endParaRPr lang="en-US" altLang="ko-KR" sz="800" dirty="0" smtClean="0">
+                        <a:t>인덱스 설계</a:t>
+                      </a:r>
+                      <a:endParaRPr lang="en-US" altLang="ko-KR" sz="800" baseline="0" dirty="0" smtClean="0">
                         <a:solidFill>
                           <a:schemeClr val="tx2"/>
                         </a:solidFill>
@@ -8403,6 +8523,93 @@
           </a:graphicData>
         </a:graphic>
       </p:graphicFrame>
+      <p:sp>
+        <p:nvSpPr>
+          <p:cNvPr id="3" name="도넛 2"/>
+          <p:cNvSpPr/>
+          <p:nvPr/>
+        </p:nvSpPr>
+        <p:spPr>
+          <a:xfrm>
+            <a:off x="611560" y="332656"/>
+            <a:ext cx="360040" cy="360040"/>
+          </a:xfrm>
+          <a:prstGeom prst="donut">
+            <a:avLst/>
+          </a:prstGeom>
+        </p:spPr>
+        <p:style>
+          <a:lnRef idx="2">
+            <a:schemeClr val="accent1">
+              <a:shade val="50000"/>
+            </a:schemeClr>
+          </a:lnRef>
+          <a:fillRef idx="1">
+            <a:schemeClr val="accent1"/>
+          </a:fillRef>
+          <a:effectRef idx="0">
+            <a:schemeClr val="accent1"/>
+          </a:effectRef>
+          <a:fontRef idx="minor">
+            <a:schemeClr val="lt1"/>
+          </a:fontRef>
+        </p:style>
+        <p:txBody>
+          <a:bodyPr rtlCol="0" anchor="ctr"/>
+          <a:lstStyle/>
+          <a:p>
+            <a:pPr algn="ctr"/>
+            <a:endParaRPr lang="ko-KR" altLang="en-US">
+              <a:solidFill>
+                <a:schemeClr val="tx2">
+                  <a:lumMod val="40000"/>
+                  <a:lumOff val="60000"/>
+                </a:schemeClr>
+              </a:solidFill>
+            </a:endParaRPr>
+          </a:p>
+        </p:txBody>
+      </p:sp>
+      <p:sp>
+        <p:nvSpPr>
+          <p:cNvPr id="5" name="이등변 삼각형 4"/>
+          <p:cNvSpPr/>
+          <p:nvPr/>
+        </p:nvSpPr>
+        <p:spPr>
+          <a:xfrm>
+            <a:off x="1188493" y="332656"/>
+            <a:ext cx="389334" cy="348952"/>
+          </a:xfrm>
+          <a:prstGeom prst="triangle">
+            <a:avLst/>
+          </a:prstGeom>
+        </p:spPr>
+        <p:style>
+          <a:lnRef idx="2">
+            <a:schemeClr val="accent1">
+              <a:shade val="50000"/>
+            </a:schemeClr>
+          </a:lnRef>
+          <a:fillRef idx="1">
+            <a:schemeClr val="accent1"/>
+          </a:fillRef>
+          <a:effectRef idx="0">
+            <a:schemeClr val="accent1"/>
+          </a:effectRef>
+          <a:fontRef idx="minor">
+            <a:schemeClr val="lt1"/>
+          </a:fontRef>
+        </p:style>
+        <p:txBody>
+          <a:bodyPr rtlCol="0" anchor="ctr"/>
+          <a:lstStyle/>
+          <a:p>
+            <a:pPr algn="ctr"/>
+            <a:endParaRPr lang="ko-KR" altLang="en-US"/>
+          </a:p>
+        </p:txBody>
+      </p:sp>
     </p:spTree>
     <p:extLst>
       <p:ext uri="{BB962C8B-B14F-4D97-AF65-F5344CB8AC3E}">

--- a/Monthly Plan.pptx
+++ b/Monthly Plan.pptx
@@ -194,7 +194,7 @@
           <a:p>
             <a:fld id="{E1E76E78-0C2A-445E-B35D-3ADF0836B2B3}" type="datetimeFigureOut">
               <a:rPr lang="ko-KR" altLang="en-US" smtClean="0"/>
-              <a:t>2018-05-02</a:t>
+              <a:t>2018-05-03</a:t>
             </a:fld>
             <a:endParaRPr lang="ko-KR" altLang="en-US"/>
           </a:p>
@@ -727,7 +727,7 @@
           <a:p>
             <a:fld id="{48C2848A-6F74-48C5-A4CD-91F929EC3187}" type="datetimeFigureOut">
               <a:rPr lang="ko-KR" altLang="en-US" smtClean="0"/>
-              <a:t>2018-05-02</a:t>
+              <a:t>2018-05-03</a:t>
             </a:fld>
             <a:endParaRPr lang="ko-KR" altLang="en-US"/>
           </a:p>
@@ -897,7 +897,7 @@
           <a:p>
             <a:fld id="{48C2848A-6F74-48C5-A4CD-91F929EC3187}" type="datetimeFigureOut">
               <a:rPr lang="ko-KR" altLang="en-US" smtClean="0"/>
-              <a:t>2018-05-02</a:t>
+              <a:t>2018-05-03</a:t>
             </a:fld>
             <a:endParaRPr lang="ko-KR" altLang="en-US"/>
           </a:p>
@@ -1077,7 +1077,7 @@
           <a:p>
             <a:fld id="{48C2848A-6F74-48C5-A4CD-91F929EC3187}" type="datetimeFigureOut">
               <a:rPr lang="ko-KR" altLang="en-US" smtClean="0"/>
-              <a:t>2018-05-02</a:t>
+              <a:t>2018-05-03</a:t>
             </a:fld>
             <a:endParaRPr lang="ko-KR" altLang="en-US"/>
           </a:p>
@@ -1247,7 +1247,7 @@
           <a:p>
             <a:fld id="{48C2848A-6F74-48C5-A4CD-91F929EC3187}" type="datetimeFigureOut">
               <a:rPr lang="ko-KR" altLang="en-US" smtClean="0"/>
-              <a:t>2018-05-02</a:t>
+              <a:t>2018-05-03</a:t>
             </a:fld>
             <a:endParaRPr lang="ko-KR" altLang="en-US"/>
           </a:p>
@@ -1493,7 +1493,7 @@
           <a:p>
             <a:fld id="{48C2848A-6F74-48C5-A4CD-91F929EC3187}" type="datetimeFigureOut">
               <a:rPr lang="ko-KR" altLang="en-US" smtClean="0"/>
-              <a:t>2018-05-02</a:t>
+              <a:t>2018-05-03</a:t>
             </a:fld>
             <a:endParaRPr lang="ko-KR" altLang="en-US"/>
           </a:p>
@@ -1781,7 +1781,7 @@
           <a:p>
             <a:fld id="{48C2848A-6F74-48C5-A4CD-91F929EC3187}" type="datetimeFigureOut">
               <a:rPr lang="ko-KR" altLang="en-US" smtClean="0"/>
-              <a:t>2018-05-02</a:t>
+              <a:t>2018-05-03</a:t>
             </a:fld>
             <a:endParaRPr lang="ko-KR" altLang="en-US"/>
           </a:p>
@@ -2203,7 +2203,7 @@
           <a:p>
             <a:fld id="{48C2848A-6F74-48C5-A4CD-91F929EC3187}" type="datetimeFigureOut">
               <a:rPr lang="ko-KR" altLang="en-US" smtClean="0"/>
-              <a:t>2018-05-02</a:t>
+              <a:t>2018-05-03</a:t>
             </a:fld>
             <a:endParaRPr lang="ko-KR" altLang="en-US"/>
           </a:p>
@@ -2321,7 +2321,7 @@
           <a:p>
             <a:fld id="{48C2848A-6F74-48C5-A4CD-91F929EC3187}" type="datetimeFigureOut">
               <a:rPr lang="ko-KR" altLang="en-US" smtClean="0"/>
-              <a:t>2018-05-02</a:t>
+              <a:t>2018-05-03</a:t>
             </a:fld>
             <a:endParaRPr lang="ko-KR" altLang="en-US"/>
           </a:p>
@@ -2416,7 +2416,7 @@
           <a:p>
             <a:fld id="{48C2848A-6F74-48C5-A4CD-91F929EC3187}" type="datetimeFigureOut">
               <a:rPr lang="ko-KR" altLang="en-US" smtClean="0"/>
-              <a:t>2018-05-02</a:t>
+              <a:t>2018-05-03</a:t>
             </a:fld>
             <a:endParaRPr lang="ko-KR" altLang="en-US"/>
           </a:p>
@@ -2693,7 +2693,7 @@
           <a:p>
             <a:fld id="{48C2848A-6F74-48C5-A4CD-91F929EC3187}" type="datetimeFigureOut">
               <a:rPr lang="ko-KR" altLang="en-US" smtClean="0"/>
-              <a:t>2018-05-02</a:t>
+              <a:t>2018-05-03</a:t>
             </a:fld>
             <a:endParaRPr lang="ko-KR" altLang="en-US"/>
           </a:p>
@@ -2946,7 +2946,7 @@
           <a:p>
             <a:fld id="{48C2848A-6F74-48C5-A4CD-91F929EC3187}" type="datetimeFigureOut">
               <a:rPr lang="ko-KR" altLang="en-US" smtClean="0"/>
-              <a:t>2018-05-02</a:t>
+              <a:t>2018-05-03</a:t>
             </a:fld>
             <a:endParaRPr lang="ko-KR" altLang="en-US"/>
           </a:p>
@@ -3159,7 +3159,7 @@
           <a:p>
             <a:fld id="{48C2848A-6F74-48C5-A4CD-91F929EC3187}" type="datetimeFigureOut">
               <a:rPr lang="ko-KR" altLang="en-US" smtClean="0"/>
-              <a:t>2018-05-02</a:t>
+              <a:t>2018-05-03</a:t>
             </a:fld>
             <a:endParaRPr lang="ko-KR" altLang="en-US"/>
           </a:p>
@@ -3933,8 +3933,19 @@
                   </a:schemeClr>
                 </a:solidFill>
               </a:rPr>
-              <a:t>형 </a:t>
-            </a:r>
+              <a:t>형 게시판 및 일반 게시판이 포함된 메일 인증을 사용하는</a:t>
+            </a:r>
+            <a:endParaRPr lang="en-US" altLang="ko-KR" sz="1600" dirty="0" smtClean="0">
+              <a:solidFill>
+                <a:schemeClr val="tx2">
+                  <a:lumMod val="40000"/>
+                  <a:lumOff val="60000"/>
+                </a:schemeClr>
+              </a:solidFill>
+            </a:endParaRPr>
+          </a:p>
+          <a:p>
+            <a:pPr algn="l"/>
             <a:r>
               <a:rPr lang="ko-KR" altLang="en-US" sz="1600" dirty="0" smtClean="0">
                 <a:solidFill>
@@ -3944,51 +3955,7 @@
                   </a:schemeClr>
                 </a:solidFill>
               </a:rPr>
-              <a:t>게시판 및 일반 게시판이 포함된 </a:t>
-            </a:r>
-            <a:r>
-              <a:rPr lang="ko-KR" altLang="en-US" sz="1600" dirty="0" smtClean="0">
-                <a:solidFill>
-                  <a:schemeClr val="tx2">
-                    <a:lumMod val="40000"/>
-                    <a:lumOff val="60000"/>
-                  </a:schemeClr>
-                </a:solidFill>
-              </a:rPr>
-              <a:t>메일 인증을 사용하는</a:t>
-            </a:r>
-            <a:endParaRPr lang="en-US" altLang="ko-KR" sz="1600" dirty="0" smtClean="0">
-              <a:solidFill>
-                <a:schemeClr val="tx2">
-                  <a:lumMod val="40000"/>
-                  <a:lumOff val="60000"/>
-                </a:schemeClr>
-              </a:solidFill>
-            </a:endParaRPr>
-          </a:p>
-          <a:p>
-            <a:pPr algn="l"/>
-            <a:r>
-              <a:rPr lang="ko-KR" altLang="en-US" sz="1600" dirty="0" smtClean="0">
-                <a:solidFill>
-                  <a:schemeClr val="tx2">
-                    <a:lumMod val="40000"/>
-                    <a:lumOff val="60000"/>
-                  </a:schemeClr>
-                </a:solidFill>
-              </a:rPr>
-              <a:t>회원제 </a:t>
-            </a:r>
-            <a:r>
-              <a:rPr lang="ko-KR" altLang="en-US" sz="1600" dirty="0" smtClean="0">
-                <a:solidFill>
-                  <a:schemeClr val="tx2">
-                    <a:lumMod val="40000"/>
-                    <a:lumOff val="60000"/>
-                  </a:schemeClr>
-                </a:solidFill>
-              </a:rPr>
-              <a:t>커뮤니티 제작</a:t>
+              <a:t>회원제 커뮤니티 제작</a:t>
             </a:r>
             <a:endParaRPr lang="en-US" altLang="ko-KR" sz="1600" dirty="0" smtClean="0">
               <a:solidFill>
@@ -4612,7 +4579,7 @@
             <p:ph idx="1"/>
             <p:extLst>
               <p:ext uri="{D42A27DB-BD31-4B8C-83A1-F6EECF244321}">
-                <p14:modId xmlns:p14="http://schemas.microsoft.com/office/powerpoint/2010/main" val="638593699"/>
+                <p14:modId xmlns:p14="http://schemas.microsoft.com/office/powerpoint/2010/main" val="1043602574"/>
               </p:ext>
             </p:extLst>
           </p:nvPr>
@@ -5300,8 +5267,19 @@
                             </a:schemeClr>
                           </a:solidFill>
                         </a:rPr>
-                        <a:t>책 </a:t>
-                      </a:r>
+                        <a:t>책</a:t>
+                      </a:r>
+                      <a:endParaRPr lang="en-US" altLang="ko-KR" sz="800" baseline="0" dirty="0" smtClean="0">
+                        <a:solidFill>
+                          <a:schemeClr val="tx2">
+                            <a:lumMod val="40000"/>
+                            <a:lumOff val="60000"/>
+                          </a:schemeClr>
+                        </a:solidFill>
+                      </a:endParaRPr>
+                    </a:p>
+                    <a:p>
+                      <a:pPr latinLnBrk="1"/>
                       <a:r>
                         <a:rPr lang="en-US" altLang="ko-KR" sz="800" dirty="0" smtClean="0">
                           <a:solidFill>
@@ -5311,7 +5289,18 @@
                             </a:schemeClr>
                           </a:solidFill>
                         </a:rPr>
-                        <a:t>Section 72</a:t>
+                        <a:t>Section </a:t>
+                      </a:r>
+                      <a:r>
+                        <a:rPr lang="en-US" altLang="ko-KR" sz="800" dirty="0" smtClean="0">
+                          <a:solidFill>
+                            <a:schemeClr val="tx2">
+                              <a:lumMod val="40000"/>
+                              <a:lumOff val="60000"/>
+                            </a:schemeClr>
+                          </a:solidFill>
+                        </a:rPr>
+                        <a:t>72</a:t>
                       </a:r>
                       <a:r>
                         <a:rPr lang="ko-KR" altLang="en-US" sz="800" dirty="0" smtClean="0">
@@ -7905,30 +7894,6 @@
                         </a:solidFill>
                       </a:endParaRPr>
                     </a:p>
-                    <a:p>
-                      <a:pPr algn="ctr" latinLnBrk="1"/>
-                      <a:r>
-                        <a:rPr lang="en-US" altLang="ko-KR" sz="800" baseline="0" dirty="0" smtClean="0">
-                          <a:solidFill>
-                            <a:schemeClr val="tx2"/>
-                          </a:solidFill>
-                        </a:rPr>
-                        <a:t>HTML </a:t>
-                      </a:r>
-                      <a:r>
-                        <a:rPr lang="ko-KR" altLang="en-US" sz="800" baseline="0" dirty="0" smtClean="0">
-                          <a:solidFill>
-                            <a:schemeClr val="tx2"/>
-                          </a:solidFill>
-                        </a:rPr>
-                        <a:t>구조 제작</a:t>
-                      </a:r>
-                      <a:endParaRPr lang="en-US" altLang="ko-KR" sz="800" dirty="0" smtClean="0">
-                        <a:solidFill>
-                          <a:schemeClr val="tx2"/>
-                        </a:solidFill>
-                      </a:endParaRPr>
-                    </a:p>
                   </a:txBody>
                   <a:tcPr/>
                 </a:tc>
@@ -8038,17 +8003,6 @@
                           <a:schemeClr val="tx2"/>
                         </a:solidFill>
                       </a:endParaRPr>
-                    </a:p>
-                    <a:p>
-                      <a:pPr algn="ctr" latinLnBrk="1"/>
-                      <a:r>
-                        <a:rPr lang="en-US" altLang="ko-KR" sz="800" dirty="0" smtClean="0">
-                          <a:solidFill>
-                            <a:schemeClr val="tx2"/>
-                          </a:solidFill>
-                        </a:rPr>
-                        <a:t>JAVASCRIPT</a:t>
-                      </a:r>
                     </a:p>
                   </a:txBody>
                   <a:tcPr/>
@@ -8069,26 +8023,7 @@
                         </a:rPr>
                         <a:t>3</a:t>
                       </a:r>
-                    </a:p>
-                    <a:p>
-                      <a:pPr algn="ctr" latinLnBrk="1"/>
                       <a:endParaRPr lang="en-US" altLang="ko-KR" sz="800" dirty="0" smtClean="0">
-                        <a:solidFill>
-                          <a:schemeClr val="tx2"/>
-                        </a:solidFill>
-                      </a:endParaRPr>
-                    </a:p>
-                    <a:p>
-                      <a:pPr algn="ctr" latinLnBrk="1"/>
-                      <a:r>
-                        <a:rPr lang="en-US" altLang="ko-KR" sz="800" dirty="0" smtClean="0">
-                          <a:solidFill>
-                            <a:schemeClr val="tx2"/>
-                          </a:solidFill>
-                        </a:rPr>
-                        <a:t>PHP</a:t>
-                      </a:r>
-                      <a:endParaRPr lang="ko-KR" altLang="en-US" sz="800" dirty="0">
                         <a:solidFill>
                           <a:schemeClr val="tx2"/>
                         </a:solidFill>

--- a/Monthly Plan.pptx
+++ b/Monthly Plan.pptx
@@ -4579,14 +4579,14 @@
             <p:ph idx="1"/>
             <p:extLst>
               <p:ext uri="{D42A27DB-BD31-4B8C-83A1-F6EECF244321}">
-                <p14:modId xmlns:p14="http://schemas.microsoft.com/office/powerpoint/2010/main" val="1043602574"/>
+                <p14:modId xmlns:p14="http://schemas.microsoft.com/office/powerpoint/2010/main" val="3379578358"/>
               </p:ext>
             </p:extLst>
           </p:nvPr>
         </p:nvGraphicFramePr>
         <p:xfrm>
           <a:off x="457200" y="836712"/>
-          <a:ext cx="8229599" cy="5839178"/>
+          <a:ext cx="8229599" cy="5112568"/>
         </p:xfrm>
         <a:graphic>
           <a:graphicData uri="http://schemas.openxmlformats.org/drawingml/2006/table">
@@ -5289,18 +5289,7 @@
                             </a:schemeClr>
                           </a:solidFill>
                         </a:rPr>
-                        <a:t>Section </a:t>
-                      </a:r>
-                      <a:r>
-                        <a:rPr lang="en-US" altLang="ko-KR" sz="800" dirty="0" smtClean="0">
-                          <a:solidFill>
-                            <a:schemeClr val="tx2">
-                              <a:lumMod val="40000"/>
-                              <a:lumOff val="60000"/>
-                            </a:schemeClr>
-                          </a:solidFill>
-                        </a:rPr>
-                        <a:t>72</a:t>
+                        <a:t>Section 72</a:t>
                       </a:r>
                       <a:r>
                         <a:rPr lang="ko-KR" altLang="en-US" sz="800" dirty="0" smtClean="0">
@@ -6682,7 +6671,18 @@
                             </a:schemeClr>
                           </a:solidFill>
                         </a:rPr>
-                        <a:t>독서 및 복습</a:t>
+                        <a:t>독서 </a:t>
+                      </a:r>
+                      <a:r>
+                        <a:rPr lang="ko-KR" altLang="en-US" sz="800" dirty="0" smtClean="0">
+                          <a:solidFill>
+                            <a:schemeClr val="tx2">
+                              <a:lumMod val="40000"/>
+                              <a:lumOff val="60000"/>
+                            </a:schemeClr>
+                          </a:solidFill>
+                        </a:rPr>
+                        <a:t>및 복습</a:t>
                       </a:r>
                       <a:endParaRPr lang="en-US" altLang="ko-KR" sz="800" dirty="0" smtClean="0">
                         <a:solidFill>
@@ -6818,7 +6818,18 @@
                             </a:schemeClr>
                           </a:solidFill>
                         </a:rPr>
-                        <a:t>독서 및 복습</a:t>
+                        <a:t>독서 </a:t>
+                      </a:r>
+                      <a:r>
+                        <a:rPr lang="ko-KR" altLang="en-US" sz="800" dirty="0" smtClean="0">
+                          <a:solidFill>
+                            <a:schemeClr val="tx2">
+                              <a:lumMod val="40000"/>
+                              <a:lumOff val="60000"/>
+                            </a:schemeClr>
+                          </a:solidFill>
+                        </a:rPr>
+                        <a:t>및 복습</a:t>
                       </a:r>
                       <a:endParaRPr lang="en-US" altLang="ko-KR" sz="800" dirty="0" smtClean="0">
                         <a:solidFill>
@@ -7146,6 +7157,28 @@
                             </a:schemeClr>
                           </a:solidFill>
                         </a:rPr>
+                        <a:t>예배</a:t>
+                      </a:r>
+                      <a:endParaRPr lang="en-US" altLang="ko-KR" sz="800" dirty="0" smtClean="0">
+                        <a:solidFill>
+                          <a:schemeClr val="tx2">
+                            <a:lumMod val="40000"/>
+                            <a:lumOff val="60000"/>
+                          </a:schemeClr>
+                        </a:solidFill>
+                      </a:endParaRPr>
+                    </a:p>
+                    <a:p>
+                      <a:pPr latinLnBrk="1"/>
+                      <a:r>
+                        <a:rPr lang="ko-KR" altLang="en-US" sz="800" dirty="0" smtClean="0">
+                          <a:solidFill>
+                            <a:schemeClr val="tx2">
+                              <a:lumMod val="40000"/>
+                              <a:lumOff val="60000"/>
+                            </a:schemeClr>
+                          </a:solidFill>
+                        </a:rPr>
                         <a:t>기획 스토리보드</a:t>
                       </a:r>
                       <a:endParaRPr lang="en-US" altLang="ko-KR" sz="800" dirty="0" smtClean="0">
@@ -7807,20 +7840,20 @@
                             </a:schemeClr>
                           </a:solidFill>
                         </a:rPr>
-                        <a:t>책 독학</a:t>
+                        <a:t>책 </a:t>
+                      </a:r>
+                      <a:r>
+                        <a:rPr lang="ko-KR" altLang="en-US" sz="800" baseline="0" dirty="0" smtClean="0">
+                          <a:solidFill>
+                            <a:schemeClr val="tx2">
+                              <a:lumMod val="40000"/>
+                              <a:lumOff val="60000"/>
+                            </a:schemeClr>
+                          </a:solidFill>
+                        </a:rPr>
+                        <a:t>독학</a:t>
                       </a:r>
                       <a:endParaRPr lang="en-US" altLang="ko-KR" sz="800" dirty="0" smtClean="0">
-                        <a:solidFill>
-                          <a:schemeClr val="tx2">
-                            <a:lumMod val="40000"/>
-                            <a:lumOff val="60000"/>
-                          </a:schemeClr>
-                        </a:solidFill>
-                      </a:endParaRPr>
-                    </a:p>
-                    <a:p>
-                      <a:pPr latinLnBrk="1"/>
-                      <a:endParaRPr lang="ko-KR" altLang="en-US" sz="800" dirty="0">
                         <a:solidFill>
                           <a:schemeClr val="tx2">
                             <a:lumMod val="40000"/>
@@ -7881,7 +7914,7 @@
                   <a:tcPr/>
                 </a:tc>
               </a:tr>
-              <a:tr h="574287">
+              <a:tr h="430271">
                 <a:tc gridSpan="3">
                   <a:txBody>
                     <a:bodyPr/>
@@ -8008,21 +8041,13 @@
                   <a:tcPr/>
                 </a:tc>
               </a:tr>
-              <a:tr h="723345">
+              <a:tr h="432048">
                 <a:tc>
                   <a:txBody>
                     <a:bodyPr/>
                     <a:lstStyle/>
                     <a:p>
                       <a:pPr algn="l" latinLnBrk="1"/>
-                      <a:r>
-                        <a:rPr lang="en-US" altLang="ko-KR" sz="800" dirty="0" smtClean="0">
-                          <a:solidFill>
-                            <a:schemeClr val="tx2"/>
-                          </a:solidFill>
-                        </a:rPr>
-                        <a:t>3</a:t>
-                      </a:r>
                       <a:endParaRPr lang="en-US" altLang="ko-KR" sz="800" dirty="0" smtClean="0">
                         <a:solidFill>
                           <a:schemeClr val="tx2"/>
@@ -8038,14 +8063,6 @@
                     <a:lstStyle/>
                     <a:p>
                       <a:pPr algn="l" latinLnBrk="1"/>
-                      <a:r>
-                        <a:rPr lang="en-US" altLang="ko-KR" sz="800" dirty="0" smtClean="0">
-                          <a:solidFill>
-                            <a:schemeClr val="tx2"/>
-                          </a:solidFill>
-                        </a:rPr>
-                        <a:t>4</a:t>
-                      </a:r>
                       <a:endParaRPr lang="ko-KR" altLang="en-US" sz="800" dirty="0">
                         <a:solidFill>
                           <a:schemeClr val="tx2"/>
@@ -8061,14 +8078,6 @@
                     <a:lstStyle/>
                     <a:p>
                       <a:pPr algn="l" latinLnBrk="1"/>
-                      <a:r>
-                        <a:rPr lang="en-US" altLang="ko-KR" sz="800" dirty="0" smtClean="0">
-                          <a:solidFill>
-                            <a:schemeClr val="tx2"/>
-                          </a:solidFill>
-                        </a:rPr>
-                        <a:t>5</a:t>
-                      </a:r>
                       <a:endParaRPr lang="ko-KR" altLang="en-US" sz="800" dirty="0">
                         <a:solidFill>
                           <a:schemeClr val="tx2"/>
@@ -8084,14 +8093,6 @@
                     <a:lstStyle/>
                     <a:p>
                       <a:pPr algn="l" latinLnBrk="1"/>
-                      <a:r>
-                        <a:rPr lang="en-US" altLang="ko-KR" sz="800" dirty="0" smtClean="0">
-                          <a:solidFill>
-                            <a:schemeClr val="tx2"/>
-                          </a:solidFill>
-                        </a:rPr>
-                        <a:t>6</a:t>
-                      </a:r>
                       <a:endParaRPr lang="ko-KR" altLang="en-US" sz="800" dirty="0">
                         <a:solidFill>
                           <a:schemeClr val="tx2"/>
@@ -8107,14 +8108,6 @@
                     <a:lstStyle/>
                     <a:p>
                       <a:pPr algn="l" latinLnBrk="1"/>
-                      <a:r>
-                        <a:rPr lang="en-US" altLang="ko-KR" sz="800" dirty="0" smtClean="0">
-                          <a:solidFill>
-                            <a:schemeClr val="tx2"/>
-                          </a:solidFill>
-                        </a:rPr>
-                        <a:t>7</a:t>
-                      </a:r>
                       <a:endParaRPr lang="ko-KR" altLang="en-US" sz="800" dirty="0">
                         <a:solidFill>
                           <a:schemeClr val="tx2"/>
@@ -8130,14 +8123,6 @@
                     <a:lstStyle/>
                     <a:p>
                       <a:pPr algn="l" latinLnBrk="1"/>
-                      <a:r>
-                        <a:rPr lang="en-US" altLang="ko-KR" sz="800" dirty="0" smtClean="0">
-                          <a:solidFill>
-                            <a:schemeClr val="tx2"/>
-                          </a:solidFill>
-                        </a:rPr>
-                        <a:t>8</a:t>
-                      </a:r>
                       <a:endParaRPr lang="ko-KR" altLang="en-US" sz="800" dirty="0">
                         <a:solidFill>
                           <a:schemeClr val="tx2"/>
@@ -8153,14 +8138,6 @@
                     <a:lstStyle/>
                     <a:p>
                       <a:pPr algn="l" latinLnBrk="1"/>
-                      <a:r>
-                        <a:rPr lang="en-US" altLang="ko-KR" sz="800" dirty="0" smtClean="0">
-                          <a:solidFill>
-                            <a:schemeClr val="tx2"/>
-                          </a:solidFill>
-                        </a:rPr>
-                        <a:t>9</a:t>
-                      </a:r>
                       <a:endParaRPr lang="ko-KR" altLang="en-US" sz="800" dirty="0">
                         <a:solidFill>
                           <a:schemeClr val="tx2"/>
@@ -8171,21 +8148,13 @@
                   <a:tcPr/>
                 </a:tc>
               </a:tr>
-              <a:tr h="723345">
+              <a:tr h="432048">
                 <a:tc>
                   <a:txBody>
                     <a:bodyPr/>
                     <a:lstStyle/>
                     <a:p>
                       <a:pPr latinLnBrk="1"/>
-                      <a:r>
-                        <a:rPr lang="en-US" altLang="ko-KR" sz="800" dirty="0" smtClean="0">
-                          <a:solidFill>
-                            <a:schemeClr val="tx2"/>
-                          </a:solidFill>
-                        </a:rPr>
-                        <a:t>10</a:t>
-                      </a:r>
                       <a:endParaRPr lang="ko-KR" altLang="en-US" sz="800" dirty="0">
                         <a:solidFill>
                           <a:schemeClr val="tx2"/>
@@ -8201,14 +8170,6 @@
                     <a:lstStyle/>
                     <a:p>
                       <a:pPr latinLnBrk="1"/>
-                      <a:r>
-                        <a:rPr lang="en-US" altLang="ko-KR" sz="800" dirty="0" smtClean="0">
-                          <a:solidFill>
-                            <a:schemeClr val="tx2"/>
-                          </a:solidFill>
-                        </a:rPr>
-                        <a:t>11</a:t>
-                      </a:r>
                       <a:endParaRPr lang="ko-KR" altLang="en-US" sz="800" dirty="0">
                         <a:solidFill>
                           <a:schemeClr val="tx2"/>
@@ -8224,14 +8185,6 @@
                     <a:lstStyle/>
                     <a:p>
                       <a:pPr latinLnBrk="1"/>
-                      <a:r>
-                        <a:rPr lang="en-US" altLang="ko-KR" sz="800" dirty="0" smtClean="0">
-                          <a:solidFill>
-                            <a:schemeClr val="tx2"/>
-                          </a:solidFill>
-                        </a:rPr>
-                        <a:t>12</a:t>
-                      </a:r>
                       <a:endParaRPr lang="ko-KR" altLang="en-US" sz="800" dirty="0">
                         <a:solidFill>
                           <a:schemeClr val="tx2"/>
@@ -8247,14 +8200,6 @@
                     <a:lstStyle/>
                     <a:p>
                       <a:pPr latinLnBrk="1"/>
-                      <a:r>
-                        <a:rPr lang="en-US" altLang="ko-KR" sz="800" dirty="0" smtClean="0">
-                          <a:solidFill>
-                            <a:schemeClr val="tx2"/>
-                          </a:solidFill>
-                        </a:rPr>
-                        <a:t>13</a:t>
-                      </a:r>
                       <a:endParaRPr lang="ko-KR" altLang="en-US" sz="800" dirty="0">
                         <a:solidFill>
                           <a:schemeClr val="tx2"/>
@@ -8270,14 +8215,6 @@
                     <a:lstStyle/>
                     <a:p>
                       <a:pPr latinLnBrk="1"/>
-                      <a:r>
-                        <a:rPr lang="en-US" altLang="ko-KR" sz="800" dirty="0" smtClean="0">
-                          <a:solidFill>
-                            <a:schemeClr val="tx2"/>
-                          </a:solidFill>
-                        </a:rPr>
-                        <a:t>14</a:t>
-                      </a:r>
                       <a:endParaRPr lang="ko-KR" altLang="en-US" sz="800" dirty="0">
                         <a:solidFill>
                           <a:schemeClr val="tx2"/>
@@ -8293,14 +8230,6 @@
                     <a:lstStyle/>
                     <a:p>
                       <a:pPr latinLnBrk="1"/>
-                      <a:r>
-                        <a:rPr lang="en-US" altLang="ko-KR" sz="800" dirty="0" smtClean="0">
-                          <a:solidFill>
-                            <a:schemeClr val="tx2"/>
-                          </a:solidFill>
-                        </a:rPr>
-                        <a:t>15</a:t>
-                      </a:r>
                       <a:endParaRPr lang="ko-KR" altLang="en-US" sz="800" dirty="0">
                         <a:solidFill>
                           <a:schemeClr val="tx2"/>
@@ -8316,14 +8245,6 @@
                     <a:lstStyle/>
                     <a:p>
                       <a:pPr latinLnBrk="1"/>
-                      <a:r>
-                        <a:rPr lang="en-US" altLang="ko-KR" sz="800" dirty="0" smtClean="0">
-                          <a:solidFill>
-                            <a:schemeClr val="tx2"/>
-                          </a:solidFill>
-                        </a:rPr>
-                        <a:t>16</a:t>
-                      </a:r>
                       <a:endParaRPr lang="ko-KR" altLang="en-US" sz="800" dirty="0">
                         <a:solidFill>
                           <a:schemeClr val="tx2"/>
@@ -8338,6 +8259,166 @@
           </a:graphicData>
         </a:graphic>
       </p:graphicFrame>
+      <p:sp>
+        <p:nvSpPr>
+          <p:cNvPr id="11" name="타원 10"/>
+          <p:cNvSpPr/>
+          <p:nvPr/>
+        </p:nvSpPr>
+        <p:spPr>
+          <a:xfrm>
+            <a:off x="3730240" y="2132856"/>
+            <a:ext cx="100645" cy="108012"/>
+          </a:xfrm>
+          <a:prstGeom prst="ellipse">
+            <a:avLst/>
+          </a:prstGeom>
+        </p:spPr>
+        <p:style>
+          <a:lnRef idx="2">
+            <a:schemeClr val="accent1">
+              <a:shade val="50000"/>
+            </a:schemeClr>
+          </a:lnRef>
+          <a:fillRef idx="1">
+            <a:schemeClr val="accent1"/>
+          </a:fillRef>
+          <a:effectRef idx="0">
+            <a:schemeClr val="accent1"/>
+          </a:effectRef>
+          <a:fontRef idx="minor">
+            <a:schemeClr val="lt1"/>
+          </a:fontRef>
+        </p:style>
+        <p:txBody>
+          <a:bodyPr rtlCol="0" anchor="ctr"/>
+          <a:lstStyle/>
+          <a:p>
+            <a:pPr algn="ctr"/>
+            <a:endParaRPr lang="ko-KR" altLang="en-US"/>
+          </a:p>
+        </p:txBody>
+      </p:sp>
+      <p:sp>
+        <p:nvSpPr>
+          <p:cNvPr id="12" name="순서도: 추출 11"/>
+          <p:cNvSpPr/>
+          <p:nvPr/>
+        </p:nvSpPr>
+        <p:spPr>
+          <a:xfrm>
+            <a:off x="4932725" y="2132856"/>
+            <a:ext cx="105054" cy="94134"/>
+          </a:xfrm>
+          <a:prstGeom prst="flowChartExtract">
+            <a:avLst/>
+          </a:prstGeom>
+        </p:spPr>
+        <p:style>
+          <a:lnRef idx="2">
+            <a:schemeClr val="accent1">
+              <a:shade val="50000"/>
+            </a:schemeClr>
+          </a:lnRef>
+          <a:fillRef idx="1">
+            <a:schemeClr val="accent1"/>
+          </a:fillRef>
+          <a:effectRef idx="0">
+            <a:schemeClr val="accent1"/>
+          </a:effectRef>
+          <a:fontRef idx="minor">
+            <a:schemeClr val="lt1"/>
+          </a:fontRef>
+        </p:style>
+        <p:txBody>
+          <a:bodyPr rtlCol="0" anchor="ctr"/>
+          <a:lstStyle/>
+          <a:p>
+            <a:pPr algn="ctr"/>
+            <a:endParaRPr lang="ko-KR" altLang="en-US"/>
+          </a:p>
+        </p:txBody>
+      </p:sp>
+      <p:sp>
+        <p:nvSpPr>
+          <p:cNvPr id="13" name="타원 12"/>
+          <p:cNvSpPr/>
+          <p:nvPr/>
+        </p:nvSpPr>
+        <p:spPr>
+          <a:xfrm>
+            <a:off x="1043608" y="476672"/>
+            <a:ext cx="100645" cy="108012"/>
+          </a:xfrm>
+          <a:prstGeom prst="ellipse">
+            <a:avLst/>
+          </a:prstGeom>
+        </p:spPr>
+        <p:style>
+          <a:lnRef idx="2">
+            <a:schemeClr val="accent1">
+              <a:shade val="50000"/>
+            </a:schemeClr>
+          </a:lnRef>
+          <a:fillRef idx="1">
+            <a:schemeClr val="accent1"/>
+          </a:fillRef>
+          <a:effectRef idx="0">
+            <a:schemeClr val="accent1"/>
+          </a:effectRef>
+          <a:fontRef idx="minor">
+            <a:schemeClr val="lt1"/>
+          </a:fontRef>
+        </p:style>
+        <p:txBody>
+          <a:bodyPr rtlCol="0" anchor="ctr"/>
+          <a:lstStyle/>
+          <a:p>
+            <a:pPr algn="ctr"/>
+            <a:endParaRPr lang="ko-KR" altLang="en-US"/>
+          </a:p>
+        </p:txBody>
+      </p:sp>
+      <p:sp>
+        <p:nvSpPr>
+          <p:cNvPr id="14" name="순서도: 추출 13"/>
+          <p:cNvSpPr/>
+          <p:nvPr/>
+        </p:nvSpPr>
+        <p:spPr>
+          <a:xfrm>
+            <a:off x="1331640" y="476672"/>
+            <a:ext cx="105054" cy="94134"/>
+          </a:xfrm>
+          <a:prstGeom prst="flowChartExtract">
+            <a:avLst/>
+          </a:prstGeom>
+        </p:spPr>
+        <p:style>
+          <a:lnRef idx="2">
+            <a:schemeClr val="accent1">
+              <a:shade val="50000"/>
+            </a:schemeClr>
+          </a:lnRef>
+          <a:fillRef idx="1">
+            <a:schemeClr val="accent1"/>
+          </a:fillRef>
+          <a:effectRef idx="0">
+            <a:schemeClr val="accent1"/>
+          </a:effectRef>
+          <a:fontRef idx="minor">
+            <a:schemeClr val="lt1"/>
+          </a:fontRef>
+        </p:style>
+        <p:txBody>
+          <a:bodyPr rtlCol="0" anchor="ctr"/>
+          <a:lstStyle/>
+          <a:p>
+            <a:pPr algn="ctr"/>
+            <a:endParaRPr lang="ko-KR" altLang="en-US"/>
+          </a:p>
+        </p:txBody>
+      </p:sp>
     </p:spTree>
     <p:extLst>
       <p:ext uri="{BB962C8B-B14F-4D97-AF65-F5344CB8AC3E}">

--- a/Monthly Plan.pptx
+++ b/Monthly Plan.pptx
@@ -194,7 +194,7 @@
           <a:p>
             <a:fld id="{E1E76E78-0C2A-445E-B35D-3ADF0836B2B3}" type="datetimeFigureOut">
               <a:rPr lang="ko-KR" altLang="en-US" smtClean="0"/>
-              <a:t>2018-05-03</a:t>
+              <a:t>2018-05-09</a:t>
             </a:fld>
             <a:endParaRPr lang="ko-KR" altLang="en-US"/>
           </a:p>
@@ -727,7 +727,7 @@
           <a:p>
             <a:fld id="{48C2848A-6F74-48C5-A4CD-91F929EC3187}" type="datetimeFigureOut">
               <a:rPr lang="ko-KR" altLang="en-US" smtClean="0"/>
-              <a:t>2018-05-03</a:t>
+              <a:t>2018-05-09</a:t>
             </a:fld>
             <a:endParaRPr lang="ko-KR" altLang="en-US"/>
           </a:p>
@@ -897,7 +897,7 @@
           <a:p>
             <a:fld id="{48C2848A-6F74-48C5-A4CD-91F929EC3187}" type="datetimeFigureOut">
               <a:rPr lang="ko-KR" altLang="en-US" smtClean="0"/>
-              <a:t>2018-05-03</a:t>
+              <a:t>2018-05-09</a:t>
             </a:fld>
             <a:endParaRPr lang="ko-KR" altLang="en-US"/>
           </a:p>
@@ -1077,7 +1077,7 @@
           <a:p>
             <a:fld id="{48C2848A-6F74-48C5-A4CD-91F929EC3187}" type="datetimeFigureOut">
               <a:rPr lang="ko-KR" altLang="en-US" smtClean="0"/>
-              <a:t>2018-05-03</a:t>
+              <a:t>2018-05-09</a:t>
             </a:fld>
             <a:endParaRPr lang="ko-KR" altLang="en-US"/>
           </a:p>
@@ -1247,7 +1247,7 @@
           <a:p>
             <a:fld id="{48C2848A-6F74-48C5-A4CD-91F929EC3187}" type="datetimeFigureOut">
               <a:rPr lang="ko-KR" altLang="en-US" smtClean="0"/>
-              <a:t>2018-05-03</a:t>
+              <a:t>2018-05-09</a:t>
             </a:fld>
             <a:endParaRPr lang="ko-KR" altLang="en-US"/>
           </a:p>
@@ -1493,7 +1493,7 @@
           <a:p>
             <a:fld id="{48C2848A-6F74-48C5-A4CD-91F929EC3187}" type="datetimeFigureOut">
               <a:rPr lang="ko-KR" altLang="en-US" smtClean="0"/>
-              <a:t>2018-05-03</a:t>
+              <a:t>2018-05-09</a:t>
             </a:fld>
             <a:endParaRPr lang="ko-KR" altLang="en-US"/>
           </a:p>
@@ -1781,7 +1781,7 @@
           <a:p>
             <a:fld id="{48C2848A-6F74-48C5-A4CD-91F929EC3187}" type="datetimeFigureOut">
               <a:rPr lang="ko-KR" altLang="en-US" smtClean="0"/>
-              <a:t>2018-05-03</a:t>
+              <a:t>2018-05-09</a:t>
             </a:fld>
             <a:endParaRPr lang="ko-KR" altLang="en-US"/>
           </a:p>
@@ -2203,7 +2203,7 @@
           <a:p>
             <a:fld id="{48C2848A-6F74-48C5-A4CD-91F929EC3187}" type="datetimeFigureOut">
               <a:rPr lang="ko-KR" altLang="en-US" smtClean="0"/>
-              <a:t>2018-05-03</a:t>
+              <a:t>2018-05-09</a:t>
             </a:fld>
             <a:endParaRPr lang="ko-KR" altLang="en-US"/>
           </a:p>
@@ -2321,7 +2321,7 @@
           <a:p>
             <a:fld id="{48C2848A-6F74-48C5-A4CD-91F929EC3187}" type="datetimeFigureOut">
               <a:rPr lang="ko-KR" altLang="en-US" smtClean="0"/>
-              <a:t>2018-05-03</a:t>
+              <a:t>2018-05-09</a:t>
             </a:fld>
             <a:endParaRPr lang="ko-KR" altLang="en-US"/>
           </a:p>
@@ -2416,7 +2416,7 @@
           <a:p>
             <a:fld id="{48C2848A-6F74-48C5-A4CD-91F929EC3187}" type="datetimeFigureOut">
               <a:rPr lang="ko-KR" altLang="en-US" smtClean="0"/>
-              <a:t>2018-05-03</a:t>
+              <a:t>2018-05-09</a:t>
             </a:fld>
             <a:endParaRPr lang="ko-KR" altLang="en-US"/>
           </a:p>
@@ -2693,7 +2693,7 @@
           <a:p>
             <a:fld id="{48C2848A-6F74-48C5-A4CD-91F929EC3187}" type="datetimeFigureOut">
               <a:rPr lang="ko-KR" altLang="en-US" smtClean="0"/>
-              <a:t>2018-05-03</a:t>
+              <a:t>2018-05-09</a:t>
             </a:fld>
             <a:endParaRPr lang="ko-KR" altLang="en-US"/>
           </a:p>
@@ -2946,7 +2946,7 @@
           <a:p>
             <a:fld id="{48C2848A-6F74-48C5-A4CD-91F929EC3187}" type="datetimeFigureOut">
               <a:rPr lang="ko-KR" altLang="en-US" smtClean="0"/>
-              <a:t>2018-05-03</a:t>
+              <a:t>2018-05-09</a:t>
             </a:fld>
             <a:endParaRPr lang="ko-KR" altLang="en-US"/>
           </a:p>
@@ -3159,7 +3159,7 @@
           <a:p>
             <a:fld id="{48C2848A-6F74-48C5-A4CD-91F929EC3187}" type="datetimeFigureOut">
               <a:rPr lang="ko-KR" altLang="en-US" smtClean="0"/>
-              <a:t>2018-05-03</a:t>
+              <a:t>2018-05-09</a:t>
             </a:fld>
             <a:endParaRPr lang="ko-KR" altLang="en-US"/>
           </a:p>
@@ -4579,14 +4579,14 @@
             <p:ph idx="1"/>
             <p:extLst>
               <p:ext uri="{D42A27DB-BD31-4B8C-83A1-F6EECF244321}">
-                <p14:modId xmlns:p14="http://schemas.microsoft.com/office/powerpoint/2010/main" val="3379578358"/>
+                <p14:modId xmlns:p14="http://schemas.microsoft.com/office/powerpoint/2010/main" val="3178921230"/>
               </p:ext>
             </p:extLst>
           </p:nvPr>
         </p:nvGraphicFramePr>
         <p:xfrm>
           <a:off x="457200" y="836712"/>
-          <a:ext cx="8229599" cy="5112568"/>
+          <a:ext cx="8229599" cy="5234488"/>
         </p:xfrm>
         <a:graphic>
           <a:graphicData uri="http://schemas.openxmlformats.org/drawingml/2006/table">
@@ -4909,16 +4909,19 @@
                             </a:schemeClr>
                           </a:solidFill>
                         </a:rPr>
-                        <a:t> Section 66 ~ 68</a:t>
-                      </a:r>
-                      <a:endParaRPr lang="ko-KR" altLang="en-US" sz="800" dirty="0">
-                        <a:solidFill>
-                          <a:schemeClr val="tx2">
-                            <a:lumMod val="40000"/>
-                            <a:lumOff val="60000"/>
-                          </a:schemeClr>
-                        </a:solidFill>
-                      </a:endParaRPr>
+                        <a:t> Section 66 ~ </a:t>
+                      </a:r>
+                      <a:r>
+                        <a:rPr lang="en-US" altLang="ko-KR" sz="800" baseline="0" dirty="0" smtClean="0">
+                          <a:solidFill>
+                            <a:schemeClr val="tx2">
+                              <a:lumMod val="40000"/>
+                              <a:lumOff val="60000"/>
+                            </a:schemeClr>
+                          </a:solidFill>
+                        </a:rPr>
+                        <a:t>68</a:t>
+                      </a:r>
                     </a:p>
                   </a:txBody>
                   <a:tcPr/>
@@ -5726,17 +5729,17 @@
                     </a:p>
                     <a:p>
                       <a:pPr latinLnBrk="1"/>
-                      <a:r>
-                        <a:rPr lang="en-US" altLang="ko-KR" sz="800" dirty="0" smtClean="0">
-                          <a:solidFill>
-                            <a:schemeClr val="tx2">
-                              <a:lumMod val="40000"/>
-                              <a:lumOff val="60000"/>
-                            </a:schemeClr>
-                          </a:solidFill>
-                        </a:rPr>
-                        <a:t>Visual Studio Code + </a:t>
-                      </a:r>
+                      <a:endParaRPr lang="en-US" altLang="ko-KR" sz="800" dirty="0" smtClean="0">
+                        <a:solidFill>
+                          <a:schemeClr val="tx2">
+                            <a:lumMod val="40000"/>
+                            <a:lumOff val="60000"/>
+                          </a:schemeClr>
+                        </a:solidFill>
+                      </a:endParaRPr>
+                    </a:p>
+                    <a:p>
+                      <a:pPr latinLnBrk="1"/>
                       <a:r>
                         <a:rPr lang="en-US" altLang="ko-KR" sz="800" dirty="0" err="1" smtClean="0">
                           <a:solidFill>
@@ -5796,28 +5799,6 @@
                         <a:tabLst/>
                         <a:defRPr/>
                       </a:pPr>
-                      <a:r>
-                        <a:rPr lang="en-US" altLang="ko-KR" sz="800" dirty="0" smtClean="0">
-                          <a:solidFill>
-                            <a:schemeClr val="tx2">
-                              <a:lumMod val="40000"/>
-                              <a:lumOff val="60000"/>
-                            </a:schemeClr>
-                          </a:solidFill>
-                        </a:rPr>
-                        <a:t>Visual Studio Code + </a:t>
-                      </a:r>
-                      <a:r>
-                        <a:rPr lang="en-US" altLang="ko-KR" sz="800" dirty="0" err="1" smtClean="0">
-                          <a:solidFill>
-                            <a:schemeClr val="tx2">
-                              <a:lumMod val="40000"/>
-                              <a:lumOff val="60000"/>
-                            </a:schemeClr>
-                          </a:solidFill>
-                        </a:rPr>
-                        <a:t>Laravel</a:t>
-                      </a:r>
                       <a:endParaRPr lang="en-US" altLang="ko-KR" sz="800" dirty="0" smtClean="0">
                         <a:solidFill>
                           <a:schemeClr val="tx2">
@@ -5826,27 +5807,6 @@
                           </a:schemeClr>
                         </a:solidFill>
                       </a:endParaRPr>
-                    </a:p>
-                  </a:txBody>
-                  <a:tcPr/>
-                </a:tc>
-                <a:tc>
-                  <a:txBody>
-                    <a:bodyPr/>
-                    <a:lstStyle/>
-                    <a:p>
-                      <a:pPr latinLnBrk="1"/>
-                      <a:r>
-                        <a:rPr lang="en-US" altLang="ko-KR" sz="800" dirty="0" smtClean="0">
-                          <a:solidFill>
-                            <a:schemeClr val="tx2">
-                              <a:lumMod val="40000"/>
-                              <a:lumOff val="60000"/>
-                            </a:schemeClr>
-                          </a:solidFill>
-                        </a:rPr>
-                        <a:t>10</a:t>
-                      </a:r>
                     </a:p>
                     <a:p>
                       <a:pPr marL="0" marR="0" indent="0" algn="l" defTabSz="914400" rtl="0" eaLnBrk="1" fontAlgn="auto" latinLnBrk="1" hangingPunct="1">
@@ -5867,17 +5827,6 @@
                         <a:defRPr/>
                       </a:pPr>
                       <a:r>
-                        <a:rPr lang="en-US" altLang="ko-KR" sz="800" dirty="0" smtClean="0">
-                          <a:solidFill>
-                            <a:schemeClr val="tx2">
-                              <a:lumMod val="40000"/>
-                              <a:lumOff val="60000"/>
-                            </a:schemeClr>
-                          </a:solidFill>
-                        </a:rPr>
-                        <a:t>Visual Studio Code + </a:t>
-                      </a:r>
-                      <a:r>
                         <a:rPr lang="en-US" altLang="ko-KR" sz="800" dirty="0" err="1" smtClean="0">
                           <a:solidFill>
                             <a:schemeClr val="tx2">
@@ -5915,8 +5864,73 @@
                             </a:schemeClr>
                           </a:solidFill>
                         </a:rPr>
+                        <a:t>10</a:t>
+                      </a:r>
+                    </a:p>
+                    <a:p>
+                      <a:pPr latinLnBrk="1"/>
+                      <a:endParaRPr lang="en-US" altLang="ko-KR" sz="800" dirty="0" smtClean="0">
+                        <a:solidFill>
+                          <a:schemeClr val="tx2">
+                            <a:lumMod val="40000"/>
+                            <a:lumOff val="60000"/>
+                          </a:schemeClr>
+                        </a:solidFill>
+                      </a:endParaRPr>
+                    </a:p>
+                    <a:p>
+                      <a:pPr latinLnBrk="1"/>
+                      <a:r>
+                        <a:rPr lang="en-US" altLang="ko-KR" sz="800" dirty="0" err="1" smtClean="0">
+                          <a:solidFill>
+                            <a:schemeClr val="tx2">
+                              <a:lumMod val="40000"/>
+                              <a:lumOff val="60000"/>
+                            </a:schemeClr>
+                          </a:solidFill>
+                        </a:rPr>
+                        <a:t>Laravel</a:t>
+                      </a:r>
+                      <a:endParaRPr lang="en-US" altLang="ko-KR" sz="800" dirty="0" smtClean="0">
+                        <a:solidFill>
+                          <a:schemeClr val="tx2">
+                            <a:lumMod val="40000"/>
+                            <a:lumOff val="60000"/>
+                          </a:schemeClr>
+                        </a:solidFill>
+                      </a:endParaRPr>
+                    </a:p>
+                  </a:txBody>
+                  <a:tcPr/>
+                </a:tc>
+                <a:tc>
+                  <a:txBody>
+                    <a:bodyPr/>
+                    <a:lstStyle/>
+                    <a:p>
+                      <a:pPr latinLnBrk="1"/>
+                      <a:r>
+                        <a:rPr lang="en-US" altLang="ko-KR" sz="800" dirty="0" smtClean="0">
+                          <a:solidFill>
+                            <a:schemeClr val="tx2">
+                              <a:lumMod val="40000"/>
+                              <a:lumOff val="60000"/>
+                            </a:schemeClr>
+                          </a:solidFill>
+                        </a:rPr>
                         <a:t>11</a:t>
                       </a:r>
+                    </a:p>
+                    <a:p>
+                      <a:pPr latinLnBrk="1"/>
+                      <a:endParaRPr lang="en-US" altLang="ko-KR" sz="800" dirty="0" smtClean="0">
+                        <a:solidFill>
+                          <a:schemeClr val="tx2">
+                            <a:lumMod val="40000"/>
+                            <a:lumOff val="60000"/>
+                          </a:schemeClr>
+                        </a:solidFill>
+                      </a:endParaRPr>
                     </a:p>
                     <a:p>
                       <a:pPr marL="0" marR="0" indent="0" algn="l" defTabSz="914400" rtl="0" eaLnBrk="1" fontAlgn="auto" latinLnBrk="1" hangingPunct="1">
@@ -5937,26 +5951,15 @@
                         <a:defRPr/>
                       </a:pPr>
                       <a:r>
-                        <a:rPr lang="en-US" altLang="ko-KR" sz="800" dirty="0" smtClean="0">
-                          <a:solidFill>
-                            <a:schemeClr val="tx2">
-                              <a:lumMod val="40000"/>
-                              <a:lumOff val="60000"/>
-                            </a:schemeClr>
-                          </a:solidFill>
-                        </a:rPr>
-                        <a:t>Visual Studio Code + </a:t>
-                      </a:r>
-                      <a:r>
-                        <a:rPr lang="en-US" altLang="ko-KR" sz="800" dirty="0" err="1" smtClean="0">
-                          <a:solidFill>
-                            <a:schemeClr val="tx2">
-                              <a:lumMod val="40000"/>
-                              <a:lumOff val="60000"/>
-                            </a:schemeClr>
-                          </a:solidFill>
-                        </a:rPr>
-                        <a:t>Laravel</a:t>
+                        <a:rPr lang="ko-KR" altLang="en-US" sz="800" dirty="0" smtClean="0">
+                          <a:solidFill>
+                            <a:schemeClr val="tx2">
+                              <a:lumMod val="40000"/>
+                              <a:lumOff val="60000"/>
+                            </a:schemeClr>
+                          </a:solidFill>
+                        </a:rPr>
+                        <a:t>국립중앙도서관 방문</a:t>
                       </a:r>
                       <a:endParaRPr lang="en-US" altLang="ko-KR" sz="800" dirty="0" smtClean="0">
                         <a:solidFill>
@@ -5966,27 +5969,6 @@
                           </a:schemeClr>
                         </a:solidFill>
                       </a:endParaRPr>
-                    </a:p>
-                  </a:txBody>
-                  <a:tcPr/>
-                </a:tc>
-                <a:tc>
-                  <a:txBody>
-                    <a:bodyPr/>
-                    <a:lstStyle/>
-                    <a:p>
-                      <a:pPr latinLnBrk="1"/>
-                      <a:r>
-                        <a:rPr lang="en-US" altLang="ko-KR" sz="800" dirty="0" smtClean="0">
-                          <a:solidFill>
-                            <a:schemeClr val="tx2">
-                              <a:lumMod val="40000"/>
-                              <a:lumOff val="60000"/>
-                            </a:schemeClr>
-                          </a:solidFill>
-                        </a:rPr>
-                        <a:t>12</a:t>
-                      </a:r>
                     </a:p>
                     <a:p>
                       <a:pPr marL="0" marR="0" indent="0" algn="l" defTabSz="914400" rtl="0" eaLnBrk="1" fontAlgn="auto" latinLnBrk="1" hangingPunct="1">
@@ -6007,6 +5989,46 @@
                         <a:defRPr/>
                       </a:pPr>
                       <a:r>
+                        <a:rPr lang="en-US" altLang="ko-KR" sz="800" dirty="0" err="1" smtClean="0">
+                          <a:solidFill>
+                            <a:schemeClr val="tx2">
+                              <a:lumMod val="40000"/>
+                              <a:lumOff val="60000"/>
+                            </a:schemeClr>
+                          </a:solidFill>
+                        </a:rPr>
+                        <a:t>Laravel</a:t>
+                      </a:r>
+                      <a:endParaRPr lang="en-US" altLang="ko-KR" sz="800" dirty="0" smtClean="0">
+                        <a:solidFill>
+                          <a:schemeClr val="tx2">
+                            <a:lumMod val="40000"/>
+                            <a:lumOff val="60000"/>
+                          </a:schemeClr>
+                        </a:solidFill>
+                      </a:endParaRPr>
+                    </a:p>
+                    <a:p>
+                      <a:pPr latinLnBrk="1"/>
+                      <a:endParaRPr lang="en-US" altLang="ko-KR" sz="800" dirty="0" smtClean="0">
+                        <a:solidFill>
+                          <a:schemeClr val="tx2">
+                            <a:lumMod val="40000"/>
+                            <a:lumOff val="60000"/>
+                          </a:schemeClr>
+                        </a:solidFill>
+                      </a:endParaRPr>
+                    </a:p>
+                  </a:txBody>
+                  <a:tcPr/>
+                </a:tc>
+                <a:tc>
+                  <a:txBody>
+                    <a:bodyPr/>
+                    <a:lstStyle/>
+                    <a:p>
+                      <a:pPr latinLnBrk="1"/>
+                      <a:r>
                         <a:rPr lang="en-US" altLang="ko-KR" sz="800" dirty="0" smtClean="0">
                           <a:solidFill>
                             <a:schemeClr val="tx2">
@@ -6015,29 +6037,32 @@
                             </a:schemeClr>
                           </a:solidFill>
                         </a:rPr>
-                        <a:t>Visual Studio Code + </a:t>
-                      </a:r>
-                      <a:r>
-                        <a:rPr lang="en-US" altLang="ko-KR" sz="800" dirty="0" err="1" smtClean="0">
-                          <a:solidFill>
-                            <a:schemeClr val="tx2">
-                              <a:lumMod val="40000"/>
-                              <a:lumOff val="60000"/>
-                            </a:schemeClr>
-                          </a:solidFill>
-                        </a:rPr>
-                        <a:t>Laravel</a:t>
-                      </a:r>
-                      <a:r>
-                        <a:rPr lang="en-US" altLang="ko-KR" sz="800" dirty="0" smtClean="0">
-                          <a:solidFill>
-                            <a:schemeClr val="tx2">
-                              <a:lumMod val="40000"/>
-                              <a:lumOff val="60000"/>
-                            </a:schemeClr>
-                          </a:solidFill>
-                        </a:rPr>
-                        <a:t> + </a:t>
+                        <a:t>12</a:t>
+                      </a:r>
+                    </a:p>
+                    <a:p>
+                      <a:pPr latinLnBrk="1"/>
+                      <a:endParaRPr lang="en-US" altLang="ko-KR" sz="800" dirty="0" smtClean="0">
+                        <a:solidFill>
+                          <a:schemeClr val="tx2">
+                            <a:lumMod val="40000"/>
+                            <a:lumOff val="60000"/>
+                          </a:schemeClr>
+                        </a:solidFill>
+                      </a:endParaRPr>
+                    </a:p>
+                    <a:p>
+                      <a:pPr latinLnBrk="1"/>
+                      <a:r>
+                        <a:rPr lang="ko-KR" altLang="en-US" sz="800" dirty="0" err="1" smtClean="0">
+                          <a:solidFill>
+                            <a:schemeClr val="tx2">
+                              <a:lumMod val="40000"/>
+                              <a:lumOff val="60000"/>
+                            </a:schemeClr>
+                          </a:solidFill>
+                        </a:rPr>
+                        <a:t>그로스</a:t>
                       </a:r>
                       <a:r>
                         <a:rPr lang="ko-KR" altLang="en-US" sz="800" dirty="0" smtClean="0">
@@ -6048,7 +6073,7 @@
                             </a:schemeClr>
                           </a:solidFill>
                         </a:rPr>
-                        <a:t>독서</a:t>
+                        <a:t> 해킹</a:t>
                       </a:r>
                       <a:endParaRPr lang="en-US" altLang="ko-KR" sz="800" dirty="0" smtClean="0">
                         <a:solidFill>
@@ -6095,17 +6120,6 @@
                     </a:p>
                     <a:p>
                       <a:pPr latinLnBrk="1"/>
-                      <a:endParaRPr lang="en-US" altLang="ko-KR" sz="800" dirty="0" smtClean="0">
-                        <a:solidFill>
-                          <a:schemeClr val="tx2">
-                            <a:lumMod val="40000"/>
-                            <a:lumOff val="60000"/>
-                          </a:schemeClr>
-                        </a:solidFill>
-                      </a:endParaRPr>
-                    </a:p>
-                    <a:p>
-                      <a:pPr latinLnBrk="1"/>
                       <a:r>
                         <a:rPr lang="ko-KR" altLang="en-US" sz="800" dirty="0" smtClean="0">
                           <a:solidFill>
@@ -6171,207 +6185,47 @@
                     </a:p>
                     <a:p>
                       <a:pPr latinLnBrk="1"/>
-                      <a:r>
-                        <a:rPr lang="ko-KR" altLang="en-US" sz="800" dirty="0" smtClean="0">
-                          <a:solidFill>
-                            <a:schemeClr val="tx2">
-                              <a:lumMod val="40000"/>
-                              <a:lumOff val="60000"/>
-                            </a:schemeClr>
-                          </a:solidFill>
-                        </a:rPr>
-                        <a:t>복습 </a:t>
-                      </a:r>
-                      <a:r>
-                        <a:rPr lang="en-US" altLang="ko-KR" sz="800" dirty="0" smtClean="0">
-                          <a:solidFill>
-                            <a:schemeClr val="tx2">
-                              <a:lumMod val="40000"/>
-                              <a:lumOff val="60000"/>
-                            </a:schemeClr>
-                          </a:solidFill>
-                        </a:rPr>
-                        <a:t>+ </a:t>
-                      </a:r>
-                    </a:p>
-                    <a:p>
-                      <a:pPr latinLnBrk="1"/>
-                      <a:r>
-                        <a:rPr lang="ko-KR" altLang="en-US" sz="800" b="1" dirty="0" smtClean="0">
-                          <a:solidFill>
-                            <a:srgbClr val="00B0F0"/>
-                          </a:solidFill>
-                        </a:rPr>
-                        <a:t>엔젤투자동향</a:t>
-                      </a:r>
-                      <a:endParaRPr lang="en-US" altLang="ko-KR" sz="800" b="1" dirty="0" smtClean="0">
-                        <a:solidFill>
-                          <a:srgbClr val="00B0F0"/>
-                        </a:solidFill>
-                      </a:endParaRPr>
-                    </a:p>
-                    <a:p>
-                      <a:pPr latinLnBrk="1"/>
-                      <a:r>
-                        <a:rPr lang="ko-KR" altLang="en-US" sz="800" b="1" dirty="0" smtClean="0">
-                          <a:solidFill>
-                            <a:srgbClr val="00B0F0"/>
-                          </a:solidFill>
-                        </a:rPr>
-                        <a:t>세미나 </a:t>
-                      </a:r>
-                      <a:r>
-                        <a:rPr lang="en-US" altLang="ko-KR" sz="800" b="1" dirty="0" smtClean="0">
-                          <a:solidFill>
-                            <a:srgbClr val="00B0F0"/>
-                          </a:solidFill>
-                        </a:rPr>
-                        <a:t>17</a:t>
-                      </a:r>
-                      <a:r>
-                        <a:rPr lang="ko-KR" altLang="en-US" sz="800" b="1" dirty="0" smtClean="0">
-                          <a:solidFill>
-                            <a:srgbClr val="00B0F0"/>
-                          </a:solidFill>
-                        </a:rPr>
-                        <a:t>시</a:t>
-                      </a:r>
-                      <a:r>
-                        <a:rPr lang="en-US" altLang="ko-KR" sz="800" b="1" dirty="0" smtClean="0">
-                          <a:solidFill>
-                            <a:srgbClr val="00B0F0"/>
-                          </a:solidFill>
-                        </a:rPr>
-                        <a:t>~20</a:t>
-                      </a:r>
-                      <a:r>
-                        <a:rPr lang="ko-KR" altLang="en-US" sz="800" b="1" dirty="0" smtClean="0">
-                          <a:solidFill>
-                            <a:srgbClr val="00B0F0"/>
-                          </a:solidFill>
-                        </a:rPr>
-                        <a:t>시</a:t>
-                      </a:r>
-                      <a:endParaRPr lang="en-US" altLang="ko-KR" sz="800" b="1" dirty="0" smtClean="0">
-                        <a:solidFill>
-                          <a:srgbClr val="00B0F0"/>
-                        </a:solidFill>
-                      </a:endParaRPr>
-                    </a:p>
-                    <a:p>
-                      <a:pPr latinLnBrk="1"/>
-                      <a:r>
-                        <a:rPr lang="ko-KR" altLang="en-US" sz="800" b="0" i="0" kern="1200" dirty="0" smtClean="0">
-                          <a:solidFill>
-                            <a:schemeClr val="accent1"/>
+                      <a:endParaRPr lang="en-US" altLang="ko-KR" sz="800" b="0" i="0" kern="1200" dirty="0" smtClean="0">
+                        <a:solidFill>
+                          <a:schemeClr val="tx2">
+                            <a:lumMod val="40000"/>
+                            <a:lumOff val="60000"/>
+                          </a:schemeClr>
+                        </a:solidFill>
+                        <a:effectLst/>
+                        <a:latin typeface="+mn-lt"/>
+                        <a:ea typeface="+mn-ea"/>
+                        <a:cs typeface="+mn-cs"/>
+                      </a:endParaRPr>
+                    </a:p>
+                    <a:p>
+                      <a:pPr latinLnBrk="1"/>
+                      <a:r>
+                        <a:rPr lang="en-US" altLang="ko-KR" sz="800" b="0" i="0" kern="1200" dirty="0" err="1" smtClean="0">
+                          <a:solidFill>
+                            <a:schemeClr val="tx2">
+                              <a:lumMod val="40000"/>
+                              <a:lumOff val="60000"/>
+                            </a:schemeClr>
                           </a:solidFill>
                           <a:effectLst/>
                           <a:latin typeface="+mn-lt"/>
                           <a:ea typeface="+mn-ea"/>
                           <a:cs typeface="+mn-cs"/>
                         </a:rPr>
-                        <a:t>역삼동 </a:t>
-                      </a:r>
-                      <a:r>
-                        <a:rPr lang="ko-KR" altLang="en-US" sz="800" b="0" i="0" kern="1200" dirty="0" err="1" smtClean="0">
-                          <a:solidFill>
-                            <a:schemeClr val="accent1"/>
-                          </a:solidFill>
-                          <a:effectLst/>
-                          <a:latin typeface="+mn-lt"/>
-                          <a:ea typeface="+mn-ea"/>
-                          <a:cs typeface="+mn-cs"/>
-                        </a:rPr>
-                        <a:t>팁스타운</a:t>
-                      </a:r>
-                      <a:r>
-                        <a:rPr lang="ko-KR" altLang="en-US" sz="800" b="0" i="0" kern="1200" dirty="0" smtClean="0">
-                          <a:solidFill>
-                            <a:schemeClr val="accent1"/>
-                          </a:solidFill>
-                          <a:effectLst/>
-                          <a:latin typeface="+mn-lt"/>
-                          <a:ea typeface="+mn-ea"/>
-                          <a:cs typeface="+mn-cs"/>
-                        </a:rPr>
-                        <a:t> </a:t>
-                      </a:r>
-                      <a:r>
-                        <a:rPr lang="en-US" altLang="ko-KR" sz="800" b="0" i="0" kern="1200" dirty="0" smtClean="0">
-                          <a:solidFill>
-                            <a:schemeClr val="accent1"/>
-                          </a:solidFill>
-                          <a:effectLst/>
-                          <a:latin typeface="+mn-lt"/>
-                          <a:ea typeface="+mn-ea"/>
-                          <a:cs typeface="+mn-cs"/>
-                        </a:rPr>
-                        <a:t>B1 (</a:t>
-                      </a:r>
-                      <a:r>
-                        <a:rPr lang="ko-KR" altLang="en-US" sz="800" b="0" i="0" kern="1200" dirty="0" smtClean="0">
-                          <a:solidFill>
-                            <a:schemeClr val="accent1"/>
-                          </a:solidFill>
-                          <a:effectLst/>
-                          <a:latin typeface="+mn-lt"/>
-                          <a:ea typeface="+mn-ea"/>
-                          <a:cs typeface="+mn-cs"/>
-                        </a:rPr>
-                        <a:t>강남구 </a:t>
-                      </a:r>
-                      <a:r>
-                        <a:rPr lang="ko-KR" altLang="en-US" sz="800" b="0" i="0" kern="1200" dirty="0" err="1" smtClean="0">
-                          <a:solidFill>
-                            <a:schemeClr val="accent1"/>
-                          </a:solidFill>
-                          <a:effectLst/>
-                          <a:latin typeface="+mn-lt"/>
-                          <a:ea typeface="+mn-ea"/>
-                          <a:cs typeface="+mn-cs"/>
-                        </a:rPr>
-                        <a:t>역삼로</a:t>
-                      </a:r>
-                      <a:r>
-                        <a:rPr lang="en-US" altLang="ko-KR" sz="800" b="0" i="0" kern="1200" dirty="0" smtClean="0">
-                          <a:solidFill>
-                            <a:schemeClr val="accent1"/>
-                          </a:solidFill>
-                          <a:effectLst/>
-                          <a:latin typeface="+mn-lt"/>
-                          <a:ea typeface="+mn-ea"/>
-                          <a:cs typeface="+mn-cs"/>
-                        </a:rPr>
-                        <a:t>165 </a:t>
-                      </a:r>
-                      <a:r>
-                        <a:rPr lang="ko-KR" altLang="en-US" sz="800" b="0" i="0" kern="1200" dirty="0" err="1" smtClean="0">
-                          <a:solidFill>
-                            <a:schemeClr val="accent1"/>
-                          </a:solidFill>
-                          <a:effectLst/>
-                          <a:latin typeface="+mn-lt"/>
-                          <a:ea typeface="+mn-ea"/>
-                          <a:cs typeface="+mn-cs"/>
-                        </a:rPr>
-                        <a:t>해성빌딩</a:t>
-                      </a:r>
-                      <a:r>
-                        <a:rPr lang="en-US" altLang="ko-KR" sz="800" b="0" i="0" kern="1200" dirty="0" smtClean="0">
-                          <a:solidFill>
-                            <a:schemeClr val="accent1"/>
-                          </a:solidFill>
-                          <a:effectLst/>
-                          <a:latin typeface="+mn-lt"/>
-                          <a:ea typeface="+mn-ea"/>
-                          <a:cs typeface="+mn-cs"/>
-                        </a:rPr>
-                        <a:t>) </a:t>
-                      </a:r>
-                      <a:endParaRPr lang="ko-KR" altLang="en-US" sz="800" dirty="0">
-                        <a:solidFill>
-                          <a:schemeClr val="accent1"/>
-                        </a:solidFill>
+                        <a:t>Laravel</a:t>
+                      </a:r>
+                      <a:endParaRPr lang="en-US" altLang="ko-KR" sz="800" b="0" i="0" kern="1200" dirty="0" smtClean="0">
+                        <a:solidFill>
+                          <a:schemeClr val="tx2">
+                            <a:lumMod val="40000"/>
+                            <a:lumOff val="60000"/>
+                          </a:schemeClr>
+                        </a:solidFill>
+                        <a:effectLst/>
+                        <a:latin typeface="+mn-lt"/>
+                        <a:ea typeface="+mn-ea"/>
+                        <a:cs typeface="+mn-cs"/>
                       </a:endParaRPr>
                     </a:p>
                   </a:txBody>
@@ -6671,18 +6525,7 @@
                             </a:schemeClr>
                           </a:solidFill>
                         </a:rPr>
-                        <a:t>독서 </a:t>
-                      </a:r>
-                      <a:r>
-                        <a:rPr lang="ko-KR" altLang="en-US" sz="800" dirty="0" smtClean="0">
-                          <a:solidFill>
-                            <a:schemeClr val="tx2">
-                              <a:lumMod val="40000"/>
-                              <a:lumOff val="60000"/>
-                            </a:schemeClr>
-                          </a:solidFill>
-                        </a:rPr>
-                        <a:t>및 복습</a:t>
+                        <a:t>독서 및 복습</a:t>
                       </a:r>
                       <a:endParaRPr lang="en-US" altLang="ko-KR" sz="800" dirty="0" smtClean="0">
                         <a:solidFill>
@@ -6818,18 +6661,7 @@
                             </a:schemeClr>
                           </a:solidFill>
                         </a:rPr>
-                        <a:t>독서 </a:t>
-                      </a:r>
-                      <a:r>
-                        <a:rPr lang="ko-KR" altLang="en-US" sz="800" dirty="0" smtClean="0">
-                          <a:solidFill>
-                            <a:schemeClr val="tx2">
-                              <a:lumMod val="40000"/>
-                              <a:lumOff val="60000"/>
-                            </a:schemeClr>
-                          </a:solidFill>
-                        </a:rPr>
-                        <a:t>및 복습</a:t>
+                        <a:t>독서 및 복습</a:t>
                       </a:r>
                       <a:endParaRPr lang="en-US" altLang="ko-KR" sz="800" dirty="0" smtClean="0">
                         <a:solidFill>
@@ -6965,79 +6797,8 @@
                             </a:schemeClr>
                           </a:solidFill>
                         </a:rPr>
-                        <a:t>독서 및 복습</a:t>
-                      </a:r>
-                      <a:endParaRPr lang="en-US" altLang="ko-KR" sz="800" dirty="0" smtClean="0">
-                        <a:solidFill>
-                          <a:schemeClr val="tx2">
-                            <a:lumMod val="40000"/>
-                            <a:lumOff val="60000"/>
-                          </a:schemeClr>
-                        </a:solidFill>
-                      </a:endParaRPr>
-                    </a:p>
-                    <a:p>
-                      <a:pPr marL="0" marR="0" indent="0" algn="l" defTabSz="914400" rtl="0" eaLnBrk="1" fontAlgn="auto" latinLnBrk="1" hangingPunct="1">
-                        <a:lnSpc>
-                          <a:spcPct val="100000"/>
-                        </a:lnSpc>
-                        <a:spcBef>
-                          <a:spcPts val="0"/>
-                        </a:spcBef>
-                        <a:spcAft>
-                          <a:spcPts val="0"/>
-                        </a:spcAft>
-                        <a:buClrTx/>
-                        <a:buSzTx/>
-                        <a:buFontTx/>
-                        <a:buNone/>
-                        <a:tabLst/>
-                        <a:defRPr/>
-                      </a:pPr>
-                      <a:r>
-                        <a:rPr lang="en-US" altLang="ko-KR" sz="800" dirty="0" smtClean="0">
-                          <a:solidFill>
-                            <a:schemeClr val="tx2">
-                              <a:lumMod val="40000"/>
-                              <a:lumOff val="60000"/>
-                            </a:schemeClr>
-                          </a:solidFill>
-                        </a:rPr>
-                        <a:t>+</a:t>
-                      </a:r>
-                      <a:r>
-                        <a:rPr lang="en-US" altLang="ko-KR" sz="800" baseline="0" dirty="0" smtClean="0">
-                          <a:solidFill>
-                            <a:schemeClr val="tx2">
-                              <a:lumMod val="40000"/>
-                              <a:lumOff val="60000"/>
-                            </a:schemeClr>
-                          </a:solidFill>
-                        </a:rPr>
-                        <a:t> PHP </a:t>
-                      </a:r>
-                      <a:r>
-                        <a:rPr lang="ko-KR" altLang="en-US" sz="800" baseline="0" dirty="0" smtClean="0">
-                          <a:solidFill>
-                            <a:schemeClr val="tx2">
-                              <a:lumMod val="40000"/>
-                              <a:lumOff val="60000"/>
-                            </a:schemeClr>
-                          </a:solidFill>
-                        </a:rPr>
-                        <a:t>책 독학</a:t>
-                      </a:r>
-                      <a:endParaRPr lang="en-US" altLang="ko-KR" sz="800" dirty="0" smtClean="0">
-                        <a:solidFill>
-                          <a:schemeClr val="tx2">
-                            <a:lumMod val="40000"/>
-                            <a:lumOff val="60000"/>
-                          </a:schemeClr>
-                        </a:solidFill>
-                      </a:endParaRPr>
-                    </a:p>
-                    <a:p>
-                      <a:pPr latinLnBrk="1"/>
+                        <a:t>국립중앙도서관 방문</a:t>
+                      </a:r>
                       <a:endParaRPr lang="en-US" altLang="ko-KR" sz="800" dirty="0" smtClean="0">
                         <a:solidFill>
                           <a:schemeClr val="tx2">
@@ -7081,28 +6842,6 @@
                     </a:p>
                     <a:p>
                       <a:pPr latinLnBrk="1"/>
-                      <a:endParaRPr lang="en-US" altLang="ko-KR" sz="800" dirty="0" smtClean="0">
-                        <a:solidFill>
-                          <a:schemeClr val="tx2">
-                            <a:lumMod val="40000"/>
-                            <a:lumOff val="60000"/>
-                          </a:schemeClr>
-                        </a:solidFill>
-                      </a:endParaRPr>
-                    </a:p>
-                    <a:p>
-                      <a:pPr latinLnBrk="1"/>
-                      <a:r>
-                        <a:rPr lang="ko-KR" altLang="en-US" sz="800" dirty="0" smtClean="0">
-                          <a:solidFill>
-                            <a:schemeClr val="tx2">
-                              <a:lumMod val="40000"/>
-                              <a:lumOff val="60000"/>
-                            </a:schemeClr>
-                          </a:solidFill>
-                        </a:rPr>
-                        <a:t>기획 스토리보드</a:t>
-                      </a:r>
                       <a:endParaRPr lang="en-US" altLang="ko-KR" sz="800" dirty="0" smtClean="0">
                         <a:solidFill>
                           <a:schemeClr val="tx2">
@@ -7223,82 +6962,6 @@
                       </a:endParaRPr>
                     </a:p>
                     <a:p>
-                      <a:pPr marL="0" marR="0" indent="0" algn="l" defTabSz="914400" rtl="0" eaLnBrk="1" fontAlgn="auto" latinLnBrk="1" hangingPunct="1">
-                        <a:lnSpc>
-                          <a:spcPct val="100000"/>
-                        </a:lnSpc>
-                        <a:spcBef>
-                          <a:spcPts val="0"/>
-                        </a:spcBef>
-                        <a:spcAft>
-                          <a:spcPts val="0"/>
-                        </a:spcAft>
-                        <a:buClrTx/>
-                        <a:buSzTx/>
-                        <a:buFontTx/>
-                        <a:buNone/>
-                        <a:tabLst/>
-                        <a:defRPr/>
-                      </a:pPr>
-                      <a:r>
-                        <a:rPr lang="ko-KR" altLang="en-US" sz="800" dirty="0" smtClean="0">
-                          <a:solidFill>
-                            <a:schemeClr val="tx2">
-                              <a:lumMod val="40000"/>
-                              <a:lumOff val="60000"/>
-                            </a:schemeClr>
-                          </a:solidFill>
-                        </a:rPr>
-                        <a:t>기획 스토리보드</a:t>
-                      </a:r>
-                      <a:endParaRPr lang="en-US" altLang="ko-KR" sz="800" dirty="0" smtClean="0">
-                        <a:solidFill>
-                          <a:schemeClr val="tx2">
-                            <a:lumMod val="40000"/>
-                            <a:lumOff val="60000"/>
-                          </a:schemeClr>
-                        </a:solidFill>
-                      </a:endParaRPr>
-                    </a:p>
-                    <a:p>
-                      <a:pPr marL="0" marR="0" indent="0" algn="l" defTabSz="914400" rtl="0" eaLnBrk="1" fontAlgn="auto" latinLnBrk="1" hangingPunct="1">
-                        <a:lnSpc>
-                          <a:spcPct val="100000"/>
-                        </a:lnSpc>
-                        <a:spcBef>
-                          <a:spcPts val="0"/>
-                        </a:spcBef>
-                        <a:spcAft>
-                          <a:spcPts val="0"/>
-                        </a:spcAft>
-                        <a:buClrTx/>
-                        <a:buSzTx/>
-                        <a:buFontTx/>
-                        <a:buNone/>
-                        <a:tabLst/>
-                        <a:defRPr/>
-                      </a:pPr>
-                      <a:r>
-                        <a:rPr lang="ko-KR" altLang="en-US" sz="800" dirty="0" smtClean="0">
-                          <a:solidFill>
-                            <a:schemeClr val="tx2">
-                              <a:lumMod val="40000"/>
-                              <a:lumOff val="60000"/>
-                            </a:schemeClr>
-                          </a:solidFill>
-                        </a:rPr>
-                        <a:t>클래스 설계</a:t>
-                      </a:r>
-                      <a:endParaRPr lang="en-US" altLang="ko-KR" sz="800" dirty="0" smtClean="0">
-                        <a:solidFill>
-                          <a:schemeClr val="tx2">
-                            <a:lumMod val="40000"/>
-                            <a:lumOff val="60000"/>
-                          </a:schemeClr>
-                        </a:solidFill>
-                      </a:endParaRPr>
-                    </a:p>
-                    <a:p>
                       <a:pPr latinLnBrk="1"/>
                       <a:endParaRPr lang="en-US" altLang="ko-KR" sz="800" dirty="0" smtClean="0">
                         <a:solidFill>
@@ -7342,23 +7005,7 @@
                       </a:endParaRPr>
                     </a:p>
                     <a:p>
-                      <a:pPr marL="0" marR="0" indent="0" algn="l" defTabSz="914400" rtl="0" eaLnBrk="1" fontAlgn="auto" latinLnBrk="1" hangingPunct="1">
-                        <a:lnSpc>
-                          <a:spcPct val="100000"/>
-                        </a:lnSpc>
-                        <a:spcBef>
-                          <a:spcPts val="0"/>
-                        </a:spcBef>
-                        <a:spcAft>
-                          <a:spcPts val="0"/>
-                        </a:spcAft>
-                        <a:buClrTx/>
-                        <a:buSzTx/>
-                        <a:buFontTx/>
-                        <a:buNone/>
-                        <a:tabLst/>
-                        <a:defRPr/>
-                      </a:pPr>
+                      <a:pPr latinLnBrk="1"/>
                       <a:r>
                         <a:rPr lang="ko-KR" altLang="en-US" sz="800" dirty="0" smtClean="0">
                           <a:solidFill>
@@ -7368,67 +7015,7 @@
                             </a:schemeClr>
                           </a:solidFill>
                         </a:rPr>
-                        <a:t>클래스 설계</a:t>
-                      </a:r>
-                      <a:endParaRPr lang="en-US" altLang="ko-KR" sz="800" dirty="0" smtClean="0">
-                        <a:solidFill>
-                          <a:schemeClr val="tx2">
-                            <a:lumMod val="40000"/>
-                            <a:lumOff val="60000"/>
-                          </a:schemeClr>
-                        </a:solidFill>
-                      </a:endParaRPr>
-                    </a:p>
-                    <a:p>
-                      <a:pPr marL="0" marR="0" indent="0" algn="l" defTabSz="914400" rtl="0" eaLnBrk="1" fontAlgn="auto" latinLnBrk="1" hangingPunct="1">
-                        <a:lnSpc>
-                          <a:spcPct val="100000"/>
-                        </a:lnSpc>
-                        <a:spcBef>
-                          <a:spcPts val="0"/>
-                        </a:spcBef>
-                        <a:spcAft>
-                          <a:spcPts val="0"/>
-                        </a:spcAft>
-                        <a:buClrTx/>
-                        <a:buSzTx/>
-                        <a:buFontTx/>
-                        <a:buNone/>
-                        <a:tabLst/>
-                        <a:defRPr/>
-                      </a:pPr>
-                      <a:r>
-                        <a:rPr lang="en-US" altLang="ko-KR" sz="800" dirty="0" smtClean="0">
-                          <a:solidFill>
-                            <a:schemeClr val="tx2">
-                              <a:lumMod val="40000"/>
-                              <a:lumOff val="60000"/>
-                            </a:schemeClr>
-                          </a:solidFill>
-                        </a:rPr>
-                        <a:t>+</a:t>
-                      </a:r>
-                      <a:r>
-                        <a:rPr lang="en-US" altLang="ko-KR" sz="800" baseline="0" dirty="0" smtClean="0">
-                          <a:solidFill>
-                            <a:schemeClr val="tx2">
-                              <a:lumMod val="40000"/>
-                              <a:lumOff val="60000"/>
-                            </a:schemeClr>
-                          </a:solidFill>
-                        </a:rPr>
-                        <a:t> PHP </a:t>
-                      </a:r>
-                      <a:r>
-                        <a:rPr lang="ko-KR" altLang="en-US" sz="800" baseline="0" dirty="0" smtClean="0">
-                          <a:solidFill>
-                            <a:schemeClr val="tx2">
-                              <a:lumMod val="40000"/>
-                              <a:lumOff val="60000"/>
-                            </a:schemeClr>
-                          </a:solidFill>
-                        </a:rPr>
-                        <a:t>책 독학</a:t>
+                        <a:t>국립중앙도서관 방문</a:t>
                       </a:r>
                       <a:endParaRPr lang="en-US" altLang="ko-KR" sz="800" dirty="0" smtClean="0">
                         <a:solidFill>
@@ -7472,104 +7059,6 @@
                       </a:endParaRPr>
                     </a:p>
                     <a:p>
-                      <a:pPr marL="0" marR="0" indent="0" algn="l" defTabSz="914400" rtl="0" eaLnBrk="1" fontAlgn="auto" latinLnBrk="1" hangingPunct="1">
-                        <a:lnSpc>
-                          <a:spcPct val="100000"/>
-                        </a:lnSpc>
-                        <a:spcBef>
-                          <a:spcPts val="0"/>
-                        </a:spcBef>
-                        <a:spcAft>
-                          <a:spcPts val="0"/>
-                        </a:spcAft>
-                        <a:buClrTx/>
-                        <a:buSzTx/>
-                        <a:buFontTx/>
-                        <a:buNone/>
-                        <a:tabLst/>
-                        <a:defRPr/>
-                      </a:pPr>
-                      <a:r>
-                        <a:rPr lang="ko-KR" altLang="en-US" sz="800" dirty="0" smtClean="0">
-                          <a:solidFill>
-                            <a:schemeClr val="tx2">
-                              <a:lumMod val="40000"/>
-                              <a:lumOff val="60000"/>
-                            </a:schemeClr>
-                          </a:solidFill>
-                        </a:rPr>
-                        <a:t>클래스 설계</a:t>
-                      </a:r>
-                      <a:endParaRPr lang="en-US" altLang="ko-KR" sz="800" dirty="0" smtClean="0">
-                        <a:solidFill>
-                          <a:schemeClr val="tx2">
-                            <a:lumMod val="40000"/>
-                            <a:lumOff val="60000"/>
-                          </a:schemeClr>
-                        </a:solidFill>
-                      </a:endParaRPr>
-                    </a:p>
-                    <a:p>
-                      <a:pPr marL="0" marR="0" indent="0" algn="l" defTabSz="914400" rtl="0" eaLnBrk="1" fontAlgn="auto" latinLnBrk="1" hangingPunct="1">
-                        <a:lnSpc>
-                          <a:spcPct val="100000"/>
-                        </a:lnSpc>
-                        <a:spcBef>
-                          <a:spcPts val="0"/>
-                        </a:spcBef>
-                        <a:spcAft>
-                          <a:spcPts val="0"/>
-                        </a:spcAft>
-                        <a:buClrTx/>
-                        <a:buSzTx/>
-                        <a:buFontTx/>
-                        <a:buNone/>
-                        <a:tabLst/>
-                        <a:defRPr/>
-                      </a:pPr>
-                      <a:r>
-                        <a:rPr lang="en-US" altLang="ko-KR" sz="800" dirty="0" smtClean="0">
-                          <a:solidFill>
-                            <a:schemeClr val="tx2">
-                              <a:lumMod val="40000"/>
-                              <a:lumOff val="60000"/>
-                            </a:schemeClr>
-                          </a:solidFill>
-                        </a:rPr>
-                        <a:t>+</a:t>
-                      </a:r>
-                      <a:r>
-                        <a:rPr lang="en-US" altLang="ko-KR" sz="800" baseline="0" dirty="0" smtClean="0">
-                          <a:solidFill>
-                            <a:schemeClr val="tx2">
-                              <a:lumMod val="40000"/>
-                              <a:lumOff val="60000"/>
-                            </a:schemeClr>
-                          </a:solidFill>
-                        </a:rPr>
-                        <a:t> PHP </a:t>
-                      </a:r>
-                      <a:r>
-                        <a:rPr lang="ko-KR" altLang="en-US" sz="800" baseline="0" dirty="0" smtClean="0">
-                          <a:solidFill>
-                            <a:schemeClr val="tx2">
-                              <a:lumMod val="40000"/>
-                              <a:lumOff val="60000"/>
-                            </a:schemeClr>
-                          </a:solidFill>
-                        </a:rPr>
-                        <a:t>책 독학</a:t>
-                      </a:r>
-                      <a:endParaRPr lang="en-US" altLang="ko-KR" sz="800" dirty="0" smtClean="0">
-                        <a:solidFill>
-                          <a:schemeClr val="tx2">
-                            <a:lumMod val="40000"/>
-                            <a:lumOff val="60000"/>
-                          </a:schemeClr>
-                        </a:solidFill>
-                      </a:endParaRPr>
-                    </a:p>
-                    <a:p>
                       <a:pPr latinLnBrk="1"/>
                       <a:endParaRPr lang="ko-KR" altLang="en-US" sz="800" dirty="0">
                         <a:solidFill>
@@ -7613,104 +7102,6 @@
                       </a:endParaRPr>
                     </a:p>
                     <a:p>
-                      <a:pPr marL="0" marR="0" indent="0" algn="l" defTabSz="914400" rtl="0" eaLnBrk="1" fontAlgn="auto" latinLnBrk="1" hangingPunct="1">
-                        <a:lnSpc>
-                          <a:spcPct val="100000"/>
-                        </a:lnSpc>
-                        <a:spcBef>
-                          <a:spcPts val="0"/>
-                        </a:spcBef>
-                        <a:spcAft>
-                          <a:spcPts val="0"/>
-                        </a:spcAft>
-                        <a:buClrTx/>
-                        <a:buSzTx/>
-                        <a:buFontTx/>
-                        <a:buNone/>
-                        <a:tabLst/>
-                        <a:defRPr/>
-                      </a:pPr>
-                      <a:r>
-                        <a:rPr lang="ko-KR" altLang="en-US" sz="800" dirty="0" smtClean="0">
-                          <a:solidFill>
-                            <a:schemeClr val="tx2">
-                              <a:lumMod val="40000"/>
-                              <a:lumOff val="60000"/>
-                            </a:schemeClr>
-                          </a:solidFill>
-                        </a:rPr>
-                        <a:t>클래스 설계</a:t>
-                      </a:r>
-                      <a:endParaRPr lang="en-US" altLang="ko-KR" sz="800" dirty="0" smtClean="0">
-                        <a:solidFill>
-                          <a:schemeClr val="tx2">
-                            <a:lumMod val="40000"/>
-                            <a:lumOff val="60000"/>
-                          </a:schemeClr>
-                        </a:solidFill>
-                      </a:endParaRPr>
-                    </a:p>
-                    <a:p>
-                      <a:pPr marL="0" marR="0" indent="0" algn="l" defTabSz="914400" rtl="0" eaLnBrk="1" fontAlgn="auto" latinLnBrk="1" hangingPunct="1">
-                        <a:lnSpc>
-                          <a:spcPct val="100000"/>
-                        </a:lnSpc>
-                        <a:spcBef>
-                          <a:spcPts val="0"/>
-                        </a:spcBef>
-                        <a:spcAft>
-                          <a:spcPts val="0"/>
-                        </a:spcAft>
-                        <a:buClrTx/>
-                        <a:buSzTx/>
-                        <a:buFontTx/>
-                        <a:buNone/>
-                        <a:tabLst/>
-                        <a:defRPr/>
-                      </a:pPr>
-                      <a:r>
-                        <a:rPr lang="en-US" altLang="ko-KR" sz="800" dirty="0" smtClean="0">
-                          <a:solidFill>
-                            <a:schemeClr val="tx2">
-                              <a:lumMod val="40000"/>
-                              <a:lumOff val="60000"/>
-                            </a:schemeClr>
-                          </a:solidFill>
-                        </a:rPr>
-                        <a:t>+</a:t>
-                      </a:r>
-                      <a:r>
-                        <a:rPr lang="en-US" altLang="ko-KR" sz="800" baseline="0" dirty="0" smtClean="0">
-                          <a:solidFill>
-                            <a:schemeClr val="tx2">
-                              <a:lumMod val="40000"/>
-                              <a:lumOff val="60000"/>
-                            </a:schemeClr>
-                          </a:solidFill>
-                        </a:rPr>
-                        <a:t> PHP </a:t>
-                      </a:r>
-                      <a:r>
-                        <a:rPr lang="ko-KR" altLang="en-US" sz="800" baseline="0" dirty="0" smtClean="0">
-                          <a:solidFill>
-                            <a:schemeClr val="tx2">
-                              <a:lumMod val="40000"/>
-                              <a:lumOff val="60000"/>
-                            </a:schemeClr>
-                          </a:solidFill>
-                        </a:rPr>
-                        <a:t>책 독학</a:t>
-                      </a:r>
-                      <a:endParaRPr lang="en-US" altLang="ko-KR" sz="800" dirty="0" smtClean="0">
-                        <a:solidFill>
-                          <a:schemeClr val="tx2">
-                            <a:lumMod val="40000"/>
-                            <a:lumOff val="60000"/>
-                          </a:schemeClr>
-                        </a:solidFill>
-                      </a:endParaRPr>
-                    </a:p>
-                    <a:p>
                       <a:pPr latinLnBrk="1"/>
                       <a:endParaRPr lang="ko-KR" altLang="en-US" sz="800" dirty="0">
                         <a:solidFill>
@@ -7744,115 +7135,6 @@
                     </a:p>
                     <a:p>
                       <a:pPr latinLnBrk="1"/>
-                      <a:endParaRPr lang="en-US" altLang="ko-KR" sz="800" dirty="0" smtClean="0">
-                        <a:solidFill>
-                          <a:schemeClr val="tx2">
-                            <a:lumMod val="40000"/>
-                            <a:lumOff val="60000"/>
-                          </a:schemeClr>
-                        </a:solidFill>
-                      </a:endParaRPr>
-                    </a:p>
-                    <a:p>
-                      <a:pPr marL="0" marR="0" indent="0" algn="l" defTabSz="914400" rtl="0" eaLnBrk="1" fontAlgn="auto" latinLnBrk="1" hangingPunct="1">
-                        <a:lnSpc>
-                          <a:spcPct val="100000"/>
-                        </a:lnSpc>
-                        <a:spcBef>
-                          <a:spcPts val="0"/>
-                        </a:spcBef>
-                        <a:spcAft>
-                          <a:spcPts val="0"/>
-                        </a:spcAft>
-                        <a:buClrTx/>
-                        <a:buSzTx/>
-                        <a:buFontTx/>
-                        <a:buNone/>
-                        <a:tabLst/>
-                        <a:defRPr/>
-                      </a:pPr>
-                      <a:r>
-                        <a:rPr lang="ko-KR" altLang="en-US" sz="800" dirty="0" smtClean="0">
-                          <a:solidFill>
-                            <a:schemeClr val="tx2">
-                              <a:lumMod val="40000"/>
-                              <a:lumOff val="60000"/>
-                            </a:schemeClr>
-                          </a:solidFill>
-                        </a:rPr>
-                        <a:t>클래스 설계</a:t>
-                      </a:r>
-                      <a:endParaRPr lang="en-US" altLang="ko-KR" sz="800" dirty="0" smtClean="0">
-                        <a:solidFill>
-                          <a:schemeClr val="tx2">
-                            <a:lumMod val="40000"/>
-                            <a:lumOff val="60000"/>
-                          </a:schemeClr>
-                        </a:solidFill>
-                      </a:endParaRPr>
-                    </a:p>
-                    <a:p>
-                      <a:pPr marL="0" marR="0" indent="0" algn="l" defTabSz="914400" rtl="0" eaLnBrk="1" fontAlgn="auto" latinLnBrk="1" hangingPunct="1">
-                        <a:lnSpc>
-                          <a:spcPct val="100000"/>
-                        </a:lnSpc>
-                        <a:spcBef>
-                          <a:spcPts val="0"/>
-                        </a:spcBef>
-                        <a:spcAft>
-                          <a:spcPts val="0"/>
-                        </a:spcAft>
-                        <a:buClrTx/>
-                        <a:buSzTx/>
-                        <a:buFontTx/>
-                        <a:buNone/>
-                        <a:tabLst/>
-                        <a:defRPr/>
-                      </a:pPr>
-                      <a:r>
-                        <a:rPr lang="en-US" altLang="ko-KR" sz="800" dirty="0" smtClean="0">
-                          <a:solidFill>
-                            <a:schemeClr val="tx2">
-                              <a:lumMod val="40000"/>
-                              <a:lumOff val="60000"/>
-                            </a:schemeClr>
-                          </a:solidFill>
-                        </a:rPr>
-                        <a:t>+</a:t>
-                      </a:r>
-                      <a:r>
-                        <a:rPr lang="en-US" altLang="ko-KR" sz="800" baseline="0" dirty="0" smtClean="0">
-                          <a:solidFill>
-                            <a:schemeClr val="tx2">
-                              <a:lumMod val="40000"/>
-                              <a:lumOff val="60000"/>
-                            </a:schemeClr>
-                          </a:solidFill>
-                        </a:rPr>
-                        <a:t> PHP </a:t>
-                      </a:r>
-                      <a:r>
-                        <a:rPr lang="ko-KR" altLang="en-US" sz="800" baseline="0" dirty="0" smtClean="0">
-                          <a:solidFill>
-                            <a:schemeClr val="tx2">
-                              <a:lumMod val="40000"/>
-                              <a:lumOff val="60000"/>
-                            </a:schemeClr>
-                          </a:solidFill>
-                        </a:rPr>
-                        <a:t>책 </a:t>
-                      </a:r>
-                      <a:r>
-                        <a:rPr lang="ko-KR" altLang="en-US" sz="800" baseline="0" dirty="0" smtClean="0">
-                          <a:solidFill>
-                            <a:schemeClr val="tx2">
-                              <a:lumMod val="40000"/>
-                              <a:lumOff val="60000"/>
-                            </a:schemeClr>
-                          </a:solidFill>
-                        </a:rPr>
-                        <a:t>독학</a:t>
-                      </a:r>
                       <a:endParaRPr lang="en-US" altLang="ko-KR" sz="800" dirty="0" smtClean="0">
                         <a:solidFill>
                           <a:schemeClr val="tx2">
@@ -8267,8 +7549,8 @@
         </p:nvSpPr>
         <p:spPr>
           <a:xfrm>
-            <a:off x="3730240" y="2132856"/>
-            <a:ext cx="100645" cy="108012"/>
+            <a:off x="2915816" y="2078850"/>
+            <a:ext cx="216024" cy="216024"/>
           </a:xfrm>
           <a:prstGeom prst="ellipse">
             <a:avLst/>
@@ -8307,8 +7589,8 @@
         </p:nvSpPr>
         <p:spPr>
           <a:xfrm>
-            <a:off x="4932725" y="2132856"/>
-            <a:ext cx="105054" cy="94134"/>
+            <a:off x="4139952" y="2078850"/>
+            <a:ext cx="216024" cy="180739"/>
           </a:xfrm>
           <a:prstGeom prst="flowChartExtract">
             <a:avLst/>
@@ -8347,8 +7629,8 @@
         </p:nvSpPr>
         <p:spPr>
           <a:xfrm>
-            <a:off x="1043608" y="476672"/>
-            <a:ext cx="100645" cy="108012"/>
+            <a:off x="1331640" y="2728710"/>
+            <a:ext cx="134193" cy="144016"/>
           </a:xfrm>
           <a:prstGeom prst="ellipse">
             <a:avLst/>
@@ -8387,10 +7669,298 @@
         </p:nvSpPr>
         <p:spPr>
           <a:xfrm>
-            <a:off x="1331640" y="476672"/>
-            <a:ext cx="105054" cy="94134"/>
+            <a:off x="7191729" y="2076967"/>
+            <a:ext cx="260589" cy="226728"/>
           </a:xfrm>
           <a:prstGeom prst="flowChartExtract">
+            <a:avLst/>
+          </a:prstGeom>
+        </p:spPr>
+        <p:style>
+          <a:lnRef idx="2">
+            <a:schemeClr val="accent1">
+              <a:shade val="50000"/>
+            </a:schemeClr>
+          </a:lnRef>
+          <a:fillRef idx="1">
+            <a:schemeClr val="accent1"/>
+          </a:fillRef>
+          <a:effectRef idx="0">
+            <a:schemeClr val="accent1"/>
+          </a:effectRef>
+          <a:fontRef idx="minor">
+            <a:schemeClr val="lt1"/>
+          </a:fontRef>
+        </p:style>
+        <p:txBody>
+          <a:bodyPr rtlCol="0" anchor="ctr"/>
+          <a:lstStyle/>
+          <a:p>
+            <a:pPr algn="ctr"/>
+            <a:endParaRPr lang="ko-KR" altLang="en-US"/>
+          </a:p>
+        </p:txBody>
+      </p:sp>
+      <p:sp>
+        <p:nvSpPr>
+          <p:cNvPr id="8" name="순서도: 추출 7"/>
+          <p:cNvSpPr/>
+          <p:nvPr/>
+        </p:nvSpPr>
+        <p:spPr>
+          <a:xfrm>
+            <a:off x="6054708" y="2085789"/>
+            <a:ext cx="244317" cy="209085"/>
+          </a:xfrm>
+          <a:prstGeom prst="flowChartExtract">
+            <a:avLst/>
+          </a:prstGeom>
+        </p:spPr>
+        <p:style>
+          <a:lnRef idx="2">
+            <a:schemeClr val="accent1">
+              <a:shade val="50000"/>
+            </a:schemeClr>
+          </a:lnRef>
+          <a:fillRef idx="1">
+            <a:schemeClr val="accent1"/>
+          </a:fillRef>
+          <a:effectRef idx="0">
+            <a:schemeClr val="accent1"/>
+          </a:effectRef>
+          <a:fontRef idx="minor">
+            <a:schemeClr val="lt1"/>
+          </a:fontRef>
+        </p:style>
+        <p:txBody>
+          <a:bodyPr rtlCol="0" anchor="ctr"/>
+          <a:lstStyle/>
+          <a:p>
+            <a:pPr algn="ctr"/>
+            <a:endParaRPr lang="ko-KR" altLang="en-US"/>
+          </a:p>
+        </p:txBody>
+      </p:sp>
+      <p:sp>
+        <p:nvSpPr>
+          <p:cNvPr id="3" name="&quot;없음&quot; 기호 2"/>
+          <p:cNvSpPr/>
+          <p:nvPr/>
+        </p:nvSpPr>
+        <p:spPr>
+          <a:xfrm>
+            <a:off x="1835696" y="476672"/>
+            <a:ext cx="216024" cy="216024"/>
+          </a:xfrm>
+          <a:prstGeom prst="noSmoking">
+            <a:avLst/>
+          </a:prstGeom>
+        </p:spPr>
+        <p:style>
+          <a:lnRef idx="2">
+            <a:schemeClr val="accent1">
+              <a:shade val="50000"/>
+            </a:schemeClr>
+          </a:lnRef>
+          <a:fillRef idx="1">
+            <a:schemeClr val="accent1"/>
+          </a:fillRef>
+          <a:effectRef idx="0">
+            <a:schemeClr val="accent1"/>
+          </a:effectRef>
+          <a:fontRef idx="minor">
+            <a:schemeClr val="lt1"/>
+          </a:fontRef>
+        </p:style>
+        <p:txBody>
+          <a:bodyPr rtlCol="0" anchor="ctr"/>
+          <a:lstStyle/>
+          <a:p>
+            <a:pPr algn="ctr"/>
+            <a:endParaRPr lang="ko-KR" altLang="en-US">
+              <a:solidFill>
+                <a:schemeClr val="tx1"/>
+              </a:solidFill>
+            </a:endParaRPr>
+          </a:p>
+        </p:txBody>
+      </p:sp>
+      <p:sp>
+        <p:nvSpPr>
+          <p:cNvPr id="10" name="&quot;없음&quot; 기호 9"/>
+          <p:cNvSpPr/>
+          <p:nvPr/>
+        </p:nvSpPr>
+        <p:spPr>
+          <a:xfrm>
+            <a:off x="7596336" y="2078850"/>
+            <a:ext cx="216024" cy="216024"/>
+          </a:xfrm>
+          <a:prstGeom prst="noSmoking">
+            <a:avLst/>
+          </a:prstGeom>
+        </p:spPr>
+        <p:style>
+          <a:lnRef idx="2">
+            <a:schemeClr val="accent1">
+              <a:shade val="50000"/>
+            </a:schemeClr>
+          </a:lnRef>
+          <a:fillRef idx="1">
+            <a:schemeClr val="accent1"/>
+          </a:fillRef>
+          <a:effectRef idx="0">
+            <a:schemeClr val="accent1"/>
+          </a:effectRef>
+          <a:fontRef idx="minor">
+            <a:schemeClr val="lt1"/>
+          </a:fontRef>
+        </p:style>
+        <p:txBody>
+          <a:bodyPr rtlCol="0" anchor="ctr"/>
+          <a:lstStyle/>
+          <a:p>
+            <a:pPr algn="ctr"/>
+            <a:endParaRPr lang="ko-KR" altLang="en-US">
+              <a:solidFill>
+                <a:schemeClr val="tx1"/>
+              </a:solidFill>
+            </a:endParaRPr>
+          </a:p>
+        </p:txBody>
+      </p:sp>
+      <p:sp>
+        <p:nvSpPr>
+          <p:cNvPr id="15" name="타원 14"/>
+          <p:cNvSpPr/>
+          <p:nvPr/>
+        </p:nvSpPr>
+        <p:spPr>
+          <a:xfrm>
+            <a:off x="3779912" y="2800718"/>
+            <a:ext cx="127229" cy="142228"/>
+          </a:xfrm>
+          <a:prstGeom prst="ellipse">
+            <a:avLst/>
+          </a:prstGeom>
+        </p:spPr>
+        <p:style>
+          <a:lnRef idx="2">
+            <a:schemeClr val="accent1">
+              <a:shade val="50000"/>
+            </a:schemeClr>
+          </a:lnRef>
+          <a:fillRef idx="1">
+            <a:schemeClr val="accent1"/>
+          </a:fillRef>
+          <a:effectRef idx="0">
+            <a:schemeClr val="accent1"/>
+          </a:effectRef>
+          <a:fontRef idx="minor">
+            <a:schemeClr val="lt1"/>
+          </a:fontRef>
+        </p:style>
+        <p:txBody>
+          <a:bodyPr rtlCol="0" anchor="ctr"/>
+          <a:lstStyle/>
+          <a:p>
+            <a:pPr algn="ctr"/>
+            <a:endParaRPr lang="ko-KR" altLang="en-US"/>
+          </a:p>
+        </p:txBody>
+      </p:sp>
+      <p:sp>
+        <p:nvSpPr>
+          <p:cNvPr id="16" name="순서도: 추출 15"/>
+          <p:cNvSpPr/>
+          <p:nvPr/>
+        </p:nvSpPr>
+        <p:spPr>
+          <a:xfrm>
+            <a:off x="2613968" y="2818720"/>
+            <a:ext cx="144016" cy="108012"/>
+          </a:xfrm>
+          <a:prstGeom prst="flowChartExtract">
+            <a:avLst/>
+          </a:prstGeom>
+        </p:spPr>
+        <p:style>
+          <a:lnRef idx="2">
+            <a:schemeClr val="accent1">
+              <a:shade val="50000"/>
+            </a:schemeClr>
+          </a:lnRef>
+          <a:fillRef idx="1">
+            <a:schemeClr val="accent1"/>
+          </a:fillRef>
+          <a:effectRef idx="0">
+            <a:schemeClr val="accent1"/>
+          </a:effectRef>
+          <a:fontRef idx="minor">
+            <a:schemeClr val="lt1"/>
+          </a:fontRef>
+        </p:style>
+        <p:txBody>
+          <a:bodyPr rtlCol="0" anchor="ctr"/>
+          <a:lstStyle/>
+          <a:p>
+            <a:pPr algn="ctr"/>
+            <a:endParaRPr lang="ko-KR" altLang="en-US"/>
+          </a:p>
+        </p:txBody>
+      </p:sp>
+      <p:sp>
+        <p:nvSpPr>
+          <p:cNvPr id="17" name="타원 16"/>
+          <p:cNvSpPr/>
+          <p:nvPr/>
+        </p:nvSpPr>
+        <p:spPr>
+          <a:xfrm>
+            <a:off x="1043608" y="476672"/>
+            <a:ext cx="134193" cy="144016"/>
+          </a:xfrm>
+          <a:prstGeom prst="ellipse">
+            <a:avLst/>
+          </a:prstGeom>
+        </p:spPr>
+        <p:style>
+          <a:lnRef idx="2">
+            <a:schemeClr val="accent1">
+              <a:shade val="50000"/>
+            </a:schemeClr>
+          </a:lnRef>
+          <a:fillRef idx="1">
+            <a:schemeClr val="accent1"/>
+          </a:fillRef>
+          <a:effectRef idx="0">
+            <a:schemeClr val="accent1"/>
+          </a:effectRef>
+          <a:fontRef idx="minor">
+            <a:schemeClr val="lt1"/>
+          </a:fontRef>
+        </p:style>
+        <p:txBody>
+          <a:bodyPr rtlCol="0" anchor="ctr"/>
+          <a:lstStyle/>
+          <a:p>
+            <a:pPr algn="ctr"/>
+            <a:endParaRPr lang="ko-KR" altLang="en-US"/>
+          </a:p>
+        </p:txBody>
+      </p:sp>
+      <p:sp>
+        <p:nvSpPr>
+          <p:cNvPr id="18" name="타원 17"/>
+          <p:cNvSpPr/>
+          <p:nvPr/>
+        </p:nvSpPr>
+        <p:spPr>
+          <a:xfrm>
+            <a:off x="4947387" y="2800718"/>
+            <a:ext cx="118846" cy="127546"/>
+          </a:xfrm>
+          <a:prstGeom prst="ellipse">
             <a:avLst/>
           </a:prstGeom>
         </p:spPr>
